--- a/Capstone Presentation.pptx
+++ b/Capstone Presentation.pptx
@@ -5,14 +5,19 @@
     <p:sldMasterId id="2147483648" r:id="rId1"/>
   </p:sldMasterIdLst>
   <p:notesMasterIdLst>
-    <p:notesMasterId r:id="rId7"/>
+    <p:notesMasterId r:id="rId12"/>
   </p:notesMasterIdLst>
   <p:sldIdLst>
     <p:sldId id="256" r:id="rId2"/>
     <p:sldId id="259" r:id="rId3"/>
-    <p:sldId id="260" r:id="rId4"/>
-    <p:sldId id="257" r:id="rId5"/>
-    <p:sldId id="258" r:id="rId6"/>
+    <p:sldId id="257" r:id="rId4"/>
+    <p:sldId id="258" r:id="rId5"/>
+    <p:sldId id="262" r:id="rId6"/>
+    <p:sldId id="263" r:id="rId7"/>
+    <p:sldId id="264" r:id="rId8"/>
+    <p:sldId id="265" r:id="rId9"/>
+    <p:sldId id="266" r:id="rId10"/>
+    <p:sldId id="268" r:id="rId11"/>
   </p:sldIdLst>
   <p:sldSz cx="12192000" cy="6858000"/>
   <p:notesSz cx="6858000" cy="9144000"/>
@@ -111,6 +116,11 @@
       </a:defRPr>
     </a:lvl9pPr>
   </p:defaultTextStyle>
+  <p:extLst>
+    <p:ext uri="{EFAFB233-063F-42B5-8137-9DF3F51BA10A}">
+      <p15:sldGuideLst xmlns:p15="http://schemas.microsoft.com/office/powerpoint/2012/main"/>
+    </p:ext>
+  </p:extLst>
 </p:presentation>
 </file>
 
@@ -196,7 +206,7 @@
           <a:p>
             <a:fld id="{42052606-113D-49A6-86DC-EC0D8296D6EC}" type="datetimeFigureOut">
               <a:rPr lang="en-US" smtClean="0"/>
-              <a:t>12/1/2021</a:t>
+              <a:t>12/3/2021</a:t>
             </a:fld>
             <a:endParaRPr lang="en-US"/>
           </a:p>
@@ -708,7 +718,7 @@
           <a:p>
             <a:fld id="{B812A999-6CC8-40B6-836D-BA9187669989}" type="datetimeFigureOut">
               <a:rPr lang="en-US" smtClean="0"/>
-              <a:t>12/1/2021</a:t>
+              <a:t>12/3/2021</a:t>
             </a:fld>
             <a:endParaRPr lang="en-US"/>
           </a:p>
@@ -906,7 +916,7 @@
           <a:p>
             <a:fld id="{B812A999-6CC8-40B6-836D-BA9187669989}" type="datetimeFigureOut">
               <a:rPr lang="en-US" smtClean="0"/>
-              <a:t>12/1/2021</a:t>
+              <a:t>12/3/2021</a:t>
             </a:fld>
             <a:endParaRPr lang="en-US"/>
           </a:p>
@@ -1114,7 +1124,7 @@
           <a:p>
             <a:fld id="{B812A999-6CC8-40B6-836D-BA9187669989}" type="datetimeFigureOut">
               <a:rPr lang="en-US" smtClean="0"/>
-              <a:t>12/1/2021</a:t>
+              <a:t>12/3/2021</a:t>
             </a:fld>
             <a:endParaRPr lang="en-US"/>
           </a:p>
@@ -1312,7 +1322,7 @@
           <a:p>
             <a:fld id="{B812A999-6CC8-40B6-836D-BA9187669989}" type="datetimeFigureOut">
               <a:rPr lang="en-US" smtClean="0"/>
-              <a:t>12/1/2021</a:t>
+              <a:t>12/3/2021</a:t>
             </a:fld>
             <a:endParaRPr lang="en-US"/>
           </a:p>
@@ -1587,7 +1597,7 @@
           <a:p>
             <a:fld id="{B812A999-6CC8-40B6-836D-BA9187669989}" type="datetimeFigureOut">
               <a:rPr lang="en-US" smtClean="0"/>
-              <a:t>12/1/2021</a:t>
+              <a:t>12/3/2021</a:t>
             </a:fld>
             <a:endParaRPr lang="en-US"/>
           </a:p>
@@ -1852,7 +1862,7 @@
           <a:p>
             <a:fld id="{B812A999-6CC8-40B6-836D-BA9187669989}" type="datetimeFigureOut">
               <a:rPr lang="en-US" smtClean="0"/>
-              <a:t>12/1/2021</a:t>
+              <a:t>12/3/2021</a:t>
             </a:fld>
             <a:endParaRPr lang="en-US"/>
           </a:p>
@@ -2264,7 +2274,7 @@
           <a:p>
             <a:fld id="{B812A999-6CC8-40B6-836D-BA9187669989}" type="datetimeFigureOut">
               <a:rPr lang="en-US" smtClean="0"/>
-              <a:t>12/1/2021</a:t>
+              <a:t>12/3/2021</a:t>
             </a:fld>
             <a:endParaRPr lang="en-US"/>
           </a:p>
@@ -2405,7 +2415,7 @@
           <a:p>
             <a:fld id="{B812A999-6CC8-40B6-836D-BA9187669989}" type="datetimeFigureOut">
               <a:rPr lang="en-US" smtClean="0"/>
-              <a:t>12/1/2021</a:t>
+              <a:t>12/3/2021</a:t>
             </a:fld>
             <a:endParaRPr lang="en-US"/>
           </a:p>
@@ -2518,7 +2528,7 @@
           <a:p>
             <a:fld id="{B812A999-6CC8-40B6-836D-BA9187669989}" type="datetimeFigureOut">
               <a:rPr lang="en-US" smtClean="0"/>
-              <a:t>12/1/2021</a:t>
+              <a:t>12/3/2021</a:t>
             </a:fld>
             <a:endParaRPr lang="en-US"/>
           </a:p>
@@ -2829,7 +2839,7 @@
           <a:p>
             <a:fld id="{B812A999-6CC8-40B6-836D-BA9187669989}" type="datetimeFigureOut">
               <a:rPr lang="en-US" smtClean="0"/>
-              <a:t>12/1/2021</a:t>
+              <a:t>12/3/2021</a:t>
             </a:fld>
             <a:endParaRPr lang="en-US"/>
           </a:p>
@@ -3117,7 +3127,7 @@
           <a:p>
             <a:fld id="{B812A999-6CC8-40B6-836D-BA9187669989}" type="datetimeFigureOut">
               <a:rPr lang="en-US" smtClean="0"/>
-              <a:t>12/1/2021</a:t>
+              <a:t>12/3/2021</a:t>
             </a:fld>
             <a:endParaRPr lang="en-US"/>
           </a:p>
@@ -3358,7 +3368,7 @@
           <a:p>
             <a:fld id="{B812A999-6CC8-40B6-836D-BA9187669989}" type="datetimeFigureOut">
               <a:rPr lang="en-US" smtClean="0"/>
-              <a:t>12/1/2021</a:t>
+              <a:t>12/3/2021</a:t>
             </a:fld>
             <a:endParaRPr lang="en-US"/>
           </a:p>
@@ -3994,7 +4004,7 @@
             <a:pPr algn="l"/>
             <a:r>
               <a:rPr lang="en-US" sz="6600" dirty="0"/>
-              <a:t>Who’s that Pokémon? (featuring Neural Networks)</a:t>
+              <a:t>Who’s that Pokémon? (Card)</a:t>
             </a:r>
             <a:br>
               <a:rPr lang="en-US" sz="6600" dirty="0"/>
@@ -4256,9 +4266,17 @@
 </p:sld>
 </file>
 
-<file path=ppt/slides/slide2.xml><?xml version="1.0" encoding="utf-8"?>
+<file path=ppt/slides/slide10.xml><?xml version="1.0" encoding="utf-8"?>
 <p:sld xmlns:a="http://schemas.openxmlformats.org/drawingml/2006/main" xmlns:r="http://schemas.openxmlformats.org/officeDocument/2006/relationships" xmlns:p="http://schemas.openxmlformats.org/presentationml/2006/main">
   <p:cSld>
+    <p:bg>
+      <p:bgPr>
+        <a:solidFill>
+          <a:schemeClr val="bg1"/>
+        </a:solidFill>
+        <a:effectLst/>
+      </p:bgPr>
+    </p:bg>
     <p:spTree>
       <p:nvGrpSpPr>
         <p:cNvPr id="1" name=""/>
@@ -4273,11 +4291,398 @@
           <a:chExt cx="0" cy="0"/>
         </a:xfrm>
       </p:grpSpPr>
+      <p:pic>
+        <p:nvPicPr>
+          <p:cNvPr id="5" name="Picture 4" descr="Many question marks on black background">
+            <a:extLst>
+              <a:ext uri="{FF2B5EF4-FFF2-40B4-BE49-F238E27FC236}">
+                <a16:creationId xmlns:a16="http://schemas.microsoft.com/office/drawing/2014/main" id="{58A68C21-7586-481B-993D-B653FDCC5A60}"/>
+              </a:ext>
+            </a:extLst>
+          </p:cNvPr>
+          <p:cNvPicPr>
+            <a:picLocks noChangeAspect="1"/>
+          </p:cNvPicPr>
+          <p:nvPr/>
+        </p:nvPicPr>
+        <p:blipFill rotWithShape="1">
+          <a:blip r:embed="rId2"/>
+          <a:srcRect t="7787"/>
+          <a:stretch/>
+        </p:blipFill>
+        <p:spPr>
+          <a:xfrm>
+            <a:off x="20" y="10"/>
+            <a:ext cx="12191980" cy="6857990"/>
+          </a:xfrm>
+          <a:prstGeom prst="rect">
+            <a:avLst/>
+          </a:prstGeom>
+        </p:spPr>
+      </p:pic>
+      <p:sp>
+        <p:nvSpPr>
+          <p:cNvPr id="9" name="Freeform 5">
+            <a:extLst>
+              <a:ext uri="{FF2B5EF4-FFF2-40B4-BE49-F238E27FC236}">
+                <a16:creationId xmlns:a16="http://schemas.microsoft.com/office/drawing/2014/main" id="{87CC2527-562A-4F69-B487-4371E5B243E7}"/>
+              </a:ext>
+              <a:ext uri="{C183D7F6-B498-43B3-948B-1728B52AA6E4}">
+                <adec:decorative xmlns:adec="http://schemas.microsoft.com/office/drawing/2017/decorative" val="1"/>
+              </a:ext>
+            </a:extLst>
+          </p:cNvPr>
+          <p:cNvSpPr>
+            <a:spLocks noGrp="1" noRot="1" noChangeAspect="1" noMove="1" noResize="1" noEditPoints="1" noAdjustHandles="1" noChangeArrowheads="1" noChangeShapeType="1" noTextEdit="1"/>
+          </p:cNvSpPr>
+          <p:nvPr>
+            <p:extLst>
+              <p:ext uri="{386F3935-93C4-4BCD-93E2-E3B085C9AB24}">
+                <p16:designElem xmlns:p16="http://schemas.microsoft.com/office/powerpoint/2015/main" val="1"/>
+              </p:ext>
+            </p:extLst>
+          </p:nvPr>
+        </p:nvSpPr>
+        <p:spPr bwMode="grayWhite">
+          <a:xfrm>
+            <a:off x="7488621" y="2277613"/>
+            <a:ext cx="4703379" cy="4580387"/>
+          </a:xfrm>
+          <a:custGeom>
+            <a:avLst/>
+            <a:gdLst>
+              <a:gd name="T0" fmla="*/ 1333 w 1333"/>
+              <a:gd name="T1" fmla="*/ 1031 h 1298"/>
+              <a:gd name="T2" fmla="*/ 1333 w 1333"/>
+              <a:gd name="T3" fmla="*/ 380 h 1298"/>
+              <a:gd name="T4" fmla="*/ 706 w 1333"/>
+              <a:gd name="T5" fmla="*/ 0 h 1298"/>
+              <a:gd name="T6" fmla="*/ 0 w 1333"/>
+              <a:gd name="T7" fmla="*/ 706 h 1298"/>
+              <a:gd name="T8" fmla="*/ 323 w 1333"/>
+              <a:gd name="T9" fmla="*/ 1298 h 1298"/>
+              <a:gd name="T10" fmla="*/ 1090 w 1333"/>
+              <a:gd name="T11" fmla="*/ 1298 h 1298"/>
+              <a:gd name="T12" fmla="*/ 1333 w 1333"/>
+              <a:gd name="T13" fmla="*/ 1031 h 1298"/>
+            </a:gdLst>
+            <a:ahLst/>
+            <a:cxnLst>
+              <a:cxn ang="0">
+                <a:pos x="T0" y="T1"/>
+              </a:cxn>
+              <a:cxn ang="0">
+                <a:pos x="T2" y="T3"/>
+              </a:cxn>
+              <a:cxn ang="0">
+                <a:pos x="T4" y="T5"/>
+              </a:cxn>
+              <a:cxn ang="0">
+                <a:pos x="T6" y="T7"/>
+              </a:cxn>
+              <a:cxn ang="0">
+                <a:pos x="T8" y="T9"/>
+              </a:cxn>
+              <a:cxn ang="0">
+                <a:pos x="T10" y="T11"/>
+              </a:cxn>
+              <a:cxn ang="0">
+                <a:pos x="T12" y="T13"/>
+              </a:cxn>
+            </a:cxnLst>
+            <a:rect l="0" t="0" r="r" b="b"/>
+            <a:pathLst>
+              <a:path w="1333" h="1298">
+                <a:moveTo>
+                  <a:pt x="1333" y="1031"/>
+                </a:moveTo>
+                <a:cubicBezTo>
+                  <a:pt x="1333" y="380"/>
+                  <a:pt x="1333" y="380"/>
+                  <a:pt x="1333" y="380"/>
+                </a:cubicBezTo>
+                <a:cubicBezTo>
+                  <a:pt x="1215" y="154"/>
+                  <a:pt x="979" y="0"/>
+                  <a:pt x="706" y="0"/>
+                </a:cubicBezTo>
+                <a:cubicBezTo>
+                  <a:pt x="317" y="0"/>
+                  <a:pt x="0" y="316"/>
+                  <a:pt x="0" y="706"/>
+                </a:cubicBezTo>
+                <a:cubicBezTo>
+                  <a:pt x="0" y="954"/>
+                  <a:pt x="129" y="1172"/>
+                  <a:pt x="323" y="1298"/>
+                </a:cubicBezTo>
+                <a:cubicBezTo>
+                  <a:pt x="1090" y="1298"/>
+                  <a:pt x="1090" y="1298"/>
+                  <a:pt x="1090" y="1298"/>
+                </a:cubicBezTo>
+                <a:cubicBezTo>
+                  <a:pt x="1193" y="1232"/>
+                  <a:pt x="1276" y="1140"/>
+                  <a:pt x="1333" y="1031"/>
+                </a:cubicBezTo>
+                <a:close/>
+              </a:path>
+            </a:pathLst>
+          </a:custGeom>
+          <a:solidFill>
+            <a:schemeClr val="bg1">
+              <a:alpha val="70000"/>
+            </a:schemeClr>
+          </a:solidFill>
+          <a:ln w="50800" cap="sq" cmpd="dbl">
+            <a:noFill/>
+            <a:miter lim="800000"/>
+          </a:ln>
+          <a:effectLst/>
+        </p:spPr>
+        <p:txBody>
+          <a:bodyPr vert="horz" lIns="91440" tIns="45720" rIns="91440" bIns="45720" rtlCol="0" anchor="t">
+            <a:normAutofit/>
+          </a:bodyPr>
+          <a:lstStyle/>
+          <a:p>
+            <a:pPr algn="ctr">
+              <a:spcAft>
+                <a:spcPts val="1000"/>
+              </a:spcAft>
+              <a:buClr>
+                <a:schemeClr val="tx1"/>
+              </a:buClr>
+              <a:buSzPct val="100000"/>
+              <a:buFont typeface="Arial"/>
+              <a:buNone/>
+            </a:pPr>
+            <a:endParaRPr lang="en-US" sz="1600" cap="all"/>
+          </a:p>
+        </p:txBody>
+      </p:sp>
       <p:sp>
         <p:nvSpPr>
           <p:cNvPr id="2" name="Title 1">
             <a:extLst>
               <a:ext uri="{FF2B5EF4-FFF2-40B4-BE49-F238E27FC236}">
+                <a16:creationId xmlns:a16="http://schemas.microsoft.com/office/drawing/2014/main" id="{19E26A3E-9A66-4512-94E7-3187D67B3290}"/>
+              </a:ext>
+            </a:extLst>
+          </p:cNvPr>
+          <p:cNvSpPr>
+            <a:spLocks noGrp="1"/>
+          </p:cNvSpPr>
+          <p:nvPr>
+            <p:ph type="title"/>
+          </p:nvPr>
+        </p:nvSpPr>
+        <p:spPr>
+          <a:xfrm>
+            <a:off x="8022021" y="3231931"/>
+            <a:ext cx="3852041" cy="1834056"/>
+          </a:xfrm>
+        </p:spPr>
+        <p:txBody>
+          <a:bodyPr vert="horz" lIns="91440" tIns="45720" rIns="91440" bIns="45720" rtlCol="0" anchor="b">
+            <a:normAutofit/>
+          </a:bodyPr>
+          <a:lstStyle/>
+          <a:p>
+            <a:pPr algn="ctr"/>
+            <a:r>
+              <a:rPr lang="en-US" sz="4000"/>
+              <a:t>Questions</a:t>
+            </a:r>
+          </a:p>
+        </p:txBody>
+      </p:sp>
+      <p:cxnSp>
+        <p:nvCxnSpPr>
+          <p:cNvPr id="11" name="Straight Connector 10">
+            <a:extLst>
+              <a:ext uri="{FF2B5EF4-FFF2-40B4-BE49-F238E27FC236}">
+                <a16:creationId xmlns:a16="http://schemas.microsoft.com/office/drawing/2014/main" id="{BCDAEC91-5BCE-4B55-9CC0-43EF94CB734B}"/>
+              </a:ext>
+              <a:ext uri="{C183D7F6-B498-43B3-948B-1728B52AA6E4}">
+                <adec:decorative xmlns:adec="http://schemas.microsoft.com/office/drawing/2017/decorative" val="1"/>
+              </a:ext>
+            </a:extLst>
+          </p:cNvPr>
+          <p:cNvCxnSpPr>
+            <a:cxnSpLocks noGrp="1" noRot="1" noChangeAspect="1" noMove="1" noResize="1" noEditPoints="1" noAdjustHandles="1" noChangeArrowheads="1" noChangeShapeType="1"/>
+          </p:cNvCxnSpPr>
+          <p:nvPr>
+            <p:extLst>
+              <p:ext uri="{386F3935-93C4-4BCD-93E2-E3B085C9AB24}">
+                <p16:designElem xmlns:p16="http://schemas.microsoft.com/office/powerpoint/2015/main" val="1"/>
+              </p:ext>
+            </p:extLst>
+          </p:nvPr>
+        </p:nvCxnSpPr>
+        <p:spPr>
+          <a:xfrm>
+            <a:off x="9480331" y="5123793"/>
+            <a:ext cx="935420" cy="0"/>
+          </a:xfrm>
+          <a:prstGeom prst="line">
+            <a:avLst/>
+          </a:prstGeom>
+          <a:ln w="25400" cap="sq">
+            <a:solidFill>
+              <a:schemeClr val="tx1">
+                <a:lumMod val="85000"/>
+                <a:lumOff val="15000"/>
+              </a:schemeClr>
+            </a:solidFill>
+            <a:bevel/>
+          </a:ln>
+        </p:spPr>
+        <p:style>
+          <a:lnRef idx="1">
+            <a:schemeClr val="accent1"/>
+          </a:lnRef>
+          <a:fillRef idx="0">
+            <a:schemeClr val="accent1"/>
+          </a:fillRef>
+          <a:effectRef idx="0">
+            <a:schemeClr val="accent1"/>
+          </a:effectRef>
+          <a:fontRef idx="minor">
+            <a:schemeClr val="tx1"/>
+          </a:fontRef>
+        </p:style>
+      </p:cxnSp>
+    </p:spTree>
+    <p:extLst>
+      <p:ext uri="{BB962C8B-B14F-4D97-AF65-F5344CB8AC3E}">
+        <p14:creationId xmlns:p14="http://schemas.microsoft.com/office/powerpoint/2010/main" val="998046687"/>
+      </p:ext>
+    </p:extLst>
+  </p:cSld>
+  <p:clrMapOvr>
+    <a:masterClrMapping/>
+  </p:clrMapOvr>
+</p:sld>
+</file>
+
+<file path=ppt/slides/slide2.xml><?xml version="1.0" encoding="utf-8"?>
+<p:sld xmlns:a="http://schemas.openxmlformats.org/drawingml/2006/main" xmlns:r="http://schemas.openxmlformats.org/officeDocument/2006/relationships" xmlns:p="http://schemas.openxmlformats.org/presentationml/2006/main">
+  <p:cSld>
+    <p:bg>
+      <p:bgPr>
+        <a:gradFill>
+          <a:gsLst>
+            <a:gs pos="0">
+              <a:schemeClr val="accent1">
+                <a:lumMod val="5000"/>
+                <a:lumOff val="95000"/>
+              </a:schemeClr>
+            </a:gs>
+            <a:gs pos="74000">
+              <a:schemeClr val="accent1">
+                <a:lumMod val="45000"/>
+                <a:lumOff val="55000"/>
+              </a:schemeClr>
+            </a:gs>
+            <a:gs pos="83000">
+              <a:schemeClr val="accent1">
+                <a:lumMod val="45000"/>
+                <a:lumOff val="55000"/>
+              </a:schemeClr>
+            </a:gs>
+            <a:gs pos="100000">
+              <a:schemeClr val="accent1">
+                <a:lumMod val="30000"/>
+                <a:lumOff val="70000"/>
+              </a:schemeClr>
+            </a:gs>
+          </a:gsLst>
+          <a:lin ang="5400000" scaled="1"/>
+        </a:gradFill>
+        <a:effectLst/>
+      </p:bgPr>
+    </p:bg>
+    <p:spTree>
+      <p:nvGrpSpPr>
+        <p:cNvPr id="1" name=""/>
+        <p:cNvGrpSpPr/>
+        <p:nvPr/>
+      </p:nvGrpSpPr>
+      <p:grpSpPr>
+        <a:xfrm>
+          <a:off x="0" y="0"/>
+          <a:ext cx="0" cy="0"/>
+          <a:chOff x="0" y="0"/>
+          <a:chExt cx="0" cy="0"/>
+        </a:xfrm>
+      </p:grpSpPr>
+      <p:sp useBgFill="1">
+        <p:nvSpPr>
+          <p:cNvPr id="17" name="Rectangle 16">
+            <a:extLst>
+              <a:ext uri="{FF2B5EF4-FFF2-40B4-BE49-F238E27FC236}">
+                <a16:creationId xmlns:a16="http://schemas.microsoft.com/office/drawing/2014/main" id="{2B97F24A-32CE-4C1C-A50D-3016B394DCFB}"/>
+              </a:ext>
+              <a:ext uri="{C183D7F6-B498-43B3-948B-1728B52AA6E4}">
+                <adec:decorative xmlns:adec="http://schemas.microsoft.com/office/drawing/2017/decorative" val="1"/>
+              </a:ext>
+            </a:extLst>
+          </p:cNvPr>
+          <p:cNvSpPr>
+            <a:spLocks noGrp="1" noRot="1" noChangeAspect="1" noMove="1" noResize="1" noEditPoints="1" noAdjustHandles="1" noChangeArrowheads="1" noChangeShapeType="1" noTextEdit="1"/>
+          </p:cNvSpPr>
+          <p:nvPr>
+            <p:extLst>
+              <p:ext uri="{386F3935-93C4-4BCD-93E2-E3B085C9AB24}">
+                <p16:designElem xmlns:p16="http://schemas.microsoft.com/office/powerpoint/2015/main" val="1"/>
+              </p:ext>
+            </p:extLst>
+          </p:nvPr>
+        </p:nvSpPr>
+        <p:spPr>
+          <a:xfrm>
+            <a:off x="0" y="0"/>
+            <a:ext cx="12192000" cy="6858000"/>
+          </a:xfrm>
+          <a:prstGeom prst="rect">
+            <a:avLst/>
+          </a:prstGeom>
+          <a:ln>
+            <a:noFill/>
+          </a:ln>
+        </p:spPr>
+        <p:style>
+          <a:lnRef idx="2">
+            <a:schemeClr val="accent1">
+              <a:shade val="50000"/>
+            </a:schemeClr>
+          </a:lnRef>
+          <a:fillRef idx="1">
+            <a:schemeClr val="accent1"/>
+          </a:fillRef>
+          <a:effectRef idx="0">
+            <a:schemeClr val="accent1"/>
+          </a:effectRef>
+          <a:fontRef idx="minor">
+            <a:schemeClr val="lt1"/>
+          </a:fontRef>
+        </p:style>
+        <p:txBody>
+          <a:bodyPr rtlCol="0" anchor="ctr"/>
+          <a:lstStyle/>
+          <a:p>
+            <a:pPr algn="ctr"/>
+            <a:endParaRPr lang="en-US"/>
+          </a:p>
+        </p:txBody>
+      </p:sp>
+      <p:sp>
+        <p:nvSpPr>
+          <p:cNvPr id="2" name="Title 1">
+            <a:extLst>
+              <a:ext uri="{FF2B5EF4-FFF2-40B4-BE49-F238E27FC236}">
                 <a16:creationId xmlns:a16="http://schemas.microsoft.com/office/drawing/2014/main" id="{2A9CFFF5-0074-49B3-9EE1-C03E3087112C}"/>
               </a:ext>
             </a:extLst>
@@ -4289,13 +4694,20 @@
             <p:ph type="title"/>
           </p:nvPr>
         </p:nvSpPr>
-        <p:spPr/>
-        <p:txBody>
-          <a:bodyPr/>
+        <p:spPr>
+          <a:xfrm>
+            <a:off x="630936" y="639520"/>
+            <a:ext cx="3429000" cy="1719072"/>
+          </a:xfrm>
+        </p:spPr>
+        <p:txBody>
+          <a:bodyPr anchor="b">
+            <a:normAutofit/>
+          </a:bodyPr>
           <a:lstStyle/>
           <a:p>
             <a:r>
-              <a:rPr lang="en-US" dirty="0"/>
+              <a:rPr lang="en-US" sz="5000"/>
               <a:t>Introduction</a:t>
             </a:r>
           </a:p>
@@ -4303,6 +4715,279 @@
       </p:sp>
       <p:sp>
         <p:nvSpPr>
+          <p:cNvPr id="19" name="sketch line">
+            <a:extLst>
+              <a:ext uri="{FF2B5EF4-FFF2-40B4-BE49-F238E27FC236}">
+                <a16:creationId xmlns:a16="http://schemas.microsoft.com/office/drawing/2014/main" id="{CD8B4F24-440B-49E9-B85D-733523DC064B}"/>
+              </a:ext>
+              <a:ext uri="{C183D7F6-B498-43B3-948B-1728B52AA6E4}">
+                <adec:decorative xmlns:adec="http://schemas.microsoft.com/office/drawing/2017/decorative" val="1"/>
+              </a:ext>
+            </a:extLst>
+          </p:cNvPr>
+          <p:cNvSpPr>
+            <a:spLocks noGrp="1" noRot="1" noChangeAspect="1" noMove="1" noResize="1" noEditPoints="1" noAdjustHandles="1" noChangeArrowheads="1" noChangeShapeType="1" noTextEdit="1"/>
+          </p:cNvSpPr>
+          <p:nvPr>
+            <p:extLst>
+              <p:ext uri="{386F3935-93C4-4BCD-93E2-E3B085C9AB24}">
+                <p16:designElem xmlns:p16="http://schemas.microsoft.com/office/powerpoint/2015/main" val="1"/>
+              </p:ext>
+            </p:extLst>
+          </p:nvPr>
+        </p:nvSpPr>
+        <p:spPr>
+          <a:xfrm>
+            <a:off x="643278" y="2573756"/>
+            <a:ext cx="3255095" cy="18288"/>
+          </a:xfrm>
+          <a:custGeom>
+            <a:avLst/>
+            <a:gdLst>
+              <a:gd name="connsiteX0" fmla="*/ 0 w 3255095"/>
+              <a:gd name="connsiteY0" fmla="*/ 0 h 18288"/>
+              <a:gd name="connsiteX1" fmla="*/ 618468 w 3255095"/>
+              <a:gd name="connsiteY1" fmla="*/ 0 h 18288"/>
+              <a:gd name="connsiteX2" fmla="*/ 1269487 w 3255095"/>
+              <a:gd name="connsiteY2" fmla="*/ 0 h 18288"/>
+              <a:gd name="connsiteX3" fmla="*/ 1953057 w 3255095"/>
+              <a:gd name="connsiteY3" fmla="*/ 0 h 18288"/>
+              <a:gd name="connsiteX4" fmla="*/ 2636627 w 3255095"/>
+              <a:gd name="connsiteY4" fmla="*/ 0 h 18288"/>
+              <a:gd name="connsiteX5" fmla="*/ 3255095 w 3255095"/>
+              <a:gd name="connsiteY5" fmla="*/ 0 h 18288"/>
+              <a:gd name="connsiteX6" fmla="*/ 3255095 w 3255095"/>
+              <a:gd name="connsiteY6" fmla="*/ 18288 h 18288"/>
+              <a:gd name="connsiteX7" fmla="*/ 2538974 w 3255095"/>
+              <a:gd name="connsiteY7" fmla="*/ 18288 h 18288"/>
+              <a:gd name="connsiteX8" fmla="*/ 1822853 w 3255095"/>
+              <a:gd name="connsiteY8" fmla="*/ 18288 h 18288"/>
+              <a:gd name="connsiteX9" fmla="*/ 1171834 w 3255095"/>
+              <a:gd name="connsiteY9" fmla="*/ 18288 h 18288"/>
+              <a:gd name="connsiteX10" fmla="*/ 0 w 3255095"/>
+              <a:gd name="connsiteY10" fmla="*/ 18288 h 18288"/>
+              <a:gd name="connsiteX11" fmla="*/ 0 w 3255095"/>
+              <a:gd name="connsiteY11" fmla="*/ 0 h 18288"/>
+            </a:gdLst>
+            <a:ahLst/>
+            <a:cxnLst>
+              <a:cxn ang="0">
+                <a:pos x="connsiteX0" y="connsiteY0"/>
+              </a:cxn>
+              <a:cxn ang="0">
+                <a:pos x="connsiteX1" y="connsiteY1"/>
+              </a:cxn>
+              <a:cxn ang="0">
+                <a:pos x="connsiteX2" y="connsiteY2"/>
+              </a:cxn>
+              <a:cxn ang="0">
+                <a:pos x="connsiteX3" y="connsiteY3"/>
+              </a:cxn>
+              <a:cxn ang="0">
+                <a:pos x="connsiteX4" y="connsiteY4"/>
+              </a:cxn>
+              <a:cxn ang="0">
+                <a:pos x="connsiteX5" y="connsiteY5"/>
+              </a:cxn>
+              <a:cxn ang="0">
+                <a:pos x="connsiteX6" y="connsiteY6"/>
+              </a:cxn>
+              <a:cxn ang="0">
+                <a:pos x="connsiteX7" y="connsiteY7"/>
+              </a:cxn>
+              <a:cxn ang="0">
+                <a:pos x="connsiteX8" y="connsiteY8"/>
+              </a:cxn>
+              <a:cxn ang="0">
+                <a:pos x="connsiteX9" y="connsiteY9"/>
+              </a:cxn>
+              <a:cxn ang="0">
+                <a:pos x="connsiteX10" y="connsiteY10"/>
+              </a:cxn>
+              <a:cxn ang="0">
+                <a:pos x="connsiteX11" y="connsiteY11"/>
+              </a:cxn>
+            </a:cxnLst>
+            <a:rect l="l" t="t" r="r" b="b"/>
+            <a:pathLst>
+              <a:path w="3255095" h="18288" fill="none" extrusionOk="0">
+                <a:moveTo>
+                  <a:pt x="0" y="0"/>
+                </a:moveTo>
+                <a:cubicBezTo>
+                  <a:pt x="240201" y="-22123"/>
+                  <a:pt x="462021" y="-19623"/>
+                  <a:pt x="618468" y="0"/>
+                </a:cubicBezTo>
+                <a:cubicBezTo>
+                  <a:pt x="774915" y="19623"/>
+                  <a:pt x="974734" y="2035"/>
+                  <a:pt x="1269487" y="0"/>
+                </a:cubicBezTo>
+                <a:cubicBezTo>
+                  <a:pt x="1564240" y="-2035"/>
+                  <a:pt x="1733579" y="10639"/>
+                  <a:pt x="1953057" y="0"/>
+                </a:cubicBezTo>
+                <a:cubicBezTo>
+                  <a:pt x="2172535" y="-10639"/>
+                  <a:pt x="2453962" y="14018"/>
+                  <a:pt x="2636627" y="0"/>
+                </a:cubicBezTo>
+                <a:cubicBezTo>
+                  <a:pt x="2819292" y="-14018"/>
+                  <a:pt x="3121375" y="5399"/>
+                  <a:pt x="3255095" y="0"/>
+                </a:cubicBezTo>
+                <a:cubicBezTo>
+                  <a:pt x="3254386" y="8157"/>
+                  <a:pt x="3254682" y="12125"/>
+                  <a:pt x="3255095" y="18288"/>
+                </a:cubicBezTo>
+                <a:cubicBezTo>
+                  <a:pt x="3088545" y="23203"/>
+                  <a:pt x="2687475" y="7419"/>
+                  <a:pt x="2538974" y="18288"/>
+                </a:cubicBezTo>
+                <a:cubicBezTo>
+                  <a:pt x="2390473" y="29157"/>
+                  <a:pt x="2137381" y="-8959"/>
+                  <a:pt x="1822853" y="18288"/>
+                </a:cubicBezTo>
+                <a:cubicBezTo>
+                  <a:pt x="1508325" y="45535"/>
+                  <a:pt x="1466437" y="20385"/>
+                  <a:pt x="1171834" y="18288"/>
+                </a:cubicBezTo>
+                <a:cubicBezTo>
+                  <a:pt x="877231" y="16191"/>
+                  <a:pt x="561097" y="37643"/>
+                  <a:pt x="0" y="18288"/>
+                </a:cubicBezTo>
+                <a:cubicBezTo>
+                  <a:pt x="-46" y="12483"/>
+                  <a:pt x="-203" y="6491"/>
+                  <a:pt x="0" y="0"/>
+                </a:cubicBezTo>
+                <a:close/>
+              </a:path>
+              <a:path w="3255095" h="18288" stroke="0" extrusionOk="0">
+                <a:moveTo>
+                  <a:pt x="0" y="0"/>
+                </a:moveTo>
+                <a:cubicBezTo>
+                  <a:pt x="291965" y="19429"/>
+                  <a:pt x="363155" y="8568"/>
+                  <a:pt x="618468" y="0"/>
+                </a:cubicBezTo>
+                <a:cubicBezTo>
+                  <a:pt x="873781" y="-8568"/>
+                  <a:pt x="904459" y="-19505"/>
+                  <a:pt x="1171834" y="0"/>
+                </a:cubicBezTo>
+                <a:cubicBezTo>
+                  <a:pt x="1439209" y="19505"/>
+                  <a:pt x="1744369" y="9790"/>
+                  <a:pt x="1887955" y="0"/>
+                </a:cubicBezTo>
+                <a:cubicBezTo>
+                  <a:pt x="2031541" y="-9790"/>
+                  <a:pt x="2346378" y="21240"/>
+                  <a:pt x="2506423" y="0"/>
+                </a:cubicBezTo>
+                <a:cubicBezTo>
+                  <a:pt x="2666468" y="-21240"/>
+                  <a:pt x="2990257" y="30414"/>
+                  <a:pt x="3255095" y="0"/>
+                </a:cubicBezTo>
+                <a:cubicBezTo>
+                  <a:pt x="3254831" y="4493"/>
+                  <a:pt x="3255479" y="9472"/>
+                  <a:pt x="3255095" y="18288"/>
+                </a:cubicBezTo>
+                <a:cubicBezTo>
+                  <a:pt x="3120743" y="16690"/>
+                  <a:pt x="2759628" y="42462"/>
+                  <a:pt x="2604076" y="18288"/>
+                </a:cubicBezTo>
+                <a:cubicBezTo>
+                  <a:pt x="2448524" y="-5886"/>
+                  <a:pt x="2184336" y="19599"/>
+                  <a:pt x="1887955" y="18288"/>
+                </a:cubicBezTo>
+                <a:cubicBezTo>
+                  <a:pt x="1591574" y="16977"/>
+                  <a:pt x="1548845" y="6870"/>
+                  <a:pt x="1334589" y="18288"/>
+                </a:cubicBezTo>
+                <a:cubicBezTo>
+                  <a:pt x="1120333" y="29706"/>
+                  <a:pt x="996014" y="9662"/>
+                  <a:pt x="683570" y="18288"/>
+                </a:cubicBezTo>
+                <a:cubicBezTo>
+                  <a:pt x="371126" y="26914"/>
+                  <a:pt x="198687" y="16167"/>
+                  <a:pt x="0" y="18288"/>
+                </a:cubicBezTo>
+                <a:cubicBezTo>
+                  <a:pt x="843" y="9577"/>
+                  <a:pt x="371" y="6900"/>
+                  <a:pt x="0" y="0"/>
+                </a:cubicBezTo>
+                <a:close/>
+              </a:path>
+            </a:pathLst>
+          </a:custGeom>
+          <a:solidFill>
+            <a:schemeClr val="accent2"/>
+          </a:solidFill>
+          <a:ln w="38100" cap="rnd">
+            <a:solidFill>
+              <a:schemeClr val="accent2"/>
+            </a:solidFill>
+            <a:round/>
+            <a:extLst>
+              <a:ext uri="{C807C97D-BFC1-408E-A445-0C87EB9F89A2}">
+                <ask:lineSketchStyleProps xmlns:ask="http://schemas.microsoft.com/office/drawing/2018/sketchyshapes" sd="1219033472">
+                  <a:prstGeom prst="rect">
+                    <a:avLst/>
+                  </a:prstGeom>
+                  <ask:type>
+                    <ask:lineSketchFreehand/>
+                  </ask:type>
+                </ask:lineSketchStyleProps>
+              </a:ext>
+            </a:extLst>
+          </a:ln>
+        </p:spPr>
+        <p:style>
+          <a:lnRef idx="2">
+            <a:schemeClr val="accent1">
+              <a:shade val="50000"/>
+            </a:schemeClr>
+          </a:lnRef>
+          <a:fillRef idx="1">
+            <a:schemeClr val="accent1"/>
+          </a:fillRef>
+          <a:effectRef idx="0">
+            <a:schemeClr val="accent1"/>
+          </a:effectRef>
+          <a:fontRef idx="minor">
+            <a:schemeClr val="lt1"/>
+          </a:fontRef>
+        </p:style>
+        <p:txBody>
+          <a:bodyPr rtlCol="0" anchor="ctr"/>
+          <a:lstStyle/>
+          <a:p>
+            <a:pPr algn="ctr"/>
+            <a:endParaRPr lang="en-US"/>
+          </a:p>
+        </p:txBody>
+      </p:sp>
+      <p:sp>
+        <p:nvSpPr>
           <p:cNvPr id="3" name="Content Placeholder 2">
             <a:extLst>
               <a:ext uri="{FF2B5EF4-FFF2-40B4-BE49-F238E27FC236}">
@@ -4317,30 +5002,108 @@
             <p:ph idx="1"/>
           </p:nvPr>
         </p:nvSpPr>
-        <p:spPr/>
-        <p:txBody>
-          <a:bodyPr/>
+        <p:spPr>
+          <a:xfrm>
+            <a:off x="630936" y="2807208"/>
+            <a:ext cx="3429000" cy="3410712"/>
+          </a:xfrm>
+        </p:spPr>
+        <p:txBody>
+          <a:bodyPr anchor="t">
+            <a:normAutofit/>
+          </a:bodyPr>
           <a:lstStyle/>
           <a:p>
             <a:r>
-              <a:rPr lang="en-US" dirty="0"/>
-              <a:t>Popular </a:t>
-            </a:r>
-            <a:r>
-              <a:rPr lang="en-US" dirty="0" err="1"/>
-              <a:t>tcg</a:t>
-            </a:r>
-            <a:r>
-              <a:rPr lang="en-US" dirty="0"/>
-              <a:t>, </a:t>
-            </a:r>
-            <a:r>
-              <a:rPr lang="en-US" dirty="0" err="1"/>
-              <a:t>tournametns</a:t>
-            </a:r>
-            <a:r>
-              <a:rPr lang="en-US" dirty="0"/>
-              <a:t> played for fun. Cards can sell for a lot.</a:t>
+              <a:rPr lang="en-US" sz="2200"/>
+              <a:t>Popular trading card game owned by Nintendo. </a:t>
+            </a:r>
+          </a:p>
+          <a:p>
+            <a:r>
+              <a:rPr lang="en-US" sz="2200"/>
+              <a:t>Can collect cards as well as play competitively.</a:t>
+            </a:r>
+          </a:p>
+          <a:p>
+            <a:r>
+              <a:rPr lang="en-US" sz="2200"/>
+              <a:t>Individual Cards can be very valuable</a:t>
+            </a:r>
+          </a:p>
+        </p:txBody>
+      </p:sp>
+      <p:pic>
+        <p:nvPicPr>
+          <p:cNvPr id="5" name="Picture 4" descr="A picture containing text, person, newspaper&#10;&#10;Description automatically generated">
+            <a:extLst>
+              <a:ext uri="{FF2B5EF4-FFF2-40B4-BE49-F238E27FC236}">
+                <a16:creationId xmlns:a16="http://schemas.microsoft.com/office/drawing/2014/main" id="{F4027A81-8843-4BD0-A2B2-15C84E1E1742}"/>
+              </a:ext>
+            </a:extLst>
+          </p:cNvPr>
+          <p:cNvPicPr>
+            <a:picLocks noChangeAspect="1"/>
+          </p:cNvPicPr>
+          <p:nvPr/>
+        </p:nvPicPr>
+        <p:blipFill>
+          <a:blip r:embed="rId2">
+            <a:extLst>
+              <a:ext uri="{28A0092B-C50C-407E-A947-70E740481C1C}">
+                <a14:useLocalDpi xmlns:a14="http://schemas.microsoft.com/office/drawing/2010/main" val="0"/>
+              </a:ext>
+            </a:extLst>
+          </a:blip>
+          <a:stretch>
+            <a:fillRect/>
+          </a:stretch>
+        </p:blipFill>
+        <p:spPr>
+          <a:xfrm>
+            <a:off x="4654296" y="840105"/>
+            <a:ext cx="6903720" cy="5177790"/>
+          </a:xfrm>
+          <a:prstGeom prst="rect">
+            <a:avLst/>
+          </a:prstGeom>
+        </p:spPr>
+      </p:pic>
+      <p:sp>
+        <p:nvSpPr>
+          <p:cNvPr id="6" name="TextBox 5">
+            <a:extLst>
+              <a:ext uri="{FF2B5EF4-FFF2-40B4-BE49-F238E27FC236}">
+                <a16:creationId xmlns:a16="http://schemas.microsoft.com/office/drawing/2014/main" id="{39BFD923-8E2B-4E75-A500-6E67E5B02A51}"/>
+              </a:ext>
+            </a:extLst>
+          </p:cNvPr>
+          <p:cNvSpPr txBox="1"/>
+          <p:nvPr/>
+        </p:nvSpPr>
+        <p:spPr>
+          <a:xfrm>
+            <a:off x="5847906" y="5528930"/>
+            <a:ext cx="5135527" cy="369332"/>
+          </a:xfrm>
+          <a:prstGeom prst="rect">
+            <a:avLst/>
+          </a:prstGeom>
+          <a:noFill/>
+        </p:spPr>
+        <p:txBody>
+          <a:bodyPr wrap="square" rtlCol="0">
+            <a:spAutoFit/>
+          </a:bodyPr>
+          <a:lstStyle/>
+          <a:p>
+            <a:r>
+              <a:rPr lang="en-US" dirty="0">
+                <a:solidFill>
+                  <a:schemeClr val="bg1"/>
+                </a:solidFill>
+              </a:rPr>
+              <a:t>Streamer Ludwig stunned by Pokémon Card values</a:t>
             </a:r>
           </a:p>
         </p:txBody>
@@ -4361,6 +5124,40 @@
 <file path=ppt/slides/slide3.xml><?xml version="1.0" encoding="utf-8"?>
 <p:sld xmlns:a="http://schemas.openxmlformats.org/drawingml/2006/main" xmlns:r="http://schemas.openxmlformats.org/officeDocument/2006/relationships" xmlns:p="http://schemas.openxmlformats.org/presentationml/2006/main">
   <p:cSld>
+    <p:bg>
+      <p:bgPr>
+        <a:gradFill>
+          <a:gsLst>
+            <a:gs pos="0">
+              <a:schemeClr val="accent1">
+                <a:lumMod val="5000"/>
+                <a:lumOff val="95000"/>
+              </a:schemeClr>
+            </a:gs>
+            <a:gs pos="74000">
+              <a:schemeClr val="accent1">
+                <a:lumMod val="45000"/>
+                <a:lumOff val="55000"/>
+              </a:schemeClr>
+            </a:gs>
+            <a:gs pos="83000">
+              <a:schemeClr val="accent1">
+                <a:lumMod val="45000"/>
+                <a:lumOff val="55000"/>
+              </a:schemeClr>
+            </a:gs>
+            <a:gs pos="100000">
+              <a:schemeClr val="accent1">
+                <a:lumMod val="30000"/>
+                <a:lumOff val="70000"/>
+              </a:schemeClr>
+            </a:gs>
+          </a:gsLst>
+          <a:lin ang="5400000" scaled="1"/>
+        </a:gradFill>
+        <a:effectLst/>
+      </p:bgPr>
+    </p:bg>
     <p:spTree>
       <p:nvGrpSpPr>
         <p:cNvPr id="1" name=""/>
@@ -4375,12 +5172,72 @@
           <a:chExt cx="0" cy="0"/>
         </a:xfrm>
       </p:grpSpPr>
+      <p:sp useBgFill="1">
+        <p:nvSpPr>
+          <p:cNvPr id="15" name="Rectangle 14">
+            <a:extLst>
+              <a:ext uri="{FF2B5EF4-FFF2-40B4-BE49-F238E27FC236}">
+                <a16:creationId xmlns:a16="http://schemas.microsoft.com/office/drawing/2014/main" id="{F13C74B1-5B17-4795-BED0-7140497B445A}"/>
+              </a:ext>
+              <a:ext uri="{C183D7F6-B498-43B3-948B-1728B52AA6E4}">
+                <adec:decorative xmlns:adec="http://schemas.microsoft.com/office/drawing/2017/decorative" val="1"/>
+              </a:ext>
+            </a:extLst>
+          </p:cNvPr>
+          <p:cNvSpPr>
+            <a:spLocks noGrp="1" noRot="1" noChangeAspect="1" noMove="1" noResize="1" noEditPoints="1" noAdjustHandles="1" noChangeArrowheads="1" noChangeShapeType="1" noTextEdit="1"/>
+          </p:cNvSpPr>
+          <p:nvPr>
+            <p:extLst>
+              <p:ext uri="{386F3935-93C4-4BCD-93E2-E3B085C9AB24}">
+                <p16:designElem xmlns:p16="http://schemas.microsoft.com/office/powerpoint/2015/main" val="1"/>
+              </p:ext>
+            </p:extLst>
+          </p:nvPr>
+        </p:nvSpPr>
+        <p:spPr>
+          <a:xfrm>
+            <a:off x="0" y="0"/>
+            <a:ext cx="12188952" cy="6858000"/>
+          </a:xfrm>
+          <a:prstGeom prst="rect">
+            <a:avLst/>
+          </a:prstGeom>
+          <a:ln>
+            <a:noFill/>
+          </a:ln>
+        </p:spPr>
+        <p:style>
+          <a:lnRef idx="2">
+            <a:schemeClr val="accent1">
+              <a:shade val="50000"/>
+            </a:schemeClr>
+          </a:lnRef>
+          <a:fillRef idx="1">
+            <a:schemeClr val="accent1"/>
+          </a:fillRef>
+          <a:effectRef idx="0">
+            <a:schemeClr val="accent1"/>
+          </a:effectRef>
+          <a:fontRef idx="minor">
+            <a:schemeClr val="lt1"/>
+          </a:fontRef>
+        </p:style>
+        <p:txBody>
+          <a:bodyPr rtlCol="0" anchor="ctr"/>
+          <a:lstStyle/>
+          <a:p>
+            <a:pPr algn="ctr"/>
+            <a:endParaRPr lang="en-US"/>
+          </a:p>
+        </p:txBody>
+      </p:sp>
       <p:sp>
         <p:nvSpPr>
           <p:cNvPr id="2" name="Title 1">
             <a:extLst>
               <a:ext uri="{FF2B5EF4-FFF2-40B4-BE49-F238E27FC236}">
-                <a16:creationId xmlns:a16="http://schemas.microsoft.com/office/drawing/2014/main" id="{D4AB9481-AED2-43C3-83ED-186BBC746070}"/>
+                <a16:creationId xmlns:a16="http://schemas.microsoft.com/office/drawing/2014/main" id="{829B1405-5369-4CE7-A43F-0CC9D75D2E85}"/>
               </a:ext>
             </a:extLst>
           </p:cNvPr>
@@ -4391,11 +5248,304 @@
             <p:ph type="title"/>
           </p:nvPr>
         </p:nvSpPr>
-        <p:spPr/>
-        <p:txBody>
-          <a:bodyPr/>
+        <p:spPr>
+          <a:xfrm>
+            <a:off x="640080" y="325369"/>
+            <a:ext cx="4368602" cy="1956841"/>
+          </a:xfrm>
+        </p:spPr>
+        <p:txBody>
+          <a:bodyPr anchor="b">
+            <a:normAutofit/>
+          </a:bodyPr>
           <a:lstStyle/>
           <a:p>
+            <a:r>
+              <a:rPr lang="en-US" sz="5400"/>
+              <a:t>Problem Statement</a:t>
+            </a:r>
+          </a:p>
+        </p:txBody>
+      </p:sp>
+      <p:sp>
+        <p:nvSpPr>
+          <p:cNvPr id="17" name="sketchy line">
+            <a:extLst>
+              <a:ext uri="{FF2B5EF4-FFF2-40B4-BE49-F238E27FC236}">
+                <a16:creationId xmlns:a16="http://schemas.microsoft.com/office/drawing/2014/main" id="{D4974D33-8DC5-464E-8C6D-BE58F0669C17}"/>
+              </a:ext>
+              <a:ext uri="{C183D7F6-B498-43B3-948B-1728B52AA6E4}">
+                <adec:decorative xmlns:adec="http://schemas.microsoft.com/office/drawing/2017/decorative" val="1"/>
+              </a:ext>
+            </a:extLst>
+          </p:cNvPr>
+          <p:cNvSpPr>
+            <a:spLocks noGrp="1" noRot="1" noChangeAspect="1" noMove="1" noResize="1" noEditPoints="1" noAdjustHandles="1" noChangeArrowheads="1" noChangeShapeType="1" noTextEdit="1"/>
+          </p:cNvSpPr>
+          <p:nvPr>
+            <p:extLst>
+              <p:ext uri="{386F3935-93C4-4BCD-93E2-E3B085C9AB24}">
+                <p16:designElem xmlns:p16="http://schemas.microsoft.com/office/powerpoint/2015/main" val="1"/>
+              </p:ext>
+            </p:extLst>
+          </p:nvPr>
+        </p:nvSpPr>
+        <p:spPr>
+          <a:xfrm>
+            <a:off x="640080" y="2586994"/>
+            <a:ext cx="3474720" cy="18288"/>
+          </a:xfrm>
+          <a:custGeom>
+            <a:avLst/>
+            <a:gdLst>
+              <a:gd name="connsiteX0" fmla="*/ 0 w 3474720"/>
+              <a:gd name="connsiteY0" fmla="*/ 0 h 18288"/>
+              <a:gd name="connsiteX1" fmla="*/ 694944 w 3474720"/>
+              <a:gd name="connsiteY1" fmla="*/ 0 h 18288"/>
+              <a:gd name="connsiteX2" fmla="*/ 1355141 w 3474720"/>
+              <a:gd name="connsiteY2" fmla="*/ 0 h 18288"/>
+              <a:gd name="connsiteX3" fmla="*/ 2015338 w 3474720"/>
+              <a:gd name="connsiteY3" fmla="*/ 0 h 18288"/>
+              <a:gd name="connsiteX4" fmla="*/ 2779776 w 3474720"/>
+              <a:gd name="connsiteY4" fmla="*/ 0 h 18288"/>
+              <a:gd name="connsiteX5" fmla="*/ 3474720 w 3474720"/>
+              <a:gd name="connsiteY5" fmla="*/ 0 h 18288"/>
+              <a:gd name="connsiteX6" fmla="*/ 3474720 w 3474720"/>
+              <a:gd name="connsiteY6" fmla="*/ 18288 h 18288"/>
+              <a:gd name="connsiteX7" fmla="*/ 2779776 w 3474720"/>
+              <a:gd name="connsiteY7" fmla="*/ 18288 h 18288"/>
+              <a:gd name="connsiteX8" fmla="*/ 2189074 w 3474720"/>
+              <a:gd name="connsiteY8" fmla="*/ 18288 h 18288"/>
+              <a:gd name="connsiteX9" fmla="*/ 1528877 w 3474720"/>
+              <a:gd name="connsiteY9" fmla="*/ 18288 h 18288"/>
+              <a:gd name="connsiteX10" fmla="*/ 868680 w 3474720"/>
+              <a:gd name="connsiteY10" fmla="*/ 18288 h 18288"/>
+              <a:gd name="connsiteX11" fmla="*/ 0 w 3474720"/>
+              <a:gd name="connsiteY11" fmla="*/ 18288 h 18288"/>
+              <a:gd name="connsiteX12" fmla="*/ 0 w 3474720"/>
+              <a:gd name="connsiteY12" fmla="*/ 0 h 18288"/>
+            </a:gdLst>
+            <a:ahLst/>
+            <a:cxnLst>
+              <a:cxn ang="0">
+                <a:pos x="connsiteX0" y="connsiteY0"/>
+              </a:cxn>
+              <a:cxn ang="0">
+                <a:pos x="connsiteX1" y="connsiteY1"/>
+              </a:cxn>
+              <a:cxn ang="0">
+                <a:pos x="connsiteX2" y="connsiteY2"/>
+              </a:cxn>
+              <a:cxn ang="0">
+                <a:pos x="connsiteX3" y="connsiteY3"/>
+              </a:cxn>
+              <a:cxn ang="0">
+                <a:pos x="connsiteX4" y="connsiteY4"/>
+              </a:cxn>
+              <a:cxn ang="0">
+                <a:pos x="connsiteX5" y="connsiteY5"/>
+              </a:cxn>
+              <a:cxn ang="0">
+                <a:pos x="connsiteX6" y="connsiteY6"/>
+              </a:cxn>
+              <a:cxn ang="0">
+                <a:pos x="connsiteX7" y="connsiteY7"/>
+              </a:cxn>
+              <a:cxn ang="0">
+                <a:pos x="connsiteX8" y="connsiteY8"/>
+              </a:cxn>
+              <a:cxn ang="0">
+                <a:pos x="connsiteX9" y="connsiteY9"/>
+              </a:cxn>
+              <a:cxn ang="0">
+                <a:pos x="connsiteX10" y="connsiteY10"/>
+              </a:cxn>
+              <a:cxn ang="0">
+                <a:pos x="connsiteX11" y="connsiteY11"/>
+              </a:cxn>
+              <a:cxn ang="0">
+                <a:pos x="connsiteX12" y="connsiteY12"/>
+              </a:cxn>
+            </a:cxnLst>
+            <a:rect l="l" t="t" r="r" b="b"/>
+            <a:pathLst>
+              <a:path w="3474720" h="18288" fill="none" extrusionOk="0">
+                <a:moveTo>
+                  <a:pt x="0" y="0"/>
+                </a:moveTo>
+                <a:cubicBezTo>
+                  <a:pt x="224454" y="-14544"/>
+                  <a:pt x="495407" y="26540"/>
+                  <a:pt x="694944" y="0"/>
+                </a:cubicBezTo>
+                <a:cubicBezTo>
+                  <a:pt x="894481" y="-26540"/>
+                  <a:pt x="1130063" y="24713"/>
+                  <a:pt x="1355141" y="0"/>
+                </a:cubicBezTo>
+                <a:cubicBezTo>
+                  <a:pt x="1580219" y="-24713"/>
+                  <a:pt x="1820099" y="26695"/>
+                  <a:pt x="2015338" y="0"/>
+                </a:cubicBezTo>
+                <a:cubicBezTo>
+                  <a:pt x="2210577" y="-26695"/>
+                  <a:pt x="2402045" y="165"/>
+                  <a:pt x="2779776" y="0"/>
+                </a:cubicBezTo>
+                <a:cubicBezTo>
+                  <a:pt x="3157507" y="-165"/>
+                  <a:pt x="3286859" y="-15571"/>
+                  <a:pt x="3474720" y="0"/>
+                </a:cubicBezTo>
+                <a:cubicBezTo>
+                  <a:pt x="3474286" y="7551"/>
+                  <a:pt x="3474253" y="9822"/>
+                  <a:pt x="3474720" y="18288"/>
+                </a:cubicBezTo>
+                <a:cubicBezTo>
+                  <a:pt x="3233904" y="29845"/>
+                  <a:pt x="2945134" y="-5256"/>
+                  <a:pt x="2779776" y="18288"/>
+                </a:cubicBezTo>
+                <a:cubicBezTo>
+                  <a:pt x="2614418" y="41832"/>
+                  <a:pt x="2339768" y="22709"/>
+                  <a:pt x="2189074" y="18288"/>
+                </a:cubicBezTo>
+                <a:cubicBezTo>
+                  <a:pt x="2038380" y="13867"/>
+                  <a:pt x="1817434" y="-4947"/>
+                  <a:pt x="1528877" y="18288"/>
+                </a:cubicBezTo>
+                <a:cubicBezTo>
+                  <a:pt x="1240320" y="41523"/>
+                  <a:pt x="1042447" y="37198"/>
+                  <a:pt x="868680" y="18288"/>
+                </a:cubicBezTo>
+                <a:cubicBezTo>
+                  <a:pt x="694913" y="-622"/>
+                  <a:pt x="233232" y="44909"/>
+                  <a:pt x="0" y="18288"/>
+                </a:cubicBezTo>
+                <a:cubicBezTo>
+                  <a:pt x="60" y="11696"/>
+                  <a:pt x="66" y="3758"/>
+                  <a:pt x="0" y="0"/>
+                </a:cubicBezTo>
+                <a:close/>
+              </a:path>
+              <a:path w="3474720" h="18288" stroke="0" extrusionOk="0">
+                <a:moveTo>
+                  <a:pt x="0" y="0"/>
+                </a:moveTo>
+                <a:cubicBezTo>
+                  <a:pt x="202328" y="-14716"/>
+                  <a:pt x="332722" y="-11499"/>
+                  <a:pt x="625450" y="0"/>
+                </a:cubicBezTo>
+                <a:cubicBezTo>
+                  <a:pt x="918178" y="11499"/>
+                  <a:pt x="1096688" y="5123"/>
+                  <a:pt x="1389888" y="0"/>
+                </a:cubicBezTo>
+                <a:cubicBezTo>
+                  <a:pt x="1683088" y="-5123"/>
+                  <a:pt x="1835981" y="-14038"/>
+                  <a:pt x="1980590" y="0"/>
+                </a:cubicBezTo>
+                <a:cubicBezTo>
+                  <a:pt x="2125199" y="14038"/>
+                  <a:pt x="2396099" y="-7203"/>
+                  <a:pt x="2571293" y="0"/>
+                </a:cubicBezTo>
+                <a:cubicBezTo>
+                  <a:pt x="2746487" y="7203"/>
+                  <a:pt x="3041609" y="-12036"/>
+                  <a:pt x="3474720" y="0"/>
+                </a:cubicBezTo>
+                <a:cubicBezTo>
+                  <a:pt x="3474638" y="4406"/>
+                  <a:pt x="3474631" y="9982"/>
+                  <a:pt x="3474720" y="18288"/>
+                </a:cubicBezTo>
+                <a:cubicBezTo>
+                  <a:pt x="3324873" y="21876"/>
+                  <a:pt x="3136771" y="12587"/>
+                  <a:pt x="2814523" y="18288"/>
+                </a:cubicBezTo>
+                <a:cubicBezTo>
+                  <a:pt x="2492275" y="23989"/>
+                  <a:pt x="2294402" y="47111"/>
+                  <a:pt x="2154326" y="18288"/>
+                </a:cubicBezTo>
+                <a:cubicBezTo>
+                  <a:pt x="2014250" y="-10535"/>
+                  <a:pt x="1820317" y="33903"/>
+                  <a:pt x="1494130" y="18288"/>
+                </a:cubicBezTo>
+                <a:cubicBezTo>
+                  <a:pt x="1167943" y="2673"/>
+                  <a:pt x="948432" y="14868"/>
+                  <a:pt x="729691" y="18288"/>
+                </a:cubicBezTo>
+                <a:cubicBezTo>
+                  <a:pt x="510950" y="21708"/>
+                  <a:pt x="264032" y="24354"/>
+                  <a:pt x="0" y="18288"/>
+                </a:cubicBezTo>
+                <a:cubicBezTo>
+                  <a:pt x="189" y="14288"/>
+                  <a:pt x="-703" y="3747"/>
+                  <a:pt x="0" y="0"/>
+                </a:cubicBezTo>
+                <a:close/>
+              </a:path>
+            </a:pathLst>
+          </a:custGeom>
+          <a:solidFill>
+            <a:schemeClr val="accent2"/>
+          </a:solidFill>
+          <a:ln w="44450" cap="rnd">
+            <a:solidFill>
+              <a:schemeClr val="accent2"/>
+            </a:solidFill>
+            <a:round/>
+            <a:extLst>
+              <a:ext uri="{C807C97D-BFC1-408E-A445-0C87EB9F89A2}">
+                <ask:lineSketchStyleProps xmlns:ask="http://schemas.microsoft.com/office/drawing/2018/sketchyshapes" sd="2863741219">
+                  <a:prstGeom prst="rect">
+                    <a:avLst/>
+                  </a:prstGeom>
+                  <ask:type>
+                    <ask:lineSketchFreehand/>
+                  </ask:type>
+                </ask:lineSketchStyleProps>
+              </a:ext>
+            </a:extLst>
+          </a:ln>
+        </p:spPr>
+        <p:style>
+          <a:lnRef idx="2">
+            <a:schemeClr val="accent1">
+              <a:shade val="50000"/>
+            </a:schemeClr>
+          </a:lnRef>
+          <a:fillRef idx="1">
+            <a:schemeClr val="accent1"/>
+          </a:fillRef>
+          <a:effectRef idx="0">
+            <a:schemeClr val="accent1"/>
+          </a:effectRef>
+          <a:fontRef idx="minor">
+            <a:schemeClr val="lt1"/>
+          </a:fontRef>
+        </p:style>
+        <p:txBody>
+          <a:bodyPr rtlCol="0" anchor="ctr"/>
+          <a:lstStyle/>
+          <a:p>
+            <a:pPr algn="ctr"/>
             <a:endParaRPr lang="en-US"/>
           </a:p>
         </p:txBody>
@@ -4405,7 +5555,7 @@
           <p:cNvPr id="3" name="Content Placeholder 2">
             <a:extLst>
               <a:ext uri="{FF2B5EF4-FFF2-40B4-BE49-F238E27FC236}">
-                <a16:creationId xmlns:a16="http://schemas.microsoft.com/office/drawing/2014/main" id="{3BD0CEC7-D714-4CF9-9905-8AA82A7A0DF0}"/>
+                <a16:creationId xmlns:a16="http://schemas.microsoft.com/office/drawing/2014/main" id="{BEAC9178-C39F-492C-886E-21B0AAC9CDC8}"/>
               </a:ext>
             </a:extLst>
           </p:cNvPr>
@@ -4416,22 +5566,372 @@
             <p:ph idx="1"/>
           </p:nvPr>
         </p:nvSpPr>
-        <p:spPr/>
-        <p:txBody>
-          <a:bodyPr/>
+        <p:spPr>
+          <a:xfrm>
+            <a:off x="640080" y="2872899"/>
+            <a:ext cx="4243589" cy="3320668"/>
+          </a:xfrm>
+        </p:spPr>
+        <p:txBody>
+          <a:bodyPr>
+            <a:normAutofit/>
+          </a:bodyPr>
           <a:lstStyle/>
           <a:p>
             <a:r>
-              <a:rPr lang="en-US" dirty="0"/>
-              <a:t>Typing in names on phone is a clunky process.</a:t>
-            </a:r>
+              <a:rPr lang="en-US" sz="1700" dirty="0"/>
+              <a:t>The goal is to allow players or collectors to add their collections online easily.</a:t>
+            </a:r>
+          </a:p>
+          <a:p>
+            <a:r>
+              <a:rPr lang="en-US" sz="1700" dirty="0"/>
+              <a:t>Scanning cards easily gives benefits to hobbyists and investors..</a:t>
+            </a:r>
+          </a:p>
+          <a:p>
+            <a:r>
+              <a:rPr lang="en-US" sz="1700" dirty="0"/>
+              <a:t>How can I write a program that can determine what Pokémon card it sees when it detects an image to help people catalogue their collections.</a:t>
+            </a:r>
+          </a:p>
+          <a:p>
+            <a:r>
+              <a:rPr lang="en-US" sz="1700" dirty="0"/>
+              <a:t>How to best use Neural networks learn patterns to identify images.</a:t>
+            </a:r>
+          </a:p>
+        </p:txBody>
+      </p:sp>
+      <p:pic>
+        <p:nvPicPr>
+          <p:cNvPr id="5" name="Picture 4" descr="A yellow stuffed animal&#10;&#10;Description automatically generated with medium confidence">
+            <a:extLst>
+              <a:ext uri="{FF2B5EF4-FFF2-40B4-BE49-F238E27FC236}">
+                <a16:creationId xmlns:a16="http://schemas.microsoft.com/office/drawing/2014/main" id="{83688ACC-C78B-4758-A2FF-8C6EA3503681}"/>
+              </a:ext>
+            </a:extLst>
+          </p:cNvPr>
+          <p:cNvPicPr>
+            <a:picLocks noChangeAspect="1"/>
+          </p:cNvPicPr>
+          <p:nvPr/>
+        </p:nvPicPr>
+        <p:blipFill rotWithShape="1">
+          <a:blip r:embed="rId2">
+            <a:extLst>
+              <a:ext uri="{28A0092B-C50C-407E-A947-70E740481C1C}">
+                <a14:useLocalDpi xmlns:a14="http://schemas.microsoft.com/office/drawing/2010/main" val="0"/>
+              </a:ext>
+            </a:extLst>
+          </a:blip>
+          <a:srcRect l="16289" r="16758" b="-1"/>
+          <a:stretch/>
+        </p:blipFill>
+        <p:spPr>
+          <a:xfrm>
+            <a:off x="5311702" y="10"/>
+            <a:ext cx="6878775" cy="6857990"/>
+          </a:xfrm>
+          <a:custGeom>
+            <a:avLst/>
+            <a:gdLst/>
+            <a:ahLst/>
+            <a:cxnLst/>
+            <a:rect l="l" t="t" r="r" b="b"/>
+            <a:pathLst>
+              <a:path w="6878775" h="6858000">
+                <a:moveTo>
+                  <a:pt x="1102973" y="0"/>
+                </a:moveTo>
+                <a:lnTo>
+                  <a:pt x="1160688" y="0"/>
+                </a:lnTo>
+                <a:lnTo>
+                  <a:pt x="983189" y="331786"/>
+                </a:lnTo>
+                <a:cubicBezTo>
+                  <a:pt x="914866" y="469145"/>
+                  <a:pt x="850355" y="608712"/>
+                  <a:pt x="789261" y="750263"/>
+                </a:cubicBezTo>
+                <a:cubicBezTo>
+                  <a:pt x="774307" y="784928"/>
+                  <a:pt x="759992" y="819849"/>
+                  <a:pt x="745295" y="854514"/>
+                </a:cubicBezTo>
+                <a:cubicBezTo>
+                  <a:pt x="756682" y="845393"/>
+                  <a:pt x="765489" y="833492"/>
+                  <a:pt x="770857" y="819975"/>
+                </a:cubicBezTo>
+                <a:cubicBezTo>
+                  <a:pt x="879943" y="589569"/>
+                  <a:pt x="999605" y="365513"/>
+                  <a:pt x="1131329" y="148742"/>
+                </a:cubicBezTo>
+                <a:lnTo>
+                  <a:pt x="1227589" y="0"/>
+                </a:lnTo>
+                <a:lnTo>
+                  <a:pt x="6878775" y="0"/>
+                </a:lnTo>
+                <a:lnTo>
+                  <a:pt x="6878775" y="6858000"/>
+                </a:lnTo>
+                <a:lnTo>
+                  <a:pt x="713521" y="6858000"/>
+                </a:lnTo>
+                <a:lnTo>
+                  <a:pt x="625642" y="6670527"/>
+                </a:lnTo>
+                <a:cubicBezTo>
+                  <a:pt x="507232" y="6398531"/>
+                  <a:pt x="403083" y="6118381"/>
+                  <a:pt x="312785" y="5830359"/>
+                </a:cubicBezTo>
+                <a:cubicBezTo>
+                  <a:pt x="278149" y="5719759"/>
+                  <a:pt x="248879" y="5607635"/>
+                  <a:pt x="212198" y="5480401"/>
+                </a:cubicBezTo>
+                <a:cubicBezTo>
+                  <a:pt x="212208" y="5491601"/>
+                  <a:pt x="212803" y="5502788"/>
+                  <a:pt x="213988" y="5513923"/>
+                </a:cubicBezTo>
+                <a:cubicBezTo>
+                  <a:pt x="264089" y="5723695"/>
+                  <a:pt x="307290" y="5935370"/>
+                  <a:pt x="365826" y="6142729"/>
+                </a:cubicBezTo>
+                <a:cubicBezTo>
+                  <a:pt x="433152" y="6380817"/>
+                  <a:pt x="510068" y="6614016"/>
+                  <a:pt x="597975" y="6841549"/>
+                </a:cubicBezTo>
+                <a:lnTo>
+                  <a:pt x="604824" y="6858000"/>
+                </a:lnTo>
+                <a:lnTo>
+                  <a:pt x="552056" y="6858000"/>
+                </a:lnTo>
+                <a:lnTo>
+                  <a:pt x="539576" y="6828295"/>
+                </a:lnTo>
+                <a:cubicBezTo>
+                  <a:pt x="380597" y="6414594"/>
+                  <a:pt x="260223" y="5988893"/>
+                  <a:pt x="171555" y="5552906"/>
+                </a:cubicBezTo>
+                <a:cubicBezTo>
+                  <a:pt x="91163" y="5157998"/>
+                  <a:pt x="43746" y="4758899"/>
+                  <a:pt x="12305" y="4357388"/>
+                </a:cubicBezTo>
+                <a:cubicBezTo>
+                  <a:pt x="-14281" y="4013908"/>
+                  <a:pt x="4507" y="3672965"/>
+                  <a:pt x="46684" y="3331516"/>
+                </a:cubicBezTo>
+                <a:cubicBezTo>
+                  <a:pt x="127203" y="2664286"/>
+                  <a:pt x="277819" y="2007265"/>
+                  <a:pt x="496065" y="1371196"/>
+                </a:cubicBezTo>
+                <a:cubicBezTo>
+                  <a:pt x="636273" y="966066"/>
+                  <a:pt x="800445" y="573253"/>
+                  <a:pt x="995723" y="196614"/>
+                </a:cubicBezTo>
+                <a:close/>
+              </a:path>
+            </a:pathLst>
+          </a:custGeom>
+        </p:spPr>
+      </p:pic>
+      <p:sp>
+        <p:nvSpPr>
+          <p:cNvPr id="6" name="Oval 5">
+            <a:extLst>
+              <a:ext uri="{FF2B5EF4-FFF2-40B4-BE49-F238E27FC236}">
+                <a16:creationId xmlns:a16="http://schemas.microsoft.com/office/drawing/2014/main" id="{9A0B2723-1F97-4395-A58E-EF99668EA653}"/>
+              </a:ext>
+            </a:extLst>
+          </p:cNvPr>
+          <p:cNvSpPr/>
+          <p:nvPr/>
+        </p:nvSpPr>
+        <p:spPr>
+          <a:xfrm>
+            <a:off x="8652480" y="65298"/>
+            <a:ext cx="2128933" cy="1238491"/>
+          </a:xfrm>
+          <a:prstGeom prst="ellipse">
+            <a:avLst/>
+          </a:prstGeom>
+          <a:solidFill>
+            <a:schemeClr val="bg1"/>
+          </a:solidFill>
+        </p:spPr>
+        <p:style>
+          <a:lnRef idx="2">
+            <a:schemeClr val="accent1">
+              <a:shade val="50000"/>
+            </a:schemeClr>
+          </a:lnRef>
+          <a:fillRef idx="1">
+            <a:schemeClr val="accent1"/>
+          </a:fillRef>
+          <a:effectRef idx="0">
+            <a:schemeClr val="accent1"/>
+          </a:effectRef>
+          <a:fontRef idx="minor">
+            <a:schemeClr val="lt1"/>
+          </a:fontRef>
+        </p:style>
+        <p:txBody>
+          <a:bodyPr rtlCol="0" anchor="ctr"/>
+          <a:lstStyle/>
+          <a:p>
+            <a:pPr algn="ctr"/>
+            <a:r>
+              <a:rPr lang="en-US" dirty="0" err="1">
+                <a:solidFill>
+                  <a:schemeClr val="tx1"/>
+                </a:solidFill>
+              </a:rPr>
+              <a:t>Gotta</a:t>
+            </a:r>
+            <a:r>
+              <a:rPr lang="en-US" dirty="0">
+                <a:solidFill>
+                  <a:schemeClr val="tx1"/>
+                </a:solidFill>
+              </a:rPr>
+              <a:t> classify ‘</a:t>
+            </a:r>
+            <a:r>
+              <a:rPr lang="en-US" dirty="0" err="1">
+                <a:solidFill>
+                  <a:schemeClr val="tx1"/>
+                </a:solidFill>
+              </a:rPr>
+              <a:t>em</a:t>
+            </a:r>
+            <a:r>
+              <a:rPr lang="en-US" dirty="0">
+                <a:solidFill>
+                  <a:schemeClr val="tx1"/>
+                </a:solidFill>
+              </a:rPr>
+              <a:t> all!</a:t>
+            </a:r>
+          </a:p>
+        </p:txBody>
+      </p:sp>
+      <p:sp>
+        <p:nvSpPr>
+          <p:cNvPr id="7" name="Oval 6">
+            <a:extLst>
+              <a:ext uri="{FF2B5EF4-FFF2-40B4-BE49-F238E27FC236}">
+                <a16:creationId xmlns:a16="http://schemas.microsoft.com/office/drawing/2014/main" id="{FDDE0BB7-4420-448C-B64C-C0E7BC79CC71}"/>
+              </a:ext>
+            </a:extLst>
+          </p:cNvPr>
+          <p:cNvSpPr/>
+          <p:nvPr/>
+        </p:nvSpPr>
+        <p:spPr>
+          <a:xfrm>
+            <a:off x="8995144" y="1446026"/>
+            <a:ext cx="446567" cy="421287"/>
+          </a:xfrm>
+          <a:prstGeom prst="ellipse">
+            <a:avLst/>
+          </a:prstGeom>
+          <a:solidFill>
+            <a:schemeClr val="bg1"/>
+          </a:solidFill>
+        </p:spPr>
+        <p:style>
+          <a:lnRef idx="2">
+            <a:schemeClr val="accent1">
+              <a:shade val="50000"/>
+            </a:schemeClr>
+          </a:lnRef>
+          <a:fillRef idx="1">
+            <a:schemeClr val="accent1"/>
+          </a:fillRef>
+          <a:effectRef idx="0">
+            <a:schemeClr val="accent1"/>
+          </a:effectRef>
+          <a:fontRef idx="minor">
+            <a:schemeClr val="lt1"/>
+          </a:fontRef>
+        </p:style>
+        <p:txBody>
+          <a:bodyPr rtlCol="0" anchor="ctr"/>
+          <a:lstStyle/>
+          <a:p>
+            <a:pPr algn="ctr"/>
+            <a:endParaRPr lang="en-US"/>
+          </a:p>
+        </p:txBody>
+      </p:sp>
+      <p:sp>
+        <p:nvSpPr>
+          <p:cNvPr id="9" name="Oval 8">
+            <a:extLst>
+              <a:ext uri="{FF2B5EF4-FFF2-40B4-BE49-F238E27FC236}">
+                <a16:creationId xmlns:a16="http://schemas.microsoft.com/office/drawing/2014/main" id="{D50F2DE1-8181-4594-85CB-E8043FDEAE71}"/>
+              </a:ext>
+            </a:extLst>
+          </p:cNvPr>
+          <p:cNvSpPr/>
+          <p:nvPr/>
+        </p:nvSpPr>
+        <p:spPr>
+          <a:xfrm>
+            <a:off x="8751089" y="1993351"/>
+            <a:ext cx="279102" cy="288859"/>
+          </a:xfrm>
+          <a:prstGeom prst="ellipse">
+            <a:avLst/>
+          </a:prstGeom>
+          <a:solidFill>
+            <a:schemeClr val="bg1"/>
+          </a:solidFill>
+        </p:spPr>
+        <p:style>
+          <a:lnRef idx="2">
+            <a:schemeClr val="accent1">
+              <a:shade val="50000"/>
+            </a:schemeClr>
+          </a:lnRef>
+          <a:fillRef idx="1">
+            <a:schemeClr val="accent1"/>
+          </a:fillRef>
+          <a:effectRef idx="0">
+            <a:schemeClr val="accent1"/>
+          </a:effectRef>
+          <a:fontRef idx="minor">
+            <a:schemeClr val="lt1"/>
+          </a:fontRef>
+        </p:style>
+        <p:txBody>
+          <a:bodyPr rtlCol="0" anchor="ctr"/>
+          <a:lstStyle/>
+          <a:p>
+            <a:pPr algn="ctr"/>
+            <a:endParaRPr lang="en-US"/>
           </a:p>
         </p:txBody>
       </p:sp>
     </p:spTree>
     <p:extLst>
       <p:ext uri="{BB962C8B-B14F-4D97-AF65-F5344CB8AC3E}">
-        <p14:creationId xmlns:p14="http://schemas.microsoft.com/office/powerpoint/2010/main" val="1057385"/>
+        <p14:creationId xmlns:p14="http://schemas.microsoft.com/office/powerpoint/2010/main" val="118820608"/>
       </p:ext>
     </p:extLst>
   </p:cSld>
@@ -4444,6 +5944,40 @@
 <file path=ppt/slides/slide4.xml><?xml version="1.0" encoding="utf-8"?>
 <p:sld xmlns:a="http://schemas.openxmlformats.org/drawingml/2006/main" xmlns:r="http://schemas.openxmlformats.org/officeDocument/2006/relationships" xmlns:p="http://schemas.openxmlformats.org/presentationml/2006/main">
   <p:cSld>
+    <p:bg>
+      <p:bgPr>
+        <a:gradFill>
+          <a:gsLst>
+            <a:gs pos="0">
+              <a:schemeClr val="accent1">
+                <a:lumMod val="5000"/>
+                <a:lumOff val="95000"/>
+              </a:schemeClr>
+            </a:gs>
+            <a:gs pos="74000">
+              <a:schemeClr val="accent1">
+                <a:lumMod val="45000"/>
+                <a:lumOff val="55000"/>
+              </a:schemeClr>
+            </a:gs>
+            <a:gs pos="83000">
+              <a:schemeClr val="accent1">
+                <a:lumMod val="45000"/>
+                <a:lumOff val="55000"/>
+              </a:schemeClr>
+            </a:gs>
+            <a:gs pos="100000">
+              <a:schemeClr val="accent1">
+                <a:lumMod val="30000"/>
+                <a:lumOff val="70000"/>
+              </a:schemeClr>
+            </a:gs>
+          </a:gsLst>
+          <a:lin ang="5400000" scaled="1"/>
+        </a:gradFill>
+        <a:effectLst/>
+      </p:bgPr>
+    </p:bg>
     <p:spTree>
       <p:nvGrpSpPr>
         <p:cNvPr id="1" name=""/>
@@ -4458,12 +5992,72 @@
           <a:chExt cx="0" cy="0"/>
         </a:xfrm>
       </p:grpSpPr>
+      <p:sp useBgFill="1">
+        <p:nvSpPr>
+          <p:cNvPr id="42" name="Rectangle 41">
+            <a:extLst>
+              <a:ext uri="{FF2B5EF4-FFF2-40B4-BE49-F238E27FC236}">
+                <a16:creationId xmlns:a16="http://schemas.microsoft.com/office/drawing/2014/main" id="{5AC1364A-3E3D-4F0D-8776-78AF3A270DD6}"/>
+              </a:ext>
+              <a:ext uri="{C183D7F6-B498-43B3-948B-1728B52AA6E4}">
+                <adec:decorative xmlns:adec="http://schemas.microsoft.com/office/drawing/2017/decorative" val="1"/>
+              </a:ext>
+            </a:extLst>
+          </p:cNvPr>
+          <p:cNvSpPr>
+            <a:spLocks noGrp="1" noRot="1" noChangeAspect="1" noMove="1" noResize="1" noEditPoints="1" noAdjustHandles="1" noChangeArrowheads="1" noChangeShapeType="1" noTextEdit="1"/>
+          </p:cNvSpPr>
+          <p:nvPr>
+            <p:extLst>
+              <p:ext uri="{386F3935-93C4-4BCD-93E2-E3B085C9AB24}">
+                <p16:designElem xmlns:p16="http://schemas.microsoft.com/office/powerpoint/2015/main" val="1"/>
+              </p:ext>
+            </p:extLst>
+          </p:nvPr>
+        </p:nvSpPr>
+        <p:spPr>
+          <a:xfrm>
+            <a:off x="0" y="0"/>
+            <a:ext cx="12188952" cy="6858000"/>
+          </a:xfrm>
+          <a:prstGeom prst="rect">
+            <a:avLst/>
+          </a:prstGeom>
+          <a:ln>
+            <a:noFill/>
+          </a:ln>
+        </p:spPr>
+        <p:style>
+          <a:lnRef idx="2">
+            <a:schemeClr val="accent1">
+              <a:shade val="50000"/>
+            </a:schemeClr>
+          </a:lnRef>
+          <a:fillRef idx="1">
+            <a:schemeClr val="accent1"/>
+          </a:fillRef>
+          <a:effectRef idx="0">
+            <a:schemeClr val="accent1"/>
+          </a:effectRef>
+          <a:fontRef idx="minor">
+            <a:schemeClr val="lt1"/>
+          </a:fontRef>
+        </p:style>
+        <p:txBody>
+          <a:bodyPr rtlCol="0" anchor="ctr"/>
+          <a:lstStyle/>
+          <a:p>
+            <a:pPr algn="ctr"/>
+            <a:endParaRPr lang="en-US"/>
+          </a:p>
+        </p:txBody>
+      </p:sp>
       <p:sp>
         <p:nvSpPr>
           <p:cNvPr id="2" name="Title 1">
             <a:extLst>
               <a:ext uri="{FF2B5EF4-FFF2-40B4-BE49-F238E27FC236}">
-                <a16:creationId xmlns:a16="http://schemas.microsoft.com/office/drawing/2014/main" id="{829B1405-5369-4CE7-A43F-0CC9D75D2E85}"/>
+                <a16:creationId xmlns:a16="http://schemas.microsoft.com/office/drawing/2014/main" id="{B418BF72-5C1A-4853-A3BE-5468EF40FC2A}"/>
               </a:ext>
             </a:extLst>
           </p:cNvPr>
@@ -4474,24 +6068,446 @@
             <p:ph type="title"/>
           </p:nvPr>
         </p:nvSpPr>
-        <p:spPr/>
-        <p:txBody>
-          <a:bodyPr/>
+        <p:spPr>
+          <a:xfrm>
+            <a:off x="4797501" y="329184"/>
+            <a:ext cx="6755626" cy="1783080"/>
+          </a:xfrm>
+        </p:spPr>
+        <p:txBody>
+          <a:bodyPr anchor="b">
+            <a:normAutofit/>
+          </a:bodyPr>
           <a:lstStyle/>
           <a:p>
             <a:r>
-              <a:rPr lang="en-US" dirty="0"/>
-              <a:t>Problem Statement</a:t>
-            </a:r>
-          </a:p>
-        </p:txBody>
-      </p:sp>
+              <a:rPr lang="en-US" sz="5400"/>
+              <a:t>Data Source</a:t>
+            </a:r>
+          </a:p>
+        </p:txBody>
+      </p:sp>
+      <p:pic>
+        <p:nvPicPr>
+          <p:cNvPr id="7" name="Picture 6" descr="Diagram&#10;&#10;Description automatically generated with medium confidence">
+            <a:extLst>
+              <a:ext uri="{FF2B5EF4-FFF2-40B4-BE49-F238E27FC236}">
+                <a16:creationId xmlns:a16="http://schemas.microsoft.com/office/drawing/2014/main" id="{F4BE404F-B121-485F-A707-BA910077D481}"/>
+              </a:ext>
+            </a:extLst>
+          </p:cNvPr>
+          <p:cNvPicPr>
+            <a:picLocks noChangeAspect="1"/>
+          </p:cNvPicPr>
+          <p:nvPr/>
+        </p:nvPicPr>
+        <p:blipFill>
+          <a:blip r:embed="rId2">
+            <a:extLst>
+              <a:ext uri="{28A0092B-C50C-407E-A947-70E740481C1C}">
+                <a14:useLocalDpi xmlns:a14="http://schemas.microsoft.com/office/drawing/2010/main" val="0"/>
+              </a:ext>
+            </a:extLst>
+          </a:blip>
+          <a:stretch>
+            <a:fillRect/>
+          </a:stretch>
+        </p:blipFill>
+        <p:spPr>
+          <a:xfrm>
+            <a:off x="927519" y="0"/>
+            <a:ext cx="2799257" cy="3907536"/>
+          </a:xfrm>
+          <a:prstGeom prst="rect">
+            <a:avLst/>
+          </a:prstGeom>
+        </p:spPr>
+      </p:pic>
+      <p:sp>
+        <p:nvSpPr>
+          <p:cNvPr id="44" name="sketchy line">
+            <a:extLst>
+              <a:ext uri="{FF2B5EF4-FFF2-40B4-BE49-F238E27FC236}">
+                <a16:creationId xmlns:a16="http://schemas.microsoft.com/office/drawing/2014/main" id="{3FCFB1DE-0B7E-48CC-BA90-B2AB0889F9D6}"/>
+              </a:ext>
+              <a:ext uri="{C183D7F6-B498-43B3-948B-1728B52AA6E4}">
+                <adec:decorative xmlns:adec="http://schemas.microsoft.com/office/drawing/2017/decorative" val="1"/>
+              </a:ext>
+            </a:extLst>
+          </p:cNvPr>
+          <p:cNvSpPr>
+            <a:spLocks noGrp="1" noRot="1" noChangeAspect="1" noMove="1" noResize="1" noEditPoints="1" noAdjustHandles="1" noChangeArrowheads="1" noChangeShapeType="1" noTextEdit="1"/>
+          </p:cNvSpPr>
+          <p:nvPr>
+            <p:extLst>
+              <p:ext uri="{386F3935-93C4-4BCD-93E2-E3B085C9AB24}">
+                <p16:designElem xmlns:p16="http://schemas.microsoft.com/office/powerpoint/2015/main" val="1"/>
+              </p:ext>
+            </p:extLst>
+          </p:nvPr>
+        </p:nvSpPr>
+        <p:spPr>
+          <a:xfrm>
+            <a:off x="4797494" y="2395728"/>
+            <a:ext cx="4243589" cy="18288"/>
+          </a:xfrm>
+          <a:custGeom>
+            <a:avLst/>
+            <a:gdLst>
+              <a:gd name="connsiteX0" fmla="*/ 0 w 4243589"/>
+              <a:gd name="connsiteY0" fmla="*/ 0 h 18288"/>
+              <a:gd name="connsiteX1" fmla="*/ 478919 w 4243589"/>
+              <a:gd name="connsiteY1" fmla="*/ 0 h 18288"/>
+              <a:gd name="connsiteX2" fmla="*/ 957839 w 4243589"/>
+              <a:gd name="connsiteY2" fmla="*/ 0 h 18288"/>
+              <a:gd name="connsiteX3" fmla="*/ 1521630 w 4243589"/>
+              <a:gd name="connsiteY3" fmla="*/ 0 h 18288"/>
+              <a:gd name="connsiteX4" fmla="*/ 2212729 w 4243589"/>
+              <a:gd name="connsiteY4" fmla="*/ 0 h 18288"/>
+              <a:gd name="connsiteX5" fmla="*/ 2734084 w 4243589"/>
+              <a:gd name="connsiteY5" fmla="*/ 0 h 18288"/>
+              <a:gd name="connsiteX6" fmla="*/ 3255439 w 4243589"/>
+              <a:gd name="connsiteY6" fmla="*/ 0 h 18288"/>
+              <a:gd name="connsiteX7" fmla="*/ 4243589 w 4243589"/>
+              <a:gd name="connsiteY7" fmla="*/ 0 h 18288"/>
+              <a:gd name="connsiteX8" fmla="*/ 4243589 w 4243589"/>
+              <a:gd name="connsiteY8" fmla="*/ 18288 h 18288"/>
+              <a:gd name="connsiteX9" fmla="*/ 3594926 w 4243589"/>
+              <a:gd name="connsiteY9" fmla="*/ 18288 h 18288"/>
+              <a:gd name="connsiteX10" fmla="*/ 3073571 w 4243589"/>
+              <a:gd name="connsiteY10" fmla="*/ 18288 h 18288"/>
+              <a:gd name="connsiteX11" fmla="*/ 2552216 w 4243589"/>
+              <a:gd name="connsiteY11" fmla="*/ 18288 h 18288"/>
+              <a:gd name="connsiteX12" fmla="*/ 1903553 w 4243589"/>
+              <a:gd name="connsiteY12" fmla="*/ 18288 h 18288"/>
+              <a:gd name="connsiteX13" fmla="*/ 1212454 w 4243589"/>
+              <a:gd name="connsiteY13" fmla="*/ 18288 h 18288"/>
+              <a:gd name="connsiteX14" fmla="*/ 733535 w 4243589"/>
+              <a:gd name="connsiteY14" fmla="*/ 18288 h 18288"/>
+              <a:gd name="connsiteX15" fmla="*/ 0 w 4243589"/>
+              <a:gd name="connsiteY15" fmla="*/ 18288 h 18288"/>
+              <a:gd name="connsiteX16" fmla="*/ 0 w 4243589"/>
+              <a:gd name="connsiteY16" fmla="*/ 0 h 18288"/>
+            </a:gdLst>
+            <a:ahLst/>
+            <a:cxnLst>
+              <a:cxn ang="0">
+                <a:pos x="connsiteX0" y="connsiteY0"/>
+              </a:cxn>
+              <a:cxn ang="0">
+                <a:pos x="connsiteX1" y="connsiteY1"/>
+              </a:cxn>
+              <a:cxn ang="0">
+                <a:pos x="connsiteX2" y="connsiteY2"/>
+              </a:cxn>
+              <a:cxn ang="0">
+                <a:pos x="connsiteX3" y="connsiteY3"/>
+              </a:cxn>
+              <a:cxn ang="0">
+                <a:pos x="connsiteX4" y="connsiteY4"/>
+              </a:cxn>
+              <a:cxn ang="0">
+                <a:pos x="connsiteX5" y="connsiteY5"/>
+              </a:cxn>
+              <a:cxn ang="0">
+                <a:pos x="connsiteX6" y="connsiteY6"/>
+              </a:cxn>
+              <a:cxn ang="0">
+                <a:pos x="connsiteX7" y="connsiteY7"/>
+              </a:cxn>
+              <a:cxn ang="0">
+                <a:pos x="connsiteX8" y="connsiteY8"/>
+              </a:cxn>
+              <a:cxn ang="0">
+                <a:pos x="connsiteX9" y="connsiteY9"/>
+              </a:cxn>
+              <a:cxn ang="0">
+                <a:pos x="connsiteX10" y="connsiteY10"/>
+              </a:cxn>
+              <a:cxn ang="0">
+                <a:pos x="connsiteX11" y="connsiteY11"/>
+              </a:cxn>
+              <a:cxn ang="0">
+                <a:pos x="connsiteX12" y="connsiteY12"/>
+              </a:cxn>
+              <a:cxn ang="0">
+                <a:pos x="connsiteX13" y="connsiteY13"/>
+              </a:cxn>
+              <a:cxn ang="0">
+                <a:pos x="connsiteX14" y="connsiteY14"/>
+              </a:cxn>
+              <a:cxn ang="0">
+                <a:pos x="connsiteX15" y="connsiteY15"/>
+              </a:cxn>
+              <a:cxn ang="0">
+                <a:pos x="connsiteX16" y="connsiteY16"/>
+              </a:cxn>
+            </a:cxnLst>
+            <a:rect l="l" t="t" r="r" b="b"/>
+            <a:pathLst>
+              <a:path w="4243589" h="18288" fill="none" extrusionOk="0">
+                <a:moveTo>
+                  <a:pt x="0" y="0"/>
+                </a:moveTo>
+                <a:cubicBezTo>
+                  <a:pt x="213395" y="-21006"/>
+                  <a:pt x="307421" y="-18116"/>
+                  <a:pt x="478919" y="0"/>
+                </a:cubicBezTo>
+                <a:cubicBezTo>
+                  <a:pt x="650417" y="18116"/>
+                  <a:pt x="831092" y="-21237"/>
+                  <a:pt x="957839" y="0"/>
+                </a:cubicBezTo>
+                <a:cubicBezTo>
+                  <a:pt x="1084586" y="21237"/>
+                  <a:pt x="1301682" y="25124"/>
+                  <a:pt x="1521630" y="0"/>
+                </a:cubicBezTo>
+                <a:cubicBezTo>
+                  <a:pt x="1741578" y="-25124"/>
+                  <a:pt x="1970269" y="-29139"/>
+                  <a:pt x="2212729" y="0"/>
+                </a:cubicBezTo>
+                <a:cubicBezTo>
+                  <a:pt x="2455189" y="29139"/>
+                  <a:pt x="2558847" y="-4796"/>
+                  <a:pt x="2734084" y="0"/>
+                </a:cubicBezTo>
+                <a:cubicBezTo>
+                  <a:pt x="2909321" y="4796"/>
+                  <a:pt x="3097217" y="-13409"/>
+                  <a:pt x="3255439" y="0"/>
+                </a:cubicBezTo>
+                <a:cubicBezTo>
+                  <a:pt x="3413662" y="13409"/>
+                  <a:pt x="3979999" y="-10121"/>
+                  <a:pt x="4243589" y="0"/>
+                </a:cubicBezTo>
+                <a:cubicBezTo>
+                  <a:pt x="4244484" y="8974"/>
+                  <a:pt x="4243043" y="9359"/>
+                  <a:pt x="4243589" y="18288"/>
+                </a:cubicBezTo>
+                <a:cubicBezTo>
+                  <a:pt x="4058777" y="31246"/>
+                  <a:pt x="3910348" y="3158"/>
+                  <a:pt x="3594926" y="18288"/>
+                </a:cubicBezTo>
+                <a:cubicBezTo>
+                  <a:pt x="3279504" y="33418"/>
+                  <a:pt x="3319955" y="-3977"/>
+                  <a:pt x="3073571" y="18288"/>
+                </a:cubicBezTo>
+                <a:cubicBezTo>
+                  <a:pt x="2827187" y="40553"/>
+                  <a:pt x="2767387" y="1863"/>
+                  <a:pt x="2552216" y="18288"/>
+                </a:cubicBezTo>
+                <a:cubicBezTo>
+                  <a:pt x="2337046" y="34713"/>
+                  <a:pt x="2181871" y="19527"/>
+                  <a:pt x="1903553" y="18288"/>
+                </a:cubicBezTo>
+                <a:cubicBezTo>
+                  <a:pt x="1625235" y="17049"/>
+                  <a:pt x="1557672" y="24174"/>
+                  <a:pt x="1212454" y="18288"/>
+                </a:cubicBezTo>
+                <a:cubicBezTo>
+                  <a:pt x="867236" y="12402"/>
+                  <a:pt x="874382" y="15627"/>
+                  <a:pt x="733535" y="18288"/>
+                </a:cubicBezTo>
+                <a:cubicBezTo>
+                  <a:pt x="592688" y="20949"/>
+                  <a:pt x="183477" y="14753"/>
+                  <a:pt x="0" y="18288"/>
+                </a:cubicBezTo>
+                <a:cubicBezTo>
+                  <a:pt x="-229" y="14222"/>
+                  <a:pt x="509" y="5816"/>
+                  <a:pt x="0" y="0"/>
+                </a:cubicBezTo>
+                <a:close/>
+              </a:path>
+              <a:path w="4243589" h="18288" stroke="0" extrusionOk="0">
+                <a:moveTo>
+                  <a:pt x="0" y="0"/>
+                </a:moveTo>
+                <a:cubicBezTo>
+                  <a:pt x="143690" y="16630"/>
+                  <a:pt x="266667" y="14847"/>
+                  <a:pt x="521355" y="0"/>
+                </a:cubicBezTo>
+                <a:cubicBezTo>
+                  <a:pt x="776043" y="-14847"/>
+                  <a:pt x="814491" y="-17363"/>
+                  <a:pt x="1000275" y="0"/>
+                </a:cubicBezTo>
+                <a:cubicBezTo>
+                  <a:pt x="1186059" y="17363"/>
+                  <a:pt x="1352504" y="-23507"/>
+                  <a:pt x="1521630" y="0"/>
+                </a:cubicBezTo>
+                <a:cubicBezTo>
+                  <a:pt x="1690756" y="23507"/>
+                  <a:pt x="1889525" y="5871"/>
+                  <a:pt x="2127857" y="0"/>
+                </a:cubicBezTo>
+                <a:cubicBezTo>
+                  <a:pt x="2366189" y="-5871"/>
+                  <a:pt x="2620628" y="-27997"/>
+                  <a:pt x="2776520" y="0"/>
+                </a:cubicBezTo>
+                <a:cubicBezTo>
+                  <a:pt x="2932412" y="27997"/>
+                  <a:pt x="3131683" y="-25073"/>
+                  <a:pt x="3467618" y="0"/>
+                </a:cubicBezTo>
+                <a:cubicBezTo>
+                  <a:pt x="3803553" y="25073"/>
+                  <a:pt x="4017371" y="3071"/>
+                  <a:pt x="4243589" y="0"/>
+                </a:cubicBezTo>
+                <a:cubicBezTo>
+                  <a:pt x="4243134" y="6162"/>
+                  <a:pt x="4243492" y="11775"/>
+                  <a:pt x="4243589" y="18288"/>
+                </a:cubicBezTo>
+                <a:cubicBezTo>
+                  <a:pt x="4017834" y="-5779"/>
+                  <a:pt x="3834586" y="13376"/>
+                  <a:pt x="3594926" y="18288"/>
+                </a:cubicBezTo>
+                <a:cubicBezTo>
+                  <a:pt x="3355266" y="23200"/>
+                  <a:pt x="3204179" y="2869"/>
+                  <a:pt x="2903827" y="18288"/>
+                </a:cubicBezTo>
+                <a:cubicBezTo>
+                  <a:pt x="2603475" y="33707"/>
+                  <a:pt x="2526187" y="46187"/>
+                  <a:pt x="2212729" y="18288"/>
+                </a:cubicBezTo>
+                <a:cubicBezTo>
+                  <a:pt x="1899271" y="-9611"/>
+                  <a:pt x="1966289" y="29692"/>
+                  <a:pt x="1733809" y="18288"/>
+                </a:cubicBezTo>
+                <a:cubicBezTo>
+                  <a:pt x="1501329" y="6884"/>
+                  <a:pt x="1343612" y="12492"/>
+                  <a:pt x="1085146" y="18288"/>
+                </a:cubicBezTo>
+                <a:cubicBezTo>
+                  <a:pt x="826680" y="24084"/>
+                  <a:pt x="778184" y="35607"/>
+                  <a:pt x="521355" y="18288"/>
+                </a:cubicBezTo>
+                <a:cubicBezTo>
+                  <a:pt x="264526" y="969"/>
+                  <a:pt x="120277" y="4268"/>
+                  <a:pt x="0" y="18288"/>
+                </a:cubicBezTo>
+                <a:cubicBezTo>
+                  <a:pt x="766" y="10800"/>
+                  <a:pt x="-457" y="8180"/>
+                  <a:pt x="0" y="0"/>
+                </a:cubicBezTo>
+                <a:close/>
+              </a:path>
+            </a:pathLst>
+          </a:custGeom>
+          <a:solidFill>
+            <a:schemeClr val="accent2"/>
+          </a:solidFill>
+          <a:ln w="41275" cap="rnd">
+            <a:solidFill>
+              <a:schemeClr val="accent2"/>
+            </a:solidFill>
+            <a:round/>
+            <a:extLst>
+              <a:ext uri="{C807C97D-BFC1-408E-A445-0C87EB9F89A2}">
+                <ask:lineSketchStyleProps xmlns:ask="http://schemas.microsoft.com/office/drawing/2018/sketchyshapes" sd="2727557108">
+                  <a:prstGeom prst="rect">
+                    <a:avLst/>
+                  </a:prstGeom>
+                  <ask:type>
+                    <ask:lineSketchFreehand/>
+                  </ask:type>
+                </ask:lineSketchStyleProps>
+              </a:ext>
+            </a:extLst>
+          </a:ln>
+        </p:spPr>
+        <p:style>
+          <a:lnRef idx="2">
+            <a:schemeClr val="accent1">
+              <a:shade val="50000"/>
+            </a:schemeClr>
+          </a:lnRef>
+          <a:fillRef idx="1">
+            <a:schemeClr val="accent1"/>
+          </a:fillRef>
+          <a:effectRef idx="0">
+            <a:schemeClr val="accent1"/>
+          </a:effectRef>
+          <a:fontRef idx="minor">
+            <a:schemeClr val="lt1"/>
+          </a:fontRef>
+        </p:style>
+        <p:txBody>
+          <a:bodyPr rtlCol="0" anchor="ctr"/>
+          <a:lstStyle/>
+          <a:p>
+            <a:pPr algn="ctr"/>
+            <a:endParaRPr lang="en-US"/>
+          </a:p>
+        </p:txBody>
+      </p:sp>
+      <p:pic>
+        <p:nvPicPr>
+          <p:cNvPr id="5" name="Picture 4" descr="Logo&#10;&#10;Description automatically generated with low confidence">
+            <a:extLst>
+              <a:ext uri="{FF2B5EF4-FFF2-40B4-BE49-F238E27FC236}">
+                <a16:creationId xmlns:a16="http://schemas.microsoft.com/office/drawing/2014/main" id="{C7438DC7-65E8-44E8-971D-9F8F55E76BA0}"/>
+              </a:ext>
+            </a:extLst>
+          </p:cNvPr>
+          <p:cNvPicPr>
+            <a:picLocks noChangeAspect="1"/>
+          </p:cNvPicPr>
+          <p:nvPr/>
+        </p:nvPicPr>
+        <p:blipFill>
+          <a:blip r:embed="rId3">
+            <a:extLst>
+              <a:ext uri="{28A0092B-C50C-407E-A947-70E740481C1C}">
+                <a14:useLocalDpi xmlns:a14="http://schemas.microsoft.com/office/drawing/2010/main" val="0"/>
+              </a:ext>
+            </a:extLst>
+          </a:blip>
+          <a:stretch>
+            <a:fillRect/>
+          </a:stretch>
+        </p:blipFill>
+        <p:spPr>
+          <a:xfrm>
+            <a:off x="927519" y="4045426"/>
+            <a:ext cx="2608916" cy="2608916"/>
+          </a:xfrm>
+          <a:prstGeom prst="rect">
+            <a:avLst/>
+          </a:prstGeom>
+        </p:spPr>
+      </p:pic>
       <p:sp>
         <p:nvSpPr>
           <p:cNvPr id="3" name="Content Placeholder 2">
             <a:extLst>
               <a:ext uri="{FF2B5EF4-FFF2-40B4-BE49-F238E27FC236}">
-                <a16:creationId xmlns:a16="http://schemas.microsoft.com/office/drawing/2014/main" id="{BEAC9178-C39F-492C-886E-21B0AAC9CDC8}"/>
+                <a16:creationId xmlns:a16="http://schemas.microsoft.com/office/drawing/2014/main" id="{C889C9E2-9472-4F61-8CC2-A03F8D275392}"/>
               </a:ext>
             </a:extLst>
           </p:cNvPr>
@@ -4502,26 +6518,27 @@
             <p:ph idx="1"/>
           </p:nvPr>
         </p:nvSpPr>
-        <p:spPr/>
-        <p:txBody>
-          <a:bodyPr/>
+        <p:spPr>
+          <a:xfrm>
+            <a:off x="4797494" y="2706624"/>
+            <a:ext cx="6755626" cy="3483864"/>
+          </a:xfrm>
+        </p:spPr>
+        <p:txBody>
+          <a:bodyPr>
+            <a:normAutofit/>
+          </a:bodyPr>
           <a:lstStyle/>
           <a:p>
             <a:r>
-              <a:rPr lang="en-US" dirty="0"/>
-              <a:t>How can I build a program that can determine what Pokémon card it sees when it detects an image to help people catalogue their collections.</a:t>
-            </a:r>
-          </a:p>
-          <a:p>
-            <a:r>
-              <a:rPr lang="en-US" dirty="0"/>
-              <a:t>How do Neural networks learn patterns to identify images.</a:t>
-            </a:r>
-          </a:p>
-          <a:p>
-            <a:r>
-              <a:rPr lang="en-US" dirty="0"/>
-              <a:t>(how to improve accuracy on classification model with 151 classes)</a:t>
+              <a:rPr lang="en-US" sz="2200"/>
+              <a:t>Pokemon TCG API is and PokemonClassifier dataset from Kaggle was used to collect image data.</a:t>
+            </a:r>
+          </a:p>
+          <a:p>
+            <a:r>
+              <a:rPr lang="en-US" sz="2200"/>
+              <a:t>https://pokemontcg.io/</a:t>
             </a:r>
           </a:p>
         </p:txBody>
@@ -4529,7 +6546,7 @@
     </p:spTree>
     <p:extLst>
       <p:ext uri="{BB962C8B-B14F-4D97-AF65-F5344CB8AC3E}">
-        <p14:creationId xmlns:p14="http://schemas.microsoft.com/office/powerpoint/2010/main" val="118820608"/>
+        <p14:creationId xmlns:p14="http://schemas.microsoft.com/office/powerpoint/2010/main" val="1930495659"/>
       </p:ext>
     </p:extLst>
   </p:cSld>
@@ -4542,6 +6559,40 @@
 <file path=ppt/slides/slide5.xml><?xml version="1.0" encoding="utf-8"?>
 <p:sld xmlns:a="http://schemas.openxmlformats.org/drawingml/2006/main" xmlns:r="http://schemas.openxmlformats.org/officeDocument/2006/relationships" xmlns:p="http://schemas.openxmlformats.org/presentationml/2006/main">
   <p:cSld>
+    <p:bg>
+      <p:bgPr>
+        <a:gradFill>
+          <a:gsLst>
+            <a:gs pos="0">
+              <a:schemeClr val="accent1">
+                <a:lumMod val="5000"/>
+                <a:lumOff val="95000"/>
+              </a:schemeClr>
+            </a:gs>
+            <a:gs pos="74000">
+              <a:schemeClr val="accent1">
+                <a:lumMod val="45000"/>
+                <a:lumOff val="55000"/>
+              </a:schemeClr>
+            </a:gs>
+            <a:gs pos="83000">
+              <a:schemeClr val="accent1">
+                <a:lumMod val="45000"/>
+                <a:lumOff val="55000"/>
+              </a:schemeClr>
+            </a:gs>
+            <a:gs pos="100000">
+              <a:schemeClr val="accent1">
+                <a:lumMod val="30000"/>
+                <a:lumOff val="70000"/>
+              </a:schemeClr>
+            </a:gs>
+          </a:gsLst>
+          <a:lin ang="5400000" scaled="1"/>
+        </a:gradFill>
+        <a:effectLst/>
+      </p:bgPr>
+    </p:bg>
     <p:spTree>
       <p:nvGrpSpPr>
         <p:cNvPr id="1" name=""/>
@@ -4556,12 +6607,72 @@
           <a:chExt cx="0" cy="0"/>
         </a:xfrm>
       </p:grpSpPr>
+      <p:sp useBgFill="1">
+        <p:nvSpPr>
+          <p:cNvPr id="10" name="Rectangle 9">
+            <a:extLst>
+              <a:ext uri="{FF2B5EF4-FFF2-40B4-BE49-F238E27FC236}">
+                <a16:creationId xmlns:a16="http://schemas.microsoft.com/office/drawing/2014/main" id="{743AA782-23D1-4521-8CAD-47662984AA08}"/>
+              </a:ext>
+              <a:ext uri="{C183D7F6-B498-43B3-948B-1728B52AA6E4}">
+                <adec:decorative xmlns:adec="http://schemas.microsoft.com/office/drawing/2017/decorative" val="1"/>
+              </a:ext>
+            </a:extLst>
+          </p:cNvPr>
+          <p:cNvSpPr>
+            <a:spLocks noGrp="1" noRot="1" noChangeAspect="1" noMove="1" noResize="1" noEditPoints="1" noAdjustHandles="1" noChangeArrowheads="1" noChangeShapeType="1" noTextEdit="1"/>
+          </p:cNvSpPr>
+          <p:nvPr>
+            <p:extLst>
+              <p:ext uri="{386F3935-93C4-4BCD-93E2-E3B085C9AB24}">
+                <p16:designElem xmlns:p16="http://schemas.microsoft.com/office/powerpoint/2015/main" val="1"/>
+              </p:ext>
+            </p:extLst>
+          </p:nvPr>
+        </p:nvSpPr>
+        <p:spPr>
+          <a:xfrm>
+            <a:off x="0" y="0"/>
+            <a:ext cx="12192000" cy="6858000"/>
+          </a:xfrm>
+          <a:prstGeom prst="rect">
+            <a:avLst/>
+          </a:prstGeom>
+          <a:ln>
+            <a:noFill/>
+          </a:ln>
+        </p:spPr>
+        <p:style>
+          <a:lnRef idx="2">
+            <a:schemeClr val="accent1">
+              <a:shade val="50000"/>
+            </a:schemeClr>
+          </a:lnRef>
+          <a:fillRef idx="1">
+            <a:schemeClr val="accent1"/>
+          </a:fillRef>
+          <a:effectRef idx="0">
+            <a:schemeClr val="accent1"/>
+          </a:effectRef>
+          <a:fontRef idx="minor">
+            <a:schemeClr val="lt1"/>
+          </a:fontRef>
+        </p:style>
+        <p:txBody>
+          <a:bodyPr rtlCol="0" anchor="ctr"/>
+          <a:lstStyle/>
+          <a:p>
+            <a:pPr algn="ctr"/>
+            <a:endParaRPr lang="en-US"/>
+          </a:p>
+        </p:txBody>
+      </p:sp>
       <p:sp>
         <p:nvSpPr>
           <p:cNvPr id="2" name="Title 1">
             <a:extLst>
               <a:ext uri="{FF2B5EF4-FFF2-40B4-BE49-F238E27FC236}">
-                <a16:creationId xmlns:a16="http://schemas.microsoft.com/office/drawing/2014/main" id="{B418BF72-5C1A-4853-A3BE-5468EF40FC2A}"/>
+                <a16:creationId xmlns:a16="http://schemas.microsoft.com/office/drawing/2014/main" id="{8984555A-0468-4097-9A27-EBEE4BD11CAD}"/>
               </a:ext>
             </a:extLst>
           </p:cNvPr>
@@ -4572,15 +6683,295 @@
             <p:ph type="title"/>
           </p:nvPr>
         </p:nvSpPr>
-        <p:spPr/>
-        <p:txBody>
-          <a:bodyPr/>
+        <p:spPr>
+          <a:xfrm>
+            <a:off x="630936" y="640080"/>
+            <a:ext cx="4818888" cy="1481328"/>
+          </a:xfrm>
+        </p:spPr>
+        <p:txBody>
+          <a:bodyPr anchor="b">
+            <a:normAutofit/>
+          </a:bodyPr>
           <a:lstStyle/>
           <a:p>
             <a:r>
-              <a:rPr lang="en-US" dirty="0"/>
-              <a:t>Experiment Setup</a:t>
-            </a:r>
+              <a:rPr lang="en-US" sz="5000"/>
+              <a:t>Exploratory Data Analysis</a:t>
+            </a:r>
+          </a:p>
+        </p:txBody>
+      </p:sp>
+      <p:sp>
+        <p:nvSpPr>
+          <p:cNvPr id="12" name="sketch line">
+            <a:extLst>
+              <a:ext uri="{FF2B5EF4-FFF2-40B4-BE49-F238E27FC236}">
+                <a16:creationId xmlns:a16="http://schemas.microsoft.com/office/drawing/2014/main" id="{71877DBC-BB60-40F0-AC93-2ACDBAAE60CE}"/>
+              </a:ext>
+              <a:ext uri="{C183D7F6-B498-43B3-948B-1728B52AA6E4}">
+                <adec:decorative xmlns:adec="http://schemas.microsoft.com/office/drawing/2017/decorative" val="1"/>
+              </a:ext>
+            </a:extLst>
+          </p:cNvPr>
+          <p:cNvSpPr>
+            <a:spLocks noGrp="1" noRot="1" noChangeAspect="1" noMove="1" noResize="1" noEditPoints="1" noAdjustHandles="1" noChangeArrowheads="1" noChangeShapeType="1" noTextEdit="1"/>
+          </p:cNvSpPr>
+          <p:nvPr>
+            <p:extLst>
+              <p:ext uri="{386F3935-93C4-4BCD-93E2-E3B085C9AB24}">
+                <p16:designElem xmlns:p16="http://schemas.microsoft.com/office/powerpoint/2015/main" val="1"/>
+              </p:ext>
+            </p:extLst>
+          </p:nvPr>
+        </p:nvSpPr>
+        <p:spPr>
+          <a:xfrm>
+            <a:off x="643278" y="2372868"/>
+            <a:ext cx="3255095" cy="18288"/>
+          </a:xfrm>
+          <a:custGeom>
+            <a:avLst/>
+            <a:gdLst>
+              <a:gd name="connsiteX0" fmla="*/ 0 w 3255095"/>
+              <a:gd name="connsiteY0" fmla="*/ 0 h 18288"/>
+              <a:gd name="connsiteX1" fmla="*/ 618468 w 3255095"/>
+              <a:gd name="connsiteY1" fmla="*/ 0 h 18288"/>
+              <a:gd name="connsiteX2" fmla="*/ 1269487 w 3255095"/>
+              <a:gd name="connsiteY2" fmla="*/ 0 h 18288"/>
+              <a:gd name="connsiteX3" fmla="*/ 1953057 w 3255095"/>
+              <a:gd name="connsiteY3" fmla="*/ 0 h 18288"/>
+              <a:gd name="connsiteX4" fmla="*/ 2636627 w 3255095"/>
+              <a:gd name="connsiteY4" fmla="*/ 0 h 18288"/>
+              <a:gd name="connsiteX5" fmla="*/ 3255095 w 3255095"/>
+              <a:gd name="connsiteY5" fmla="*/ 0 h 18288"/>
+              <a:gd name="connsiteX6" fmla="*/ 3255095 w 3255095"/>
+              <a:gd name="connsiteY6" fmla="*/ 18288 h 18288"/>
+              <a:gd name="connsiteX7" fmla="*/ 2538974 w 3255095"/>
+              <a:gd name="connsiteY7" fmla="*/ 18288 h 18288"/>
+              <a:gd name="connsiteX8" fmla="*/ 1822853 w 3255095"/>
+              <a:gd name="connsiteY8" fmla="*/ 18288 h 18288"/>
+              <a:gd name="connsiteX9" fmla="*/ 1171834 w 3255095"/>
+              <a:gd name="connsiteY9" fmla="*/ 18288 h 18288"/>
+              <a:gd name="connsiteX10" fmla="*/ 0 w 3255095"/>
+              <a:gd name="connsiteY10" fmla="*/ 18288 h 18288"/>
+              <a:gd name="connsiteX11" fmla="*/ 0 w 3255095"/>
+              <a:gd name="connsiteY11" fmla="*/ 0 h 18288"/>
+            </a:gdLst>
+            <a:ahLst/>
+            <a:cxnLst>
+              <a:cxn ang="0">
+                <a:pos x="connsiteX0" y="connsiteY0"/>
+              </a:cxn>
+              <a:cxn ang="0">
+                <a:pos x="connsiteX1" y="connsiteY1"/>
+              </a:cxn>
+              <a:cxn ang="0">
+                <a:pos x="connsiteX2" y="connsiteY2"/>
+              </a:cxn>
+              <a:cxn ang="0">
+                <a:pos x="connsiteX3" y="connsiteY3"/>
+              </a:cxn>
+              <a:cxn ang="0">
+                <a:pos x="connsiteX4" y="connsiteY4"/>
+              </a:cxn>
+              <a:cxn ang="0">
+                <a:pos x="connsiteX5" y="connsiteY5"/>
+              </a:cxn>
+              <a:cxn ang="0">
+                <a:pos x="connsiteX6" y="connsiteY6"/>
+              </a:cxn>
+              <a:cxn ang="0">
+                <a:pos x="connsiteX7" y="connsiteY7"/>
+              </a:cxn>
+              <a:cxn ang="0">
+                <a:pos x="connsiteX8" y="connsiteY8"/>
+              </a:cxn>
+              <a:cxn ang="0">
+                <a:pos x="connsiteX9" y="connsiteY9"/>
+              </a:cxn>
+              <a:cxn ang="0">
+                <a:pos x="connsiteX10" y="connsiteY10"/>
+              </a:cxn>
+              <a:cxn ang="0">
+                <a:pos x="connsiteX11" y="connsiteY11"/>
+              </a:cxn>
+            </a:cxnLst>
+            <a:rect l="l" t="t" r="r" b="b"/>
+            <a:pathLst>
+              <a:path w="3255095" h="18288" fill="none" extrusionOk="0">
+                <a:moveTo>
+                  <a:pt x="0" y="0"/>
+                </a:moveTo>
+                <a:cubicBezTo>
+                  <a:pt x="240201" y="-22123"/>
+                  <a:pt x="462021" y="-19623"/>
+                  <a:pt x="618468" y="0"/>
+                </a:cubicBezTo>
+                <a:cubicBezTo>
+                  <a:pt x="774915" y="19623"/>
+                  <a:pt x="974734" y="2035"/>
+                  <a:pt x="1269487" y="0"/>
+                </a:cubicBezTo>
+                <a:cubicBezTo>
+                  <a:pt x="1564240" y="-2035"/>
+                  <a:pt x="1733579" y="10639"/>
+                  <a:pt x="1953057" y="0"/>
+                </a:cubicBezTo>
+                <a:cubicBezTo>
+                  <a:pt x="2172535" y="-10639"/>
+                  <a:pt x="2453962" y="14018"/>
+                  <a:pt x="2636627" y="0"/>
+                </a:cubicBezTo>
+                <a:cubicBezTo>
+                  <a:pt x="2819292" y="-14018"/>
+                  <a:pt x="3121375" y="5399"/>
+                  <a:pt x="3255095" y="0"/>
+                </a:cubicBezTo>
+                <a:cubicBezTo>
+                  <a:pt x="3254386" y="8157"/>
+                  <a:pt x="3254682" y="12125"/>
+                  <a:pt x="3255095" y="18288"/>
+                </a:cubicBezTo>
+                <a:cubicBezTo>
+                  <a:pt x="3088545" y="23203"/>
+                  <a:pt x="2687475" y="7419"/>
+                  <a:pt x="2538974" y="18288"/>
+                </a:cubicBezTo>
+                <a:cubicBezTo>
+                  <a:pt x="2390473" y="29157"/>
+                  <a:pt x="2137381" y="-8959"/>
+                  <a:pt x="1822853" y="18288"/>
+                </a:cubicBezTo>
+                <a:cubicBezTo>
+                  <a:pt x="1508325" y="45535"/>
+                  <a:pt x="1466437" y="20385"/>
+                  <a:pt x="1171834" y="18288"/>
+                </a:cubicBezTo>
+                <a:cubicBezTo>
+                  <a:pt x="877231" y="16191"/>
+                  <a:pt x="561097" y="37643"/>
+                  <a:pt x="0" y="18288"/>
+                </a:cubicBezTo>
+                <a:cubicBezTo>
+                  <a:pt x="-46" y="12483"/>
+                  <a:pt x="-203" y="6491"/>
+                  <a:pt x="0" y="0"/>
+                </a:cubicBezTo>
+                <a:close/>
+              </a:path>
+              <a:path w="3255095" h="18288" stroke="0" extrusionOk="0">
+                <a:moveTo>
+                  <a:pt x="0" y="0"/>
+                </a:moveTo>
+                <a:cubicBezTo>
+                  <a:pt x="291965" y="19429"/>
+                  <a:pt x="363155" y="8568"/>
+                  <a:pt x="618468" y="0"/>
+                </a:cubicBezTo>
+                <a:cubicBezTo>
+                  <a:pt x="873781" y="-8568"/>
+                  <a:pt x="904459" y="-19505"/>
+                  <a:pt x="1171834" y="0"/>
+                </a:cubicBezTo>
+                <a:cubicBezTo>
+                  <a:pt x="1439209" y="19505"/>
+                  <a:pt x="1744369" y="9790"/>
+                  <a:pt x="1887955" y="0"/>
+                </a:cubicBezTo>
+                <a:cubicBezTo>
+                  <a:pt x="2031541" y="-9790"/>
+                  <a:pt x="2346378" y="21240"/>
+                  <a:pt x="2506423" y="0"/>
+                </a:cubicBezTo>
+                <a:cubicBezTo>
+                  <a:pt x="2666468" y="-21240"/>
+                  <a:pt x="2990257" y="30414"/>
+                  <a:pt x="3255095" y="0"/>
+                </a:cubicBezTo>
+                <a:cubicBezTo>
+                  <a:pt x="3254831" y="4493"/>
+                  <a:pt x="3255479" y="9472"/>
+                  <a:pt x="3255095" y="18288"/>
+                </a:cubicBezTo>
+                <a:cubicBezTo>
+                  <a:pt x="3120743" y="16690"/>
+                  <a:pt x="2759628" y="42462"/>
+                  <a:pt x="2604076" y="18288"/>
+                </a:cubicBezTo>
+                <a:cubicBezTo>
+                  <a:pt x="2448524" y="-5886"/>
+                  <a:pt x="2184336" y="19599"/>
+                  <a:pt x="1887955" y="18288"/>
+                </a:cubicBezTo>
+                <a:cubicBezTo>
+                  <a:pt x="1591574" y="16977"/>
+                  <a:pt x="1548845" y="6870"/>
+                  <a:pt x="1334589" y="18288"/>
+                </a:cubicBezTo>
+                <a:cubicBezTo>
+                  <a:pt x="1120333" y="29706"/>
+                  <a:pt x="996014" y="9662"/>
+                  <a:pt x="683570" y="18288"/>
+                </a:cubicBezTo>
+                <a:cubicBezTo>
+                  <a:pt x="371126" y="26914"/>
+                  <a:pt x="198687" y="16167"/>
+                  <a:pt x="0" y="18288"/>
+                </a:cubicBezTo>
+                <a:cubicBezTo>
+                  <a:pt x="843" y="9577"/>
+                  <a:pt x="371" y="6900"/>
+                  <a:pt x="0" y="0"/>
+                </a:cubicBezTo>
+                <a:close/>
+              </a:path>
+            </a:pathLst>
+          </a:custGeom>
+          <a:solidFill>
+            <a:schemeClr val="accent2"/>
+          </a:solidFill>
+          <a:ln w="38100" cap="rnd">
+            <a:solidFill>
+              <a:schemeClr val="accent2"/>
+            </a:solidFill>
+            <a:round/>
+            <a:extLst>
+              <a:ext uri="{C807C97D-BFC1-408E-A445-0C87EB9F89A2}">
+                <ask:lineSketchStyleProps xmlns:ask="http://schemas.microsoft.com/office/drawing/2018/sketchyshapes" sd="1219033472">
+                  <a:prstGeom prst="rect">
+                    <a:avLst/>
+                  </a:prstGeom>
+                  <ask:type>
+                    <ask:lineSketchFreehand/>
+                  </ask:type>
+                </ask:lineSketchStyleProps>
+              </a:ext>
+            </a:extLst>
+          </a:ln>
+        </p:spPr>
+        <p:style>
+          <a:lnRef idx="2">
+            <a:schemeClr val="accent1">
+              <a:shade val="50000"/>
+            </a:schemeClr>
+          </a:lnRef>
+          <a:fillRef idx="1">
+            <a:schemeClr val="accent1"/>
+          </a:fillRef>
+          <a:effectRef idx="0">
+            <a:schemeClr val="accent1"/>
+          </a:effectRef>
+          <a:fontRef idx="minor">
+            <a:schemeClr val="lt1"/>
+          </a:fontRef>
+        </p:style>
+        <p:txBody>
+          <a:bodyPr rtlCol="0" anchor="ctr"/>
+          <a:lstStyle/>
+          <a:p>
+            <a:pPr algn="ctr"/>
+            <a:endParaRPr lang="en-US"/>
           </a:p>
         </p:txBody>
       </p:sp>
@@ -4589,7 +6980,7 @@
           <p:cNvPr id="3" name="Content Placeholder 2">
             <a:extLst>
               <a:ext uri="{FF2B5EF4-FFF2-40B4-BE49-F238E27FC236}">
-                <a16:creationId xmlns:a16="http://schemas.microsoft.com/office/drawing/2014/main" id="{C889C9E2-9472-4F61-8CC2-A03F8D275392}"/>
+                <a16:creationId xmlns:a16="http://schemas.microsoft.com/office/drawing/2014/main" id="{F094604A-3E85-4A0C-AD8C-30B1C96BB5C4}"/>
               </a:ext>
             </a:extLst>
           </p:cNvPr>
@@ -4600,23 +6991,2375 @@
             <p:ph idx="1"/>
           </p:nvPr>
         </p:nvSpPr>
-        <p:spPr/>
-        <p:txBody>
-          <a:bodyPr/>
+        <p:spPr>
+          <a:xfrm>
+            <a:off x="630936" y="2660904"/>
+            <a:ext cx="4818888" cy="3547872"/>
+          </a:xfrm>
+        </p:spPr>
+        <p:txBody>
+          <a:bodyPr anchor="t">
+            <a:normAutofit/>
+          </a:bodyPr>
           <a:lstStyle/>
           <a:p>
             <a:r>
-              <a:rPr lang="en-US"/>
-              <a:t>Training </a:t>
-            </a:r>
-            <a:endParaRPr lang="en-US" dirty="0"/>
-          </a:p>
-        </p:txBody>
-      </p:sp>
+              <a:rPr lang="en-US" sz="2200"/>
+              <a:t>Averange number of pictures is 45.5.</a:t>
+            </a:r>
+          </a:p>
+          <a:p>
+            <a:r>
+              <a:rPr lang="en-US" sz="2200"/>
+              <a:t>Venusar, Pikachu, Snorlax and Scyther have the most pictures.</a:t>
+            </a:r>
+          </a:p>
+          <a:p>
+            <a:r>
+              <a:rPr lang="en-US" sz="2200"/>
+              <a:t>Null model is 0.95% accurate.</a:t>
+            </a:r>
+          </a:p>
+        </p:txBody>
+      </p:sp>
+      <p:pic>
+        <p:nvPicPr>
+          <p:cNvPr id="5" name="Picture 4" descr="Chart&#10;&#10;Description automatically generated">
+            <a:extLst>
+              <a:ext uri="{FF2B5EF4-FFF2-40B4-BE49-F238E27FC236}">
+                <a16:creationId xmlns:a16="http://schemas.microsoft.com/office/drawing/2014/main" id="{D4B4CB37-D382-4CC6-89AD-E13243393FCC}"/>
+              </a:ext>
+            </a:extLst>
+          </p:cNvPr>
+          <p:cNvPicPr>
+            <a:picLocks noChangeAspect="1"/>
+          </p:cNvPicPr>
+          <p:nvPr/>
+        </p:nvPicPr>
+        <p:blipFill>
+          <a:blip r:embed="rId2">
+            <a:extLst>
+              <a:ext uri="{28A0092B-C50C-407E-A947-70E740481C1C}">
+                <a14:useLocalDpi xmlns:a14="http://schemas.microsoft.com/office/drawing/2010/main" val="0"/>
+              </a:ext>
+            </a:extLst>
+          </a:blip>
+          <a:stretch>
+            <a:fillRect/>
+          </a:stretch>
+        </p:blipFill>
+        <p:spPr>
+          <a:xfrm>
+            <a:off x="5717084" y="785529"/>
+            <a:ext cx="5927048" cy="5423248"/>
+          </a:xfrm>
+          <a:prstGeom prst="rect">
+            <a:avLst/>
+          </a:prstGeom>
+        </p:spPr>
+      </p:pic>
     </p:spTree>
     <p:extLst>
       <p:ext uri="{BB962C8B-B14F-4D97-AF65-F5344CB8AC3E}">
-        <p14:creationId xmlns:p14="http://schemas.microsoft.com/office/powerpoint/2010/main" val="1930495659"/>
+        <p14:creationId xmlns:p14="http://schemas.microsoft.com/office/powerpoint/2010/main" val="540879315"/>
+      </p:ext>
+    </p:extLst>
+  </p:cSld>
+  <p:clrMapOvr>
+    <a:masterClrMapping/>
+  </p:clrMapOvr>
+</p:sld>
+</file>
+
+<file path=ppt/slides/slide6.xml><?xml version="1.0" encoding="utf-8"?>
+<p:sld xmlns:a="http://schemas.openxmlformats.org/drawingml/2006/main" xmlns:r="http://schemas.openxmlformats.org/officeDocument/2006/relationships" xmlns:p="http://schemas.openxmlformats.org/presentationml/2006/main">
+  <p:cSld>
+    <p:bg>
+      <p:bgPr>
+        <a:gradFill>
+          <a:gsLst>
+            <a:gs pos="0">
+              <a:schemeClr val="accent1">
+                <a:lumMod val="5000"/>
+                <a:lumOff val="95000"/>
+              </a:schemeClr>
+            </a:gs>
+            <a:gs pos="74000">
+              <a:schemeClr val="accent1">
+                <a:lumMod val="45000"/>
+                <a:lumOff val="55000"/>
+              </a:schemeClr>
+            </a:gs>
+            <a:gs pos="83000">
+              <a:schemeClr val="accent1">
+                <a:lumMod val="45000"/>
+                <a:lumOff val="55000"/>
+              </a:schemeClr>
+            </a:gs>
+            <a:gs pos="100000">
+              <a:schemeClr val="accent1">
+                <a:lumMod val="30000"/>
+                <a:lumOff val="70000"/>
+              </a:schemeClr>
+            </a:gs>
+          </a:gsLst>
+          <a:lin ang="5400000" scaled="1"/>
+        </a:gradFill>
+        <a:effectLst/>
+      </p:bgPr>
+    </p:bg>
+    <p:spTree>
+      <p:nvGrpSpPr>
+        <p:cNvPr id="1" name=""/>
+        <p:cNvGrpSpPr/>
+        <p:nvPr/>
+      </p:nvGrpSpPr>
+      <p:grpSpPr>
+        <a:xfrm>
+          <a:off x="0" y="0"/>
+          <a:ext cx="0" cy="0"/>
+          <a:chOff x="0" y="0"/>
+          <a:chExt cx="0" cy="0"/>
+        </a:xfrm>
+      </p:grpSpPr>
+      <p:sp useBgFill="1">
+        <p:nvSpPr>
+          <p:cNvPr id="10" name="Rectangle 9">
+            <a:extLst>
+              <a:ext uri="{FF2B5EF4-FFF2-40B4-BE49-F238E27FC236}">
+                <a16:creationId xmlns:a16="http://schemas.microsoft.com/office/drawing/2014/main" id="{BCED4D40-4B67-4331-AC48-79B82B4A47D8}"/>
+              </a:ext>
+              <a:ext uri="{C183D7F6-B498-43B3-948B-1728B52AA6E4}">
+                <adec:decorative xmlns:adec="http://schemas.microsoft.com/office/drawing/2017/decorative" val="1"/>
+              </a:ext>
+            </a:extLst>
+          </p:cNvPr>
+          <p:cNvSpPr>
+            <a:spLocks noGrp="1" noRot="1" noChangeAspect="1" noMove="1" noResize="1" noEditPoints="1" noAdjustHandles="1" noChangeArrowheads="1" noChangeShapeType="1" noTextEdit="1"/>
+          </p:cNvSpPr>
+          <p:nvPr>
+            <p:extLst>
+              <p:ext uri="{386F3935-93C4-4BCD-93E2-E3B085C9AB24}">
+                <p16:designElem xmlns:p16="http://schemas.microsoft.com/office/powerpoint/2015/main" val="1"/>
+              </p:ext>
+            </p:extLst>
+          </p:nvPr>
+        </p:nvSpPr>
+        <p:spPr>
+          <a:xfrm>
+            <a:off x="0" y="0"/>
+            <a:ext cx="12192000" cy="6858000"/>
+          </a:xfrm>
+          <a:prstGeom prst="rect">
+            <a:avLst/>
+          </a:prstGeom>
+          <a:ln>
+            <a:noFill/>
+          </a:ln>
+        </p:spPr>
+        <p:style>
+          <a:lnRef idx="2">
+            <a:schemeClr val="accent1">
+              <a:shade val="50000"/>
+            </a:schemeClr>
+          </a:lnRef>
+          <a:fillRef idx="1">
+            <a:schemeClr val="accent1"/>
+          </a:fillRef>
+          <a:effectRef idx="0">
+            <a:schemeClr val="accent1"/>
+          </a:effectRef>
+          <a:fontRef idx="minor">
+            <a:schemeClr val="lt1"/>
+          </a:fontRef>
+        </p:style>
+        <p:txBody>
+          <a:bodyPr rtlCol="0" anchor="ctr"/>
+          <a:lstStyle/>
+          <a:p>
+            <a:pPr algn="ctr"/>
+            <a:endParaRPr lang="en-US"/>
+          </a:p>
+        </p:txBody>
+      </p:sp>
+      <p:sp>
+        <p:nvSpPr>
+          <p:cNvPr id="2" name="Title 1">
+            <a:extLst>
+              <a:ext uri="{FF2B5EF4-FFF2-40B4-BE49-F238E27FC236}">
+                <a16:creationId xmlns:a16="http://schemas.microsoft.com/office/drawing/2014/main" id="{06B683FE-F339-4F6D-8544-BDCDAC15B11F}"/>
+              </a:ext>
+            </a:extLst>
+          </p:cNvPr>
+          <p:cNvSpPr>
+            <a:spLocks noGrp="1"/>
+          </p:cNvSpPr>
+          <p:nvPr>
+            <p:ph type="title"/>
+          </p:nvPr>
+        </p:nvSpPr>
+        <p:spPr>
+          <a:xfrm>
+            <a:off x="638881" y="417576"/>
+            <a:ext cx="10909640" cy="1249394"/>
+          </a:xfrm>
+        </p:spPr>
+        <p:txBody>
+          <a:bodyPr vert="horz" lIns="91440" tIns="45720" rIns="91440" bIns="45720" rtlCol="0" anchor="ctr">
+            <a:normAutofit/>
+          </a:bodyPr>
+          <a:lstStyle/>
+          <a:p>
+            <a:pPr algn="ctr"/>
+            <a:r>
+              <a:rPr lang="en-US" sz="6600" kern="1200">
+                <a:solidFill>
+                  <a:schemeClr val="tx1"/>
+                </a:solidFill>
+                <a:latin typeface="+mj-lt"/>
+                <a:ea typeface="+mj-ea"/>
+                <a:cs typeface="+mj-cs"/>
+              </a:rPr>
+              <a:t>Model/Data Preprocessing</a:t>
+            </a:r>
+          </a:p>
+        </p:txBody>
+      </p:sp>
+      <p:sp>
+        <p:nvSpPr>
+          <p:cNvPr id="3" name="Content Placeholder 2">
+            <a:extLst>
+              <a:ext uri="{FF2B5EF4-FFF2-40B4-BE49-F238E27FC236}">
+                <a16:creationId xmlns:a16="http://schemas.microsoft.com/office/drawing/2014/main" id="{D3FA4F1C-21A9-4DBE-ACBF-1EB37D6248D8}"/>
+              </a:ext>
+            </a:extLst>
+          </p:cNvPr>
+          <p:cNvSpPr>
+            <a:spLocks noGrp="1"/>
+          </p:cNvSpPr>
+          <p:nvPr>
+            <p:ph idx="1"/>
+          </p:nvPr>
+        </p:nvSpPr>
+        <p:spPr>
+          <a:xfrm>
+            <a:off x="638881" y="1809541"/>
+            <a:ext cx="10909643" cy="687406"/>
+          </a:xfrm>
+        </p:spPr>
+        <p:txBody>
+          <a:bodyPr vert="horz" lIns="91440" tIns="45720" rIns="91440" bIns="45720" rtlCol="0" anchor="ctr">
+            <a:normAutofit/>
+          </a:bodyPr>
+          <a:lstStyle/>
+          <a:p>
+            <a:pPr marL="0" indent="0" algn="ctr">
+              <a:buNone/>
+            </a:pPr>
+            <a:r>
+              <a:rPr lang="en-US" sz="2400" kern="1200">
+                <a:solidFill>
+                  <a:schemeClr val="tx1"/>
+                </a:solidFill>
+                <a:latin typeface="+mn-lt"/>
+                <a:ea typeface="+mn-ea"/>
+                <a:cs typeface="+mn-cs"/>
+              </a:rPr>
+              <a:t>Two Convolutional Neural Network models</a:t>
+            </a:r>
+          </a:p>
+        </p:txBody>
+      </p:sp>
+      <p:sp>
+        <p:nvSpPr>
+          <p:cNvPr id="12" name="sketch line">
+            <a:extLst>
+              <a:ext uri="{FF2B5EF4-FFF2-40B4-BE49-F238E27FC236}">
+                <a16:creationId xmlns:a16="http://schemas.microsoft.com/office/drawing/2014/main" id="{670CEDEF-4F34-412E-84EE-329C1E936AF5}"/>
+              </a:ext>
+              <a:ext uri="{C183D7F6-B498-43B3-948B-1728B52AA6E4}">
+                <adec:decorative xmlns:adec="http://schemas.microsoft.com/office/drawing/2017/decorative" val="1"/>
+              </a:ext>
+            </a:extLst>
+          </p:cNvPr>
+          <p:cNvSpPr>
+            <a:spLocks noGrp="1" noRot="1" noChangeAspect="1" noMove="1" noResize="1" noEditPoints="1" noAdjustHandles="1" noChangeArrowheads="1" noChangeShapeType="1" noTextEdit="1"/>
+          </p:cNvSpPr>
+          <p:nvPr>
+            <p:extLst>
+              <p:ext uri="{386F3935-93C4-4BCD-93E2-E3B085C9AB24}">
+                <p16:designElem xmlns:p16="http://schemas.microsoft.com/office/powerpoint/2015/main" val="1"/>
+              </p:ext>
+            </p:extLst>
+          </p:nvPr>
+        </p:nvSpPr>
+        <p:spPr>
+          <a:xfrm>
+            <a:off x="3807702" y="1733454"/>
+            <a:ext cx="4572000" cy="18288"/>
+          </a:xfrm>
+          <a:custGeom>
+            <a:avLst/>
+            <a:gdLst>
+              <a:gd name="connsiteX0" fmla="*/ 0 w 4572000"/>
+              <a:gd name="connsiteY0" fmla="*/ 0 h 18288"/>
+              <a:gd name="connsiteX1" fmla="*/ 515983 w 4572000"/>
+              <a:gd name="connsiteY1" fmla="*/ 0 h 18288"/>
+              <a:gd name="connsiteX2" fmla="*/ 1031966 w 4572000"/>
+              <a:gd name="connsiteY2" fmla="*/ 0 h 18288"/>
+              <a:gd name="connsiteX3" fmla="*/ 1639389 w 4572000"/>
+              <a:gd name="connsiteY3" fmla="*/ 0 h 18288"/>
+              <a:gd name="connsiteX4" fmla="*/ 2383971 w 4572000"/>
+              <a:gd name="connsiteY4" fmla="*/ 0 h 18288"/>
+              <a:gd name="connsiteX5" fmla="*/ 2945674 w 4572000"/>
+              <a:gd name="connsiteY5" fmla="*/ 0 h 18288"/>
+              <a:gd name="connsiteX6" fmla="*/ 3507377 w 4572000"/>
+              <a:gd name="connsiteY6" fmla="*/ 0 h 18288"/>
+              <a:gd name="connsiteX7" fmla="*/ 4572000 w 4572000"/>
+              <a:gd name="connsiteY7" fmla="*/ 0 h 18288"/>
+              <a:gd name="connsiteX8" fmla="*/ 4572000 w 4572000"/>
+              <a:gd name="connsiteY8" fmla="*/ 18288 h 18288"/>
+              <a:gd name="connsiteX9" fmla="*/ 3873137 w 4572000"/>
+              <a:gd name="connsiteY9" fmla="*/ 18288 h 18288"/>
+              <a:gd name="connsiteX10" fmla="*/ 3311434 w 4572000"/>
+              <a:gd name="connsiteY10" fmla="*/ 18288 h 18288"/>
+              <a:gd name="connsiteX11" fmla="*/ 2749731 w 4572000"/>
+              <a:gd name="connsiteY11" fmla="*/ 18288 h 18288"/>
+              <a:gd name="connsiteX12" fmla="*/ 2050869 w 4572000"/>
+              <a:gd name="connsiteY12" fmla="*/ 18288 h 18288"/>
+              <a:gd name="connsiteX13" fmla="*/ 1306286 w 4572000"/>
+              <a:gd name="connsiteY13" fmla="*/ 18288 h 18288"/>
+              <a:gd name="connsiteX14" fmla="*/ 790303 w 4572000"/>
+              <a:gd name="connsiteY14" fmla="*/ 18288 h 18288"/>
+              <a:gd name="connsiteX15" fmla="*/ 0 w 4572000"/>
+              <a:gd name="connsiteY15" fmla="*/ 18288 h 18288"/>
+              <a:gd name="connsiteX16" fmla="*/ 0 w 4572000"/>
+              <a:gd name="connsiteY16" fmla="*/ 0 h 18288"/>
+            </a:gdLst>
+            <a:ahLst/>
+            <a:cxnLst>
+              <a:cxn ang="0">
+                <a:pos x="connsiteX0" y="connsiteY0"/>
+              </a:cxn>
+              <a:cxn ang="0">
+                <a:pos x="connsiteX1" y="connsiteY1"/>
+              </a:cxn>
+              <a:cxn ang="0">
+                <a:pos x="connsiteX2" y="connsiteY2"/>
+              </a:cxn>
+              <a:cxn ang="0">
+                <a:pos x="connsiteX3" y="connsiteY3"/>
+              </a:cxn>
+              <a:cxn ang="0">
+                <a:pos x="connsiteX4" y="connsiteY4"/>
+              </a:cxn>
+              <a:cxn ang="0">
+                <a:pos x="connsiteX5" y="connsiteY5"/>
+              </a:cxn>
+              <a:cxn ang="0">
+                <a:pos x="connsiteX6" y="connsiteY6"/>
+              </a:cxn>
+              <a:cxn ang="0">
+                <a:pos x="connsiteX7" y="connsiteY7"/>
+              </a:cxn>
+              <a:cxn ang="0">
+                <a:pos x="connsiteX8" y="connsiteY8"/>
+              </a:cxn>
+              <a:cxn ang="0">
+                <a:pos x="connsiteX9" y="connsiteY9"/>
+              </a:cxn>
+              <a:cxn ang="0">
+                <a:pos x="connsiteX10" y="connsiteY10"/>
+              </a:cxn>
+              <a:cxn ang="0">
+                <a:pos x="connsiteX11" y="connsiteY11"/>
+              </a:cxn>
+              <a:cxn ang="0">
+                <a:pos x="connsiteX12" y="connsiteY12"/>
+              </a:cxn>
+              <a:cxn ang="0">
+                <a:pos x="connsiteX13" y="connsiteY13"/>
+              </a:cxn>
+              <a:cxn ang="0">
+                <a:pos x="connsiteX14" y="connsiteY14"/>
+              </a:cxn>
+              <a:cxn ang="0">
+                <a:pos x="connsiteX15" y="connsiteY15"/>
+              </a:cxn>
+              <a:cxn ang="0">
+                <a:pos x="connsiteX16" y="connsiteY16"/>
+              </a:cxn>
+            </a:cxnLst>
+            <a:rect l="l" t="t" r="r" b="b"/>
+            <a:pathLst>
+              <a:path w="4572000" h="18288" fill="none" extrusionOk="0">
+                <a:moveTo>
+                  <a:pt x="0" y="0"/>
+                </a:moveTo>
+                <a:cubicBezTo>
+                  <a:pt x="105156" y="-20963"/>
+                  <a:pt x="340432" y="822"/>
+                  <a:pt x="515983" y="0"/>
+                </a:cubicBezTo>
+                <a:cubicBezTo>
+                  <a:pt x="691534" y="-822"/>
+                  <a:pt x="850679" y="16479"/>
+                  <a:pt x="1031966" y="0"/>
+                </a:cubicBezTo>
+                <a:cubicBezTo>
+                  <a:pt x="1213253" y="-16479"/>
+                  <a:pt x="1443646" y="-18730"/>
+                  <a:pt x="1639389" y="0"/>
+                </a:cubicBezTo>
+                <a:cubicBezTo>
+                  <a:pt x="1835132" y="18730"/>
+                  <a:pt x="2159975" y="18531"/>
+                  <a:pt x="2383971" y="0"/>
+                </a:cubicBezTo>
+                <a:cubicBezTo>
+                  <a:pt x="2607967" y="-18531"/>
+                  <a:pt x="2719096" y="-12030"/>
+                  <a:pt x="2945674" y="0"/>
+                </a:cubicBezTo>
+                <a:cubicBezTo>
+                  <a:pt x="3172252" y="12030"/>
+                  <a:pt x="3269167" y="27666"/>
+                  <a:pt x="3507377" y="0"/>
+                </a:cubicBezTo>
+                <a:cubicBezTo>
+                  <a:pt x="3745587" y="-27666"/>
+                  <a:pt x="4116741" y="18705"/>
+                  <a:pt x="4572000" y="0"/>
+                </a:cubicBezTo>
+                <a:cubicBezTo>
+                  <a:pt x="4572895" y="8974"/>
+                  <a:pt x="4571454" y="9359"/>
+                  <a:pt x="4572000" y="18288"/>
+                </a:cubicBezTo>
+                <a:cubicBezTo>
+                  <a:pt x="4374698" y="3942"/>
+                  <a:pt x="4098874" y="-11042"/>
+                  <a:pt x="3873137" y="18288"/>
+                </a:cubicBezTo>
+                <a:cubicBezTo>
+                  <a:pt x="3647400" y="47618"/>
+                  <a:pt x="3517055" y="5421"/>
+                  <a:pt x="3311434" y="18288"/>
+                </a:cubicBezTo>
+                <a:cubicBezTo>
+                  <a:pt x="3105813" y="31155"/>
+                  <a:pt x="3025168" y="17856"/>
+                  <a:pt x="2749731" y="18288"/>
+                </a:cubicBezTo>
+                <a:cubicBezTo>
+                  <a:pt x="2474294" y="18720"/>
+                  <a:pt x="2291766" y="-14168"/>
+                  <a:pt x="2050869" y="18288"/>
+                </a:cubicBezTo>
+                <a:cubicBezTo>
+                  <a:pt x="1809972" y="50744"/>
+                  <a:pt x="1540276" y="46798"/>
+                  <a:pt x="1306286" y="18288"/>
+                </a:cubicBezTo>
+                <a:cubicBezTo>
+                  <a:pt x="1072296" y="-10222"/>
+                  <a:pt x="972445" y="19645"/>
+                  <a:pt x="790303" y="18288"/>
+                </a:cubicBezTo>
+                <a:cubicBezTo>
+                  <a:pt x="608161" y="16931"/>
+                  <a:pt x="200981" y="8241"/>
+                  <a:pt x="0" y="18288"/>
+                </a:cubicBezTo>
+                <a:cubicBezTo>
+                  <a:pt x="-229" y="14222"/>
+                  <a:pt x="509" y="5816"/>
+                  <a:pt x="0" y="0"/>
+                </a:cubicBezTo>
+                <a:close/>
+              </a:path>
+              <a:path w="4572000" h="18288" stroke="0" extrusionOk="0">
+                <a:moveTo>
+                  <a:pt x="0" y="0"/>
+                </a:moveTo>
+                <a:cubicBezTo>
+                  <a:pt x="143285" y="-9565"/>
+                  <a:pt x="327959" y="-11498"/>
+                  <a:pt x="561703" y="0"/>
+                </a:cubicBezTo>
+                <a:cubicBezTo>
+                  <a:pt x="795447" y="11498"/>
+                  <a:pt x="838260" y="18255"/>
+                  <a:pt x="1077686" y="0"/>
+                </a:cubicBezTo>
+                <a:cubicBezTo>
+                  <a:pt x="1317112" y="-18255"/>
+                  <a:pt x="1437472" y="23514"/>
+                  <a:pt x="1639389" y="0"/>
+                </a:cubicBezTo>
+                <a:cubicBezTo>
+                  <a:pt x="1841306" y="-23514"/>
+                  <a:pt x="2037142" y="-12551"/>
+                  <a:pt x="2292531" y="0"/>
+                </a:cubicBezTo>
+                <a:cubicBezTo>
+                  <a:pt x="2547920" y="12551"/>
+                  <a:pt x="2810436" y="-20352"/>
+                  <a:pt x="2991394" y="0"/>
+                </a:cubicBezTo>
+                <a:cubicBezTo>
+                  <a:pt x="3172352" y="20352"/>
+                  <a:pt x="3530025" y="-13347"/>
+                  <a:pt x="3735977" y="0"/>
+                </a:cubicBezTo>
+                <a:cubicBezTo>
+                  <a:pt x="3941929" y="13347"/>
+                  <a:pt x="4161497" y="34086"/>
+                  <a:pt x="4572000" y="0"/>
+                </a:cubicBezTo>
+                <a:cubicBezTo>
+                  <a:pt x="4571545" y="6162"/>
+                  <a:pt x="4571903" y="11775"/>
+                  <a:pt x="4572000" y="18288"/>
+                </a:cubicBezTo>
+                <a:cubicBezTo>
+                  <a:pt x="4228040" y="36490"/>
+                  <a:pt x="4199736" y="42557"/>
+                  <a:pt x="3873137" y="18288"/>
+                </a:cubicBezTo>
+                <a:cubicBezTo>
+                  <a:pt x="3546538" y="-5981"/>
+                  <a:pt x="3472124" y="16809"/>
+                  <a:pt x="3128554" y="18288"/>
+                </a:cubicBezTo>
+                <a:cubicBezTo>
+                  <a:pt x="2784984" y="19767"/>
+                  <a:pt x="2735896" y="-17781"/>
+                  <a:pt x="2383971" y="18288"/>
+                </a:cubicBezTo>
+                <a:cubicBezTo>
+                  <a:pt x="2032046" y="54357"/>
+                  <a:pt x="2019324" y="2920"/>
+                  <a:pt x="1867989" y="18288"/>
+                </a:cubicBezTo>
+                <a:cubicBezTo>
+                  <a:pt x="1716654" y="33656"/>
+                  <a:pt x="1418675" y="32575"/>
+                  <a:pt x="1169126" y="18288"/>
+                </a:cubicBezTo>
+                <a:cubicBezTo>
+                  <a:pt x="919577" y="4001"/>
+                  <a:pt x="798537" y="16165"/>
+                  <a:pt x="561703" y="18288"/>
+                </a:cubicBezTo>
+                <a:cubicBezTo>
+                  <a:pt x="324869" y="20411"/>
+                  <a:pt x="221395" y="-912"/>
+                  <a:pt x="0" y="18288"/>
+                </a:cubicBezTo>
+                <a:cubicBezTo>
+                  <a:pt x="766" y="10800"/>
+                  <a:pt x="-457" y="8180"/>
+                  <a:pt x="0" y="0"/>
+                </a:cubicBezTo>
+                <a:close/>
+              </a:path>
+            </a:pathLst>
+          </a:custGeom>
+          <a:solidFill>
+            <a:schemeClr val="accent2"/>
+          </a:solidFill>
+          <a:ln w="41275" cap="rnd">
+            <a:solidFill>
+              <a:schemeClr val="accent2"/>
+            </a:solidFill>
+            <a:round/>
+            <a:extLst>
+              <a:ext uri="{C807C97D-BFC1-408E-A445-0C87EB9F89A2}">
+                <ask:lineSketchStyleProps xmlns:ask="http://schemas.microsoft.com/office/drawing/2018/sketchyshapes" sd="2727557108">
+                  <a:prstGeom prst="rect">
+                    <a:avLst/>
+                  </a:prstGeom>
+                  <ask:type>
+                    <ask:lineSketchFreehand/>
+                  </ask:type>
+                </ask:lineSketchStyleProps>
+              </a:ext>
+            </a:extLst>
+          </a:ln>
+        </p:spPr>
+        <p:style>
+          <a:lnRef idx="2">
+            <a:schemeClr val="accent1">
+              <a:shade val="50000"/>
+            </a:schemeClr>
+          </a:lnRef>
+          <a:fillRef idx="1">
+            <a:schemeClr val="accent1"/>
+          </a:fillRef>
+          <a:effectRef idx="0">
+            <a:schemeClr val="accent1"/>
+          </a:effectRef>
+          <a:fontRef idx="minor">
+            <a:schemeClr val="lt1"/>
+          </a:fontRef>
+        </p:style>
+        <p:txBody>
+          <a:bodyPr rtlCol="0" anchor="ctr"/>
+          <a:lstStyle/>
+          <a:p>
+            <a:pPr algn="ctr"/>
+            <a:endParaRPr lang="en-US"/>
+          </a:p>
+        </p:txBody>
+      </p:sp>
+      <p:pic>
+        <p:nvPicPr>
+          <p:cNvPr id="5" name="Picture 4" descr="Text&#10;&#10;Description automatically generated">
+            <a:extLst>
+              <a:ext uri="{FF2B5EF4-FFF2-40B4-BE49-F238E27FC236}">
+                <a16:creationId xmlns:a16="http://schemas.microsoft.com/office/drawing/2014/main" id="{C9A0F4D1-05C1-4B66-B8C6-306DA7CEF7EB}"/>
+              </a:ext>
+            </a:extLst>
+          </p:cNvPr>
+          <p:cNvPicPr>
+            <a:picLocks noChangeAspect="1"/>
+          </p:cNvPicPr>
+          <p:nvPr/>
+        </p:nvPicPr>
+        <p:blipFill>
+          <a:blip r:embed="rId2">
+            <a:extLst>
+              <a:ext uri="{28A0092B-C50C-407E-A947-70E740481C1C}">
+                <a14:useLocalDpi xmlns:a14="http://schemas.microsoft.com/office/drawing/2010/main" val="0"/>
+              </a:ext>
+            </a:extLst>
+          </a:blip>
+          <a:stretch>
+            <a:fillRect/>
+          </a:stretch>
+        </p:blipFill>
+        <p:spPr>
+          <a:xfrm>
+            <a:off x="781360" y="2633472"/>
+            <a:ext cx="10626231" cy="3586353"/>
+          </a:xfrm>
+          <a:prstGeom prst="rect">
+            <a:avLst/>
+          </a:prstGeom>
+        </p:spPr>
+      </p:pic>
+    </p:spTree>
+    <p:extLst>
+      <p:ext uri="{BB962C8B-B14F-4D97-AF65-F5344CB8AC3E}">
+        <p14:creationId xmlns:p14="http://schemas.microsoft.com/office/powerpoint/2010/main" val="2479583854"/>
+      </p:ext>
+    </p:extLst>
+  </p:cSld>
+  <p:clrMapOvr>
+    <a:masterClrMapping/>
+  </p:clrMapOvr>
+</p:sld>
+</file>
+
+<file path=ppt/slides/slide7.xml><?xml version="1.0" encoding="utf-8"?>
+<p:sld xmlns:a="http://schemas.openxmlformats.org/drawingml/2006/main" xmlns:r="http://schemas.openxmlformats.org/officeDocument/2006/relationships" xmlns:p="http://schemas.openxmlformats.org/presentationml/2006/main">
+  <p:cSld>
+    <p:bg>
+      <p:bgPr>
+        <a:gradFill>
+          <a:gsLst>
+            <a:gs pos="0">
+              <a:schemeClr val="accent1">
+                <a:lumMod val="5000"/>
+                <a:lumOff val="95000"/>
+              </a:schemeClr>
+            </a:gs>
+            <a:gs pos="74000">
+              <a:schemeClr val="accent1">
+                <a:lumMod val="45000"/>
+                <a:lumOff val="55000"/>
+              </a:schemeClr>
+            </a:gs>
+            <a:gs pos="83000">
+              <a:schemeClr val="accent1">
+                <a:lumMod val="45000"/>
+                <a:lumOff val="55000"/>
+              </a:schemeClr>
+            </a:gs>
+            <a:gs pos="100000">
+              <a:schemeClr val="accent1">
+                <a:lumMod val="30000"/>
+                <a:lumOff val="70000"/>
+              </a:schemeClr>
+            </a:gs>
+          </a:gsLst>
+          <a:lin ang="5400000" scaled="1"/>
+        </a:gradFill>
+        <a:effectLst/>
+      </p:bgPr>
+    </p:bg>
+    <p:spTree>
+      <p:nvGrpSpPr>
+        <p:cNvPr id="1" name=""/>
+        <p:cNvGrpSpPr/>
+        <p:nvPr/>
+      </p:nvGrpSpPr>
+      <p:grpSpPr>
+        <a:xfrm>
+          <a:off x="0" y="0"/>
+          <a:ext cx="0" cy="0"/>
+          <a:chOff x="0" y="0"/>
+          <a:chExt cx="0" cy="0"/>
+        </a:xfrm>
+      </p:grpSpPr>
+      <p:sp useBgFill="1">
+        <p:nvSpPr>
+          <p:cNvPr id="16" name="Rectangle 15">
+            <a:extLst>
+              <a:ext uri="{FF2B5EF4-FFF2-40B4-BE49-F238E27FC236}">
+                <a16:creationId xmlns:a16="http://schemas.microsoft.com/office/drawing/2014/main" id="{91F55C5D-1648-4BE3-932D-8CADBF3F6736}"/>
+              </a:ext>
+              <a:ext uri="{C183D7F6-B498-43B3-948B-1728B52AA6E4}">
+                <adec:decorative xmlns:adec="http://schemas.microsoft.com/office/drawing/2017/decorative" val="1"/>
+              </a:ext>
+            </a:extLst>
+          </p:cNvPr>
+          <p:cNvSpPr>
+            <a:spLocks noGrp="1" noRot="1" noChangeAspect="1" noMove="1" noResize="1" noEditPoints="1" noAdjustHandles="1" noChangeArrowheads="1" noChangeShapeType="1" noTextEdit="1"/>
+          </p:cNvSpPr>
+          <p:nvPr>
+            <p:extLst>
+              <p:ext uri="{386F3935-93C4-4BCD-93E2-E3B085C9AB24}">
+                <p16:designElem xmlns:p16="http://schemas.microsoft.com/office/powerpoint/2015/main" val="1"/>
+              </p:ext>
+            </p:extLst>
+          </p:nvPr>
+        </p:nvSpPr>
+        <p:spPr>
+          <a:xfrm>
+            <a:off x="0" y="0"/>
+            <a:ext cx="12188952" cy="6858000"/>
+          </a:xfrm>
+          <a:prstGeom prst="rect">
+            <a:avLst/>
+          </a:prstGeom>
+          <a:ln>
+            <a:noFill/>
+          </a:ln>
+        </p:spPr>
+        <p:style>
+          <a:lnRef idx="2">
+            <a:schemeClr val="accent1">
+              <a:shade val="50000"/>
+            </a:schemeClr>
+          </a:lnRef>
+          <a:fillRef idx="1">
+            <a:schemeClr val="accent1"/>
+          </a:fillRef>
+          <a:effectRef idx="0">
+            <a:schemeClr val="accent1"/>
+          </a:effectRef>
+          <a:fontRef idx="minor">
+            <a:schemeClr val="lt1"/>
+          </a:fontRef>
+        </p:style>
+        <p:txBody>
+          <a:bodyPr rtlCol="0" anchor="ctr"/>
+          <a:lstStyle/>
+          <a:p>
+            <a:pPr algn="ctr"/>
+            <a:endParaRPr lang="en-US"/>
+          </a:p>
+        </p:txBody>
+      </p:sp>
+      <p:sp>
+        <p:nvSpPr>
+          <p:cNvPr id="2" name="Title 1">
+            <a:extLst>
+              <a:ext uri="{FF2B5EF4-FFF2-40B4-BE49-F238E27FC236}">
+                <a16:creationId xmlns:a16="http://schemas.microsoft.com/office/drawing/2014/main" id="{23AE2B99-F644-4D0F-B995-F684EE6C0CD8}"/>
+              </a:ext>
+            </a:extLst>
+          </p:cNvPr>
+          <p:cNvSpPr>
+            <a:spLocks noGrp="1"/>
+          </p:cNvSpPr>
+          <p:nvPr>
+            <p:ph type="title"/>
+          </p:nvPr>
+        </p:nvSpPr>
+        <p:spPr>
+          <a:xfrm>
+            <a:off x="640080" y="667512"/>
+            <a:ext cx="10908792" cy="1069848"/>
+          </a:xfrm>
+        </p:spPr>
+        <p:txBody>
+          <a:bodyPr vert="horz" lIns="91440" tIns="45720" rIns="91440" bIns="45720" rtlCol="0" anchor="ctr">
+            <a:normAutofit/>
+          </a:bodyPr>
+          <a:lstStyle/>
+          <a:p>
+            <a:pPr algn="ctr"/>
+            <a:r>
+              <a:rPr lang="en-US" sz="5400"/>
+              <a:t>Model/Data Preprocessing </a:t>
+            </a:r>
+          </a:p>
+        </p:txBody>
+      </p:sp>
+      <p:sp>
+        <p:nvSpPr>
+          <p:cNvPr id="18" name="sketch line">
+            <a:extLst>
+              <a:ext uri="{FF2B5EF4-FFF2-40B4-BE49-F238E27FC236}">
+                <a16:creationId xmlns:a16="http://schemas.microsoft.com/office/drawing/2014/main" id="{A38E1331-B5A6-44BE-BF4E-EE6C2FD2A242}"/>
+              </a:ext>
+              <a:ext uri="{C183D7F6-B498-43B3-948B-1728B52AA6E4}">
+                <adec:decorative xmlns:adec="http://schemas.microsoft.com/office/drawing/2017/decorative" val="1"/>
+              </a:ext>
+            </a:extLst>
+          </p:cNvPr>
+          <p:cNvSpPr>
+            <a:spLocks noGrp="1" noRot="1" noChangeAspect="1" noMove="1" noResize="1" noEditPoints="1" noAdjustHandles="1" noChangeArrowheads="1" noChangeShapeType="1" noTextEdit="1"/>
+          </p:cNvSpPr>
+          <p:nvPr>
+            <p:extLst>
+              <p:ext uri="{386F3935-93C4-4BCD-93E2-E3B085C9AB24}">
+                <p16:designElem xmlns:p16="http://schemas.microsoft.com/office/powerpoint/2015/main" val="1"/>
+              </p:ext>
+            </p:extLst>
+          </p:nvPr>
+        </p:nvSpPr>
+        <p:spPr>
+          <a:xfrm>
+            <a:off x="3810000" y="1776977"/>
+            <a:ext cx="4572000" cy="18288"/>
+          </a:xfrm>
+          <a:custGeom>
+            <a:avLst/>
+            <a:gdLst>
+              <a:gd name="connsiteX0" fmla="*/ 0 w 4572000"/>
+              <a:gd name="connsiteY0" fmla="*/ 0 h 18288"/>
+              <a:gd name="connsiteX1" fmla="*/ 744583 w 4572000"/>
+              <a:gd name="connsiteY1" fmla="*/ 0 h 18288"/>
+              <a:gd name="connsiteX2" fmla="*/ 1352006 w 4572000"/>
+              <a:gd name="connsiteY2" fmla="*/ 0 h 18288"/>
+              <a:gd name="connsiteX3" fmla="*/ 2050869 w 4572000"/>
+              <a:gd name="connsiteY3" fmla="*/ 0 h 18288"/>
+              <a:gd name="connsiteX4" fmla="*/ 2612571 w 4572000"/>
+              <a:gd name="connsiteY4" fmla="*/ 0 h 18288"/>
+              <a:gd name="connsiteX5" fmla="*/ 3357154 w 4572000"/>
+              <a:gd name="connsiteY5" fmla="*/ 0 h 18288"/>
+              <a:gd name="connsiteX6" fmla="*/ 4010297 w 4572000"/>
+              <a:gd name="connsiteY6" fmla="*/ 0 h 18288"/>
+              <a:gd name="connsiteX7" fmla="*/ 4572000 w 4572000"/>
+              <a:gd name="connsiteY7" fmla="*/ 0 h 18288"/>
+              <a:gd name="connsiteX8" fmla="*/ 4572000 w 4572000"/>
+              <a:gd name="connsiteY8" fmla="*/ 18288 h 18288"/>
+              <a:gd name="connsiteX9" fmla="*/ 3873137 w 4572000"/>
+              <a:gd name="connsiteY9" fmla="*/ 18288 h 18288"/>
+              <a:gd name="connsiteX10" fmla="*/ 3265714 w 4572000"/>
+              <a:gd name="connsiteY10" fmla="*/ 18288 h 18288"/>
+              <a:gd name="connsiteX11" fmla="*/ 2521131 w 4572000"/>
+              <a:gd name="connsiteY11" fmla="*/ 18288 h 18288"/>
+              <a:gd name="connsiteX12" fmla="*/ 1867989 w 4572000"/>
+              <a:gd name="connsiteY12" fmla="*/ 18288 h 18288"/>
+              <a:gd name="connsiteX13" fmla="*/ 1352006 w 4572000"/>
+              <a:gd name="connsiteY13" fmla="*/ 18288 h 18288"/>
+              <a:gd name="connsiteX14" fmla="*/ 836023 w 4572000"/>
+              <a:gd name="connsiteY14" fmla="*/ 18288 h 18288"/>
+              <a:gd name="connsiteX15" fmla="*/ 0 w 4572000"/>
+              <a:gd name="connsiteY15" fmla="*/ 18288 h 18288"/>
+              <a:gd name="connsiteX16" fmla="*/ 0 w 4572000"/>
+              <a:gd name="connsiteY16" fmla="*/ 0 h 18288"/>
+            </a:gdLst>
+            <a:ahLst/>
+            <a:cxnLst>
+              <a:cxn ang="0">
+                <a:pos x="connsiteX0" y="connsiteY0"/>
+              </a:cxn>
+              <a:cxn ang="0">
+                <a:pos x="connsiteX1" y="connsiteY1"/>
+              </a:cxn>
+              <a:cxn ang="0">
+                <a:pos x="connsiteX2" y="connsiteY2"/>
+              </a:cxn>
+              <a:cxn ang="0">
+                <a:pos x="connsiteX3" y="connsiteY3"/>
+              </a:cxn>
+              <a:cxn ang="0">
+                <a:pos x="connsiteX4" y="connsiteY4"/>
+              </a:cxn>
+              <a:cxn ang="0">
+                <a:pos x="connsiteX5" y="connsiteY5"/>
+              </a:cxn>
+              <a:cxn ang="0">
+                <a:pos x="connsiteX6" y="connsiteY6"/>
+              </a:cxn>
+              <a:cxn ang="0">
+                <a:pos x="connsiteX7" y="connsiteY7"/>
+              </a:cxn>
+              <a:cxn ang="0">
+                <a:pos x="connsiteX8" y="connsiteY8"/>
+              </a:cxn>
+              <a:cxn ang="0">
+                <a:pos x="connsiteX9" y="connsiteY9"/>
+              </a:cxn>
+              <a:cxn ang="0">
+                <a:pos x="connsiteX10" y="connsiteY10"/>
+              </a:cxn>
+              <a:cxn ang="0">
+                <a:pos x="connsiteX11" y="connsiteY11"/>
+              </a:cxn>
+              <a:cxn ang="0">
+                <a:pos x="connsiteX12" y="connsiteY12"/>
+              </a:cxn>
+              <a:cxn ang="0">
+                <a:pos x="connsiteX13" y="connsiteY13"/>
+              </a:cxn>
+              <a:cxn ang="0">
+                <a:pos x="connsiteX14" y="connsiteY14"/>
+              </a:cxn>
+              <a:cxn ang="0">
+                <a:pos x="connsiteX15" y="connsiteY15"/>
+              </a:cxn>
+              <a:cxn ang="0">
+                <a:pos x="connsiteX16" y="connsiteY16"/>
+              </a:cxn>
+            </a:cxnLst>
+            <a:rect l="l" t="t" r="r" b="b"/>
+            <a:pathLst>
+              <a:path w="4572000" h="18288" fill="none" extrusionOk="0">
+                <a:moveTo>
+                  <a:pt x="0" y="0"/>
+                </a:moveTo>
+                <a:cubicBezTo>
+                  <a:pt x="335213" y="-5275"/>
+                  <a:pt x="446637" y="2749"/>
+                  <a:pt x="744583" y="0"/>
+                </a:cubicBezTo>
+                <a:cubicBezTo>
+                  <a:pt x="1042529" y="-2749"/>
+                  <a:pt x="1223095" y="8165"/>
+                  <a:pt x="1352006" y="0"/>
+                </a:cubicBezTo>
+                <a:cubicBezTo>
+                  <a:pt x="1480917" y="-8165"/>
+                  <a:pt x="1803308" y="16240"/>
+                  <a:pt x="2050869" y="0"/>
+                </a:cubicBezTo>
+                <a:cubicBezTo>
+                  <a:pt x="2298430" y="-16240"/>
+                  <a:pt x="2464656" y="-22054"/>
+                  <a:pt x="2612571" y="0"/>
+                </a:cubicBezTo>
+                <a:cubicBezTo>
+                  <a:pt x="2760486" y="22054"/>
+                  <a:pt x="3034874" y="11895"/>
+                  <a:pt x="3357154" y="0"/>
+                </a:cubicBezTo>
+                <a:cubicBezTo>
+                  <a:pt x="3679434" y="-11895"/>
+                  <a:pt x="3778145" y="-10841"/>
+                  <a:pt x="4010297" y="0"/>
+                </a:cubicBezTo>
+                <a:cubicBezTo>
+                  <a:pt x="4242449" y="10841"/>
+                  <a:pt x="4385860" y="17261"/>
+                  <a:pt x="4572000" y="0"/>
+                </a:cubicBezTo>
+                <a:cubicBezTo>
+                  <a:pt x="4571443" y="8172"/>
+                  <a:pt x="4571244" y="10948"/>
+                  <a:pt x="4572000" y="18288"/>
+                </a:cubicBezTo>
+                <a:cubicBezTo>
+                  <a:pt x="4352099" y="1269"/>
+                  <a:pt x="4065933" y="40755"/>
+                  <a:pt x="3873137" y="18288"/>
+                </a:cubicBezTo>
+                <a:cubicBezTo>
+                  <a:pt x="3680341" y="-4179"/>
+                  <a:pt x="3486903" y="33471"/>
+                  <a:pt x="3265714" y="18288"/>
+                </a:cubicBezTo>
+                <a:cubicBezTo>
+                  <a:pt x="3044525" y="3105"/>
+                  <a:pt x="2683548" y="-1073"/>
+                  <a:pt x="2521131" y="18288"/>
+                </a:cubicBezTo>
+                <a:cubicBezTo>
+                  <a:pt x="2358714" y="37649"/>
+                  <a:pt x="2132855" y="34593"/>
+                  <a:pt x="1867989" y="18288"/>
+                </a:cubicBezTo>
+                <a:cubicBezTo>
+                  <a:pt x="1603123" y="1983"/>
+                  <a:pt x="1605373" y="2886"/>
+                  <a:pt x="1352006" y="18288"/>
+                </a:cubicBezTo>
+                <a:cubicBezTo>
+                  <a:pt x="1098639" y="33690"/>
+                  <a:pt x="962100" y="16241"/>
+                  <a:pt x="836023" y="18288"/>
+                </a:cubicBezTo>
+                <a:cubicBezTo>
+                  <a:pt x="709946" y="20335"/>
+                  <a:pt x="193668" y="-307"/>
+                  <a:pt x="0" y="18288"/>
+                </a:cubicBezTo>
+                <a:cubicBezTo>
+                  <a:pt x="-277" y="11188"/>
+                  <a:pt x="-244" y="5848"/>
+                  <a:pt x="0" y="0"/>
+                </a:cubicBezTo>
+                <a:close/>
+              </a:path>
+              <a:path w="4572000" h="18288" stroke="0" extrusionOk="0">
+                <a:moveTo>
+                  <a:pt x="0" y="0"/>
+                </a:moveTo>
+                <a:cubicBezTo>
+                  <a:pt x="158188" y="7508"/>
+                  <a:pt x="361578" y="-27091"/>
+                  <a:pt x="561703" y="0"/>
+                </a:cubicBezTo>
+                <a:cubicBezTo>
+                  <a:pt x="761828" y="27091"/>
+                  <a:pt x="1133811" y="14547"/>
+                  <a:pt x="1306286" y="0"/>
+                </a:cubicBezTo>
+                <a:cubicBezTo>
+                  <a:pt x="1478761" y="-14547"/>
+                  <a:pt x="1809594" y="13320"/>
+                  <a:pt x="2050869" y="0"/>
+                </a:cubicBezTo>
+                <a:cubicBezTo>
+                  <a:pt x="2292144" y="-13320"/>
+                  <a:pt x="2409269" y="-14334"/>
+                  <a:pt x="2612571" y="0"/>
+                </a:cubicBezTo>
+                <a:cubicBezTo>
+                  <a:pt x="2815873" y="14334"/>
+                  <a:pt x="3025009" y="33536"/>
+                  <a:pt x="3311434" y="0"/>
+                </a:cubicBezTo>
+                <a:cubicBezTo>
+                  <a:pt x="3597859" y="-33536"/>
+                  <a:pt x="3695431" y="-13462"/>
+                  <a:pt x="3827417" y="0"/>
+                </a:cubicBezTo>
+                <a:cubicBezTo>
+                  <a:pt x="3959403" y="13462"/>
+                  <a:pt x="4360180" y="899"/>
+                  <a:pt x="4572000" y="0"/>
+                </a:cubicBezTo>
+                <a:cubicBezTo>
+                  <a:pt x="4572481" y="8890"/>
+                  <a:pt x="4572898" y="10033"/>
+                  <a:pt x="4572000" y="18288"/>
+                </a:cubicBezTo>
+                <a:cubicBezTo>
+                  <a:pt x="4356830" y="5817"/>
+                  <a:pt x="4021942" y="41441"/>
+                  <a:pt x="3873137" y="18288"/>
+                </a:cubicBezTo>
+                <a:cubicBezTo>
+                  <a:pt x="3724332" y="-4865"/>
+                  <a:pt x="3494019" y="36771"/>
+                  <a:pt x="3174274" y="18288"/>
+                </a:cubicBezTo>
+                <a:cubicBezTo>
+                  <a:pt x="2854529" y="-195"/>
+                  <a:pt x="2861023" y="5963"/>
+                  <a:pt x="2658291" y="18288"/>
+                </a:cubicBezTo>
+                <a:cubicBezTo>
+                  <a:pt x="2455559" y="30613"/>
+                  <a:pt x="2309968" y="11711"/>
+                  <a:pt x="2050869" y="18288"/>
+                </a:cubicBezTo>
+                <a:cubicBezTo>
+                  <a:pt x="1791770" y="24865"/>
+                  <a:pt x="1671115" y="-4587"/>
+                  <a:pt x="1306286" y="18288"/>
+                </a:cubicBezTo>
+                <a:cubicBezTo>
+                  <a:pt x="941457" y="41163"/>
+                  <a:pt x="838619" y="-9452"/>
+                  <a:pt x="653143" y="18288"/>
+                </a:cubicBezTo>
+                <a:cubicBezTo>
+                  <a:pt x="467667" y="46028"/>
+                  <a:pt x="308702" y="9245"/>
+                  <a:pt x="0" y="18288"/>
+                </a:cubicBezTo>
+                <a:cubicBezTo>
+                  <a:pt x="-4" y="10872"/>
+                  <a:pt x="388" y="6748"/>
+                  <a:pt x="0" y="0"/>
+                </a:cubicBezTo>
+                <a:close/>
+              </a:path>
+            </a:pathLst>
+          </a:custGeom>
+          <a:solidFill>
+            <a:schemeClr val="accent2"/>
+          </a:solidFill>
+          <a:ln w="41275" cap="rnd">
+            <a:solidFill>
+              <a:schemeClr val="accent2"/>
+            </a:solidFill>
+            <a:round/>
+            <a:extLst>
+              <a:ext uri="{C807C97D-BFC1-408E-A445-0C87EB9F89A2}">
+                <ask:lineSketchStyleProps xmlns:ask="http://schemas.microsoft.com/office/drawing/2018/sketchyshapes" sd="1959150775">
+                  <a:prstGeom prst="rect">
+                    <a:avLst/>
+                  </a:prstGeom>
+                  <ask:type>
+                    <ask:lineSketchFreehand/>
+                  </ask:type>
+                </ask:lineSketchStyleProps>
+              </a:ext>
+            </a:extLst>
+          </a:ln>
+        </p:spPr>
+        <p:style>
+          <a:lnRef idx="2">
+            <a:schemeClr val="accent1">
+              <a:shade val="50000"/>
+            </a:schemeClr>
+          </a:lnRef>
+          <a:fillRef idx="1">
+            <a:schemeClr val="accent1"/>
+          </a:fillRef>
+          <a:effectRef idx="0">
+            <a:schemeClr val="accent1"/>
+          </a:effectRef>
+          <a:fontRef idx="minor">
+            <a:schemeClr val="lt1"/>
+          </a:fontRef>
+        </p:style>
+        <p:txBody>
+          <a:bodyPr rtlCol="0" anchor="ctr"/>
+          <a:lstStyle/>
+          <a:p>
+            <a:pPr algn="ctr"/>
+            <a:endParaRPr lang="en-US"/>
+          </a:p>
+        </p:txBody>
+      </p:sp>
+      <p:pic>
+        <p:nvPicPr>
+          <p:cNvPr id="5" name="Content Placeholder 4" descr="A picture containing text, accessory&#10;&#10;Description automatically generated">
+            <a:extLst>
+              <a:ext uri="{FF2B5EF4-FFF2-40B4-BE49-F238E27FC236}">
+                <a16:creationId xmlns:a16="http://schemas.microsoft.com/office/drawing/2014/main" id="{289DBF6E-C8C8-48BF-8492-6B0BD558D4F1}"/>
+              </a:ext>
+            </a:extLst>
+          </p:cNvPr>
+          <p:cNvPicPr>
+            <a:picLocks noGrp="1" noChangeAspect="1"/>
+          </p:cNvPicPr>
+          <p:nvPr>
+            <p:ph idx="1"/>
+          </p:nvPr>
+        </p:nvPicPr>
+        <p:blipFill>
+          <a:blip r:embed="rId2">
+            <a:extLst>
+              <a:ext uri="{28A0092B-C50C-407E-A947-70E740481C1C}">
+                <a14:useLocalDpi xmlns:a14="http://schemas.microsoft.com/office/drawing/2010/main" val="0"/>
+              </a:ext>
+            </a:extLst>
+          </a:blip>
+          <a:stretch>
+            <a:fillRect/>
+          </a:stretch>
+        </p:blipFill>
+        <p:spPr>
+          <a:xfrm>
+            <a:off x="198133" y="3009771"/>
+            <a:ext cx="2832069" cy="2810828"/>
+          </a:xfrm>
+          <a:prstGeom prst="rect">
+            <a:avLst/>
+          </a:prstGeom>
+        </p:spPr>
+      </p:pic>
+      <p:pic>
+        <p:nvPicPr>
+          <p:cNvPr id="11" name="Picture 10" descr="A picture containing text, accessory&#10;&#10;Description automatically generated">
+            <a:extLst>
+              <a:ext uri="{FF2B5EF4-FFF2-40B4-BE49-F238E27FC236}">
+                <a16:creationId xmlns:a16="http://schemas.microsoft.com/office/drawing/2014/main" id="{94F3A284-A313-4B96-9840-7E8C634FC17F}"/>
+              </a:ext>
+            </a:extLst>
+          </p:cNvPr>
+          <p:cNvPicPr>
+            <a:picLocks noChangeAspect="1"/>
+          </p:cNvPicPr>
+          <p:nvPr/>
+        </p:nvPicPr>
+        <p:blipFill>
+          <a:blip r:embed="rId3">
+            <a:extLst>
+              <a:ext uri="{28A0092B-C50C-407E-A947-70E740481C1C}">
+                <a14:useLocalDpi xmlns:a14="http://schemas.microsoft.com/office/drawing/2010/main" val="0"/>
+              </a:ext>
+            </a:extLst>
+          </a:blip>
+          <a:stretch>
+            <a:fillRect/>
+          </a:stretch>
+        </p:blipFill>
+        <p:spPr>
+          <a:xfrm>
+            <a:off x="3178938" y="3006232"/>
+            <a:ext cx="2832069" cy="2817908"/>
+          </a:xfrm>
+          <a:prstGeom prst="rect">
+            <a:avLst/>
+          </a:prstGeom>
+        </p:spPr>
+      </p:pic>
+      <p:pic>
+        <p:nvPicPr>
+          <p:cNvPr id="9" name="Picture 8" descr="A picture containing text, vector graphics&#10;&#10;Description automatically generated">
+            <a:extLst>
+              <a:ext uri="{FF2B5EF4-FFF2-40B4-BE49-F238E27FC236}">
+                <a16:creationId xmlns:a16="http://schemas.microsoft.com/office/drawing/2014/main" id="{DBDFC5ED-5E4C-4354-A802-3BA5EE48423F}"/>
+              </a:ext>
+            </a:extLst>
+          </p:cNvPr>
+          <p:cNvPicPr>
+            <a:picLocks noChangeAspect="1"/>
+          </p:cNvPicPr>
+          <p:nvPr/>
+        </p:nvPicPr>
+        <p:blipFill>
+          <a:blip r:embed="rId4">
+            <a:extLst>
+              <a:ext uri="{28A0092B-C50C-407E-A947-70E740481C1C}">
+                <a14:useLocalDpi xmlns:a14="http://schemas.microsoft.com/office/drawing/2010/main" val="0"/>
+              </a:ext>
+            </a:extLst>
+          </a:blip>
+          <a:stretch>
+            <a:fillRect/>
+          </a:stretch>
+        </p:blipFill>
+        <p:spPr>
+          <a:xfrm>
+            <a:off x="6180993" y="3002691"/>
+            <a:ext cx="2832069" cy="2824988"/>
+          </a:xfrm>
+          <a:prstGeom prst="rect">
+            <a:avLst/>
+          </a:prstGeom>
+        </p:spPr>
+      </p:pic>
+      <p:pic>
+        <p:nvPicPr>
+          <p:cNvPr id="7" name="Picture 6" descr="A picture containing text, accessory&#10;&#10;Description automatically generated">
+            <a:extLst>
+              <a:ext uri="{FF2B5EF4-FFF2-40B4-BE49-F238E27FC236}">
+                <a16:creationId xmlns:a16="http://schemas.microsoft.com/office/drawing/2014/main" id="{FD2193D2-90CE-4A28-A969-267927D118BE}"/>
+              </a:ext>
+            </a:extLst>
+          </p:cNvPr>
+          <p:cNvPicPr>
+            <a:picLocks noChangeAspect="1"/>
+          </p:cNvPicPr>
+          <p:nvPr/>
+        </p:nvPicPr>
+        <p:blipFill>
+          <a:blip r:embed="rId5">
+            <a:extLst>
+              <a:ext uri="{28A0092B-C50C-407E-A947-70E740481C1C}">
+                <a14:useLocalDpi xmlns:a14="http://schemas.microsoft.com/office/drawing/2010/main" val="0"/>
+              </a:ext>
+            </a:extLst>
+          </a:blip>
+          <a:stretch>
+            <a:fillRect/>
+          </a:stretch>
+        </p:blipFill>
+        <p:spPr>
+          <a:xfrm>
+            <a:off x="9161797" y="3006231"/>
+            <a:ext cx="2832069" cy="2817908"/>
+          </a:xfrm>
+          <a:prstGeom prst="rect">
+            <a:avLst/>
+          </a:prstGeom>
+        </p:spPr>
+      </p:pic>
+    </p:spTree>
+    <p:extLst>
+      <p:ext uri="{BB962C8B-B14F-4D97-AF65-F5344CB8AC3E}">
+        <p14:creationId xmlns:p14="http://schemas.microsoft.com/office/powerpoint/2010/main" val="3454251011"/>
+      </p:ext>
+    </p:extLst>
+  </p:cSld>
+  <p:clrMapOvr>
+    <a:masterClrMapping/>
+  </p:clrMapOvr>
+</p:sld>
+</file>
+
+<file path=ppt/slides/slide8.xml><?xml version="1.0" encoding="utf-8"?>
+<p:sld xmlns:a="http://schemas.openxmlformats.org/drawingml/2006/main" xmlns:r="http://schemas.openxmlformats.org/officeDocument/2006/relationships" xmlns:p="http://schemas.openxmlformats.org/presentationml/2006/main">
+  <p:cSld>
+    <p:bg>
+      <p:bgPr>
+        <a:gradFill>
+          <a:gsLst>
+            <a:gs pos="0">
+              <a:schemeClr val="accent1">
+                <a:lumMod val="5000"/>
+                <a:lumOff val="95000"/>
+              </a:schemeClr>
+            </a:gs>
+            <a:gs pos="74000">
+              <a:schemeClr val="accent1">
+                <a:lumMod val="45000"/>
+                <a:lumOff val="55000"/>
+              </a:schemeClr>
+            </a:gs>
+            <a:gs pos="83000">
+              <a:schemeClr val="accent1">
+                <a:lumMod val="45000"/>
+                <a:lumOff val="55000"/>
+              </a:schemeClr>
+            </a:gs>
+            <a:gs pos="100000">
+              <a:schemeClr val="accent1">
+                <a:lumMod val="30000"/>
+                <a:lumOff val="70000"/>
+              </a:schemeClr>
+            </a:gs>
+          </a:gsLst>
+          <a:lin ang="5400000" scaled="1"/>
+        </a:gradFill>
+        <a:effectLst/>
+      </p:bgPr>
+    </p:bg>
+    <p:spTree>
+      <p:nvGrpSpPr>
+        <p:cNvPr id="1" name=""/>
+        <p:cNvGrpSpPr/>
+        <p:nvPr/>
+      </p:nvGrpSpPr>
+      <p:grpSpPr>
+        <a:xfrm>
+          <a:off x="0" y="0"/>
+          <a:ext cx="0" cy="0"/>
+          <a:chOff x="0" y="0"/>
+          <a:chExt cx="0" cy="0"/>
+        </a:xfrm>
+      </p:grpSpPr>
+      <p:sp useBgFill="1">
+        <p:nvSpPr>
+          <p:cNvPr id="10" name="Rectangle 9">
+            <a:extLst>
+              <a:ext uri="{FF2B5EF4-FFF2-40B4-BE49-F238E27FC236}">
+                <a16:creationId xmlns:a16="http://schemas.microsoft.com/office/drawing/2014/main" id="{2B97F24A-32CE-4C1C-A50D-3016B394DCFB}"/>
+              </a:ext>
+              <a:ext uri="{C183D7F6-B498-43B3-948B-1728B52AA6E4}">
+                <adec:decorative xmlns:adec="http://schemas.microsoft.com/office/drawing/2017/decorative" val="1"/>
+              </a:ext>
+            </a:extLst>
+          </p:cNvPr>
+          <p:cNvSpPr>
+            <a:spLocks noGrp="1" noRot="1" noChangeAspect="1" noMove="1" noResize="1" noEditPoints="1" noAdjustHandles="1" noChangeArrowheads="1" noChangeShapeType="1" noTextEdit="1"/>
+          </p:cNvSpPr>
+          <p:nvPr>
+            <p:extLst>
+              <p:ext uri="{386F3935-93C4-4BCD-93E2-E3B085C9AB24}">
+                <p16:designElem xmlns:p16="http://schemas.microsoft.com/office/powerpoint/2015/main" val="1"/>
+              </p:ext>
+            </p:extLst>
+          </p:nvPr>
+        </p:nvSpPr>
+        <p:spPr>
+          <a:xfrm>
+            <a:off x="0" y="0"/>
+            <a:ext cx="12192000" cy="6858000"/>
+          </a:xfrm>
+          <a:prstGeom prst="rect">
+            <a:avLst/>
+          </a:prstGeom>
+          <a:ln>
+            <a:noFill/>
+          </a:ln>
+        </p:spPr>
+        <p:style>
+          <a:lnRef idx="2">
+            <a:schemeClr val="accent1">
+              <a:shade val="50000"/>
+            </a:schemeClr>
+          </a:lnRef>
+          <a:fillRef idx="1">
+            <a:schemeClr val="accent1"/>
+          </a:fillRef>
+          <a:effectRef idx="0">
+            <a:schemeClr val="accent1"/>
+          </a:effectRef>
+          <a:fontRef idx="minor">
+            <a:schemeClr val="lt1"/>
+          </a:fontRef>
+        </p:style>
+        <p:txBody>
+          <a:bodyPr rtlCol="0" anchor="ctr"/>
+          <a:lstStyle/>
+          <a:p>
+            <a:pPr algn="ctr"/>
+            <a:endParaRPr lang="en-US"/>
+          </a:p>
+        </p:txBody>
+      </p:sp>
+      <p:sp>
+        <p:nvSpPr>
+          <p:cNvPr id="2" name="Title 1">
+            <a:extLst>
+              <a:ext uri="{FF2B5EF4-FFF2-40B4-BE49-F238E27FC236}">
+                <a16:creationId xmlns:a16="http://schemas.microsoft.com/office/drawing/2014/main" id="{A4CD60AA-8466-44FF-881E-B1AF5C86B801}"/>
+              </a:ext>
+            </a:extLst>
+          </p:cNvPr>
+          <p:cNvSpPr>
+            <a:spLocks noGrp="1"/>
+          </p:cNvSpPr>
+          <p:nvPr>
+            <p:ph type="title"/>
+          </p:nvPr>
+        </p:nvSpPr>
+        <p:spPr>
+          <a:xfrm>
+            <a:off x="630936" y="639520"/>
+            <a:ext cx="3429000" cy="1719072"/>
+          </a:xfrm>
+        </p:spPr>
+        <p:txBody>
+          <a:bodyPr anchor="b">
+            <a:normAutofit/>
+          </a:bodyPr>
+          <a:lstStyle/>
+          <a:p>
+            <a:r>
+              <a:rPr lang="en-US" sz="5400"/>
+              <a:t>Results</a:t>
+            </a:r>
+          </a:p>
+        </p:txBody>
+      </p:sp>
+      <p:sp>
+        <p:nvSpPr>
+          <p:cNvPr id="12" name="sketch line">
+            <a:extLst>
+              <a:ext uri="{FF2B5EF4-FFF2-40B4-BE49-F238E27FC236}">
+                <a16:creationId xmlns:a16="http://schemas.microsoft.com/office/drawing/2014/main" id="{CD8B4F24-440B-49E9-B85D-733523DC064B}"/>
+              </a:ext>
+              <a:ext uri="{C183D7F6-B498-43B3-948B-1728B52AA6E4}">
+                <adec:decorative xmlns:adec="http://schemas.microsoft.com/office/drawing/2017/decorative" val="1"/>
+              </a:ext>
+            </a:extLst>
+          </p:cNvPr>
+          <p:cNvSpPr>
+            <a:spLocks noGrp="1" noRot="1" noChangeAspect="1" noMove="1" noResize="1" noEditPoints="1" noAdjustHandles="1" noChangeArrowheads="1" noChangeShapeType="1" noTextEdit="1"/>
+          </p:cNvSpPr>
+          <p:nvPr>
+            <p:extLst>
+              <p:ext uri="{386F3935-93C4-4BCD-93E2-E3B085C9AB24}">
+                <p16:designElem xmlns:p16="http://schemas.microsoft.com/office/powerpoint/2015/main" val="1"/>
+              </p:ext>
+            </p:extLst>
+          </p:nvPr>
+        </p:nvSpPr>
+        <p:spPr>
+          <a:xfrm>
+            <a:off x="643278" y="2573756"/>
+            <a:ext cx="3255095" cy="18288"/>
+          </a:xfrm>
+          <a:custGeom>
+            <a:avLst/>
+            <a:gdLst>
+              <a:gd name="connsiteX0" fmla="*/ 0 w 3255095"/>
+              <a:gd name="connsiteY0" fmla="*/ 0 h 18288"/>
+              <a:gd name="connsiteX1" fmla="*/ 618468 w 3255095"/>
+              <a:gd name="connsiteY1" fmla="*/ 0 h 18288"/>
+              <a:gd name="connsiteX2" fmla="*/ 1269487 w 3255095"/>
+              <a:gd name="connsiteY2" fmla="*/ 0 h 18288"/>
+              <a:gd name="connsiteX3" fmla="*/ 1953057 w 3255095"/>
+              <a:gd name="connsiteY3" fmla="*/ 0 h 18288"/>
+              <a:gd name="connsiteX4" fmla="*/ 2636627 w 3255095"/>
+              <a:gd name="connsiteY4" fmla="*/ 0 h 18288"/>
+              <a:gd name="connsiteX5" fmla="*/ 3255095 w 3255095"/>
+              <a:gd name="connsiteY5" fmla="*/ 0 h 18288"/>
+              <a:gd name="connsiteX6" fmla="*/ 3255095 w 3255095"/>
+              <a:gd name="connsiteY6" fmla="*/ 18288 h 18288"/>
+              <a:gd name="connsiteX7" fmla="*/ 2538974 w 3255095"/>
+              <a:gd name="connsiteY7" fmla="*/ 18288 h 18288"/>
+              <a:gd name="connsiteX8" fmla="*/ 1822853 w 3255095"/>
+              <a:gd name="connsiteY8" fmla="*/ 18288 h 18288"/>
+              <a:gd name="connsiteX9" fmla="*/ 1171834 w 3255095"/>
+              <a:gd name="connsiteY9" fmla="*/ 18288 h 18288"/>
+              <a:gd name="connsiteX10" fmla="*/ 0 w 3255095"/>
+              <a:gd name="connsiteY10" fmla="*/ 18288 h 18288"/>
+              <a:gd name="connsiteX11" fmla="*/ 0 w 3255095"/>
+              <a:gd name="connsiteY11" fmla="*/ 0 h 18288"/>
+            </a:gdLst>
+            <a:ahLst/>
+            <a:cxnLst>
+              <a:cxn ang="0">
+                <a:pos x="connsiteX0" y="connsiteY0"/>
+              </a:cxn>
+              <a:cxn ang="0">
+                <a:pos x="connsiteX1" y="connsiteY1"/>
+              </a:cxn>
+              <a:cxn ang="0">
+                <a:pos x="connsiteX2" y="connsiteY2"/>
+              </a:cxn>
+              <a:cxn ang="0">
+                <a:pos x="connsiteX3" y="connsiteY3"/>
+              </a:cxn>
+              <a:cxn ang="0">
+                <a:pos x="connsiteX4" y="connsiteY4"/>
+              </a:cxn>
+              <a:cxn ang="0">
+                <a:pos x="connsiteX5" y="connsiteY5"/>
+              </a:cxn>
+              <a:cxn ang="0">
+                <a:pos x="connsiteX6" y="connsiteY6"/>
+              </a:cxn>
+              <a:cxn ang="0">
+                <a:pos x="connsiteX7" y="connsiteY7"/>
+              </a:cxn>
+              <a:cxn ang="0">
+                <a:pos x="connsiteX8" y="connsiteY8"/>
+              </a:cxn>
+              <a:cxn ang="0">
+                <a:pos x="connsiteX9" y="connsiteY9"/>
+              </a:cxn>
+              <a:cxn ang="0">
+                <a:pos x="connsiteX10" y="connsiteY10"/>
+              </a:cxn>
+              <a:cxn ang="0">
+                <a:pos x="connsiteX11" y="connsiteY11"/>
+              </a:cxn>
+            </a:cxnLst>
+            <a:rect l="l" t="t" r="r" b="b"/>
+            <a:pathLst>
+              <a:path w="3255095" h="18288" fill="none" extrusionOk="0">
+                <a:moveTo>
+                  <a:pt x="0" y="0"/>
+                </a:moveTo>
+                <a:cubicBezTo>
+                  <a:pt x="240201" y="-22123"/>
+                  <a:pt x="462021" y="-19623"/>
+                  <a:pt x="618468" y="0"/>
+                </a:cubicBezTo>
+                <a:cubicBezTo>
+                  <a:pt x="774915" y="19623"/>
+                  <a:pt x="974734" y="2035"/>
+                  <a:pt x="1269487" y="0"/>
+                </a:cubicBezTo>
+                <a:cubicBezTo>
+                  <a:pt x="1564240" y="-2035"/>
+                  <a:pt x="1733579" y="10639"/>
+                  <a:pt x="1953057" y="0"/>
+                </a:cubicBezTo>
+                <a:cubicBezTo>
+                  <a:pt x="2172535" y="-10639"/>
+                  <a:pt x="2453962" y="14018"/>
+                  <a:pt x="2636627" y="0"/>
+                </a:cubicBezTo>
+                <a:cubicBezTo>
+                  <a:pt x="2819292" y="-14018"/>
+                  <a:pt x="3121375" y="5399"/>
+                  <a:pt x="3255095" y="0"/>
+                </a:cubicBezTo>
+                <a:cubicBezTo>
+                  <a:pt x="3254386" y="8157"/>
+                  <a:pt x="3254682" y="12125"/>
+                  <a:pt x="3255095" y="18288"/>
+                </a:cubicBezTo>
+                <a:cubicBezTo>
+                  <a:pt x="3088545" y="23203"/>
+                  <a:pt x="2687475" y="7419"/>
+                  <a:pt x="2538974" y="18288"/>
+                </a:cubicBezTo>
+                <a:cubicBezTo>
+                  <a:pt x="2390473" y="29157"/>
+                  <a:pt x="2137381" y="-8959"/>
+                  <a:pt x="1822853" y="18288"/>
+                </a:cubicBezTo>
+                <a:cubicBezTo>
+                  <a:pt x="1508325" y="45535"/>
+                  <a:pt x="1466437" y="20385"/>
+                  <a:pt x="1171834" y="18288"/>
+                </a:cubicBezTo>
+                <a:cubicBezTo>
+                  <a:pt x="877231" y="16191"/>
+                  <a:pt x="561097" y="37643"/>
+                  <a:pt x="0" y="18288"/>
+                </a:cubicBezTo>
+                <a:cubicBezTo>
+                  <a:pt x="-46" y="12483"/>
+                  <a:pt x="-203" y="6491"/>
+                  <a:pt x="0" y="0"/>
+                </a:cubicBezTo>
+                <a:close/>
+              </a:path>
+              <a:path w="3255095" h="18288" stroke="0" extrusionOk="0">
+                <a:moveTo>
+                  <a:pt x="0" y="0"/>
+                </a:moveTo>
+                <a:cubicBezTo>
+                  <a:pt x="291965" y="19429"/>
+                  <a:pt x="363155" y="8568"/>
+                  <a:pt x="618468" y="0"/>
+                </a:cubicBezTo>
+                <a:cubicBezTo>
+                  <a:pt x="873781" y="-8568"/>
+                  <a:pt x="904459" y="-19505"/>
+                  <a:pt x="1171834" y="0"/>
+                </a:cubicBezTo>
+                <a:cubicBezTo>
+                  <a:pt x="1439209" y="19505"/>
+                  <a:pt x="1744369" y="9790"/>
+                  <a:pt x="1887955" y="0"/>
+                </a:cubicBezTo>
+                <a:cubicBezTo>
+                  <a:pt x="2031541" y="-9790"/>
+                  <a:pt x="2346378" y="21240"/>
+                  <a:pt x="2506423" y="0"/>
+                </a:cubicBezTo>
+                <a:cubicBezTo>
+                  <a:pt x="2666468" y="-21240"/>
+                  <a:pt x="2990257" y="30414"/>
+                  <a:pt x="3255095" y="0"/>
+                </a:cubicBezTo>
+                <a:cubicBezTo>
+                  <a:pt x="3254831" y="4493"/>
+                  <a:pt x="3255479" y="9472"/>
+                  <a:pt x="3255095" y="18288"/>
+                </a:cubicBezTo>
+                <a:cubicBezTo>
+                  <a:pt x="3120743" y="16690"/>
+                  <a:pt x="2759628" y="42462"/>
+                  <a:pt x="2604076" y="18288"/>
+                </a:cubicBezTo>
+                <a:cubicBezTo>
+                  <a:pt x="2448524" y="-5886"/>
+                  <a:pt x="2184336" y="19599"/>
+                  <a:pt x="1887955" y="18288"/>
+                </a:cubicBezTo>
+                <a:cubicBezTo>
+                  <a:pt x="1591574" y="16977"/>
+                  <a:pt x="1548845" y="6870"/>
+                  <a:pt x="1334589" y="18288"/>
+                </a:cubicBezTo>
+                <a:cubicBezTo>
+                  <a:pt x="1120333" y="29706"/>
+                  <a:pt x="996014" y="9662"/>
+                  <a:pt x="683570" y="18288"/>
+                </a:cubicBezTo>
+                <a:cubicBezTo>
+                  <a:pt x="371126" y="26914"/>
+                  <a:pt x="198687" y="16167"/>
+                  <a:pt x="0" y="18288"/>
+                </a:cubicBezTo>
+                <a:cubicBezTo>
+                  <a:pt x="843" y="9577"/>
+                  <a:pt x="371" y="6900"/>
+                  <a:pt x="0" y="0"/>
+                </a:cubicBezTo>
+                <a:close/>
+              </a:path>
+            </a:pathLst>
+          </a:custGeom>
+          <a:solidFill>
+            <a:schemeClr val="accent2"/>
+          </a:solidFill>
+          <a:ln w="38100" cap="rnd">
+            <a:solidFill>
+              <a:schemeClr val="accent2"/>
+            </a:solidFill>
+            <a:round/>
+            <a:extLst>
+              <a:ext uri="{C807C97D-BFC1-408E-A445-0C87EB9F89A2}">
+                <ask:lineSketchStyleProps xmlns:ask="http://schemas.microsoft.com/office/drawing/2018/sketchyshapes" sd="1219033472">
+                  <a:prstGeom prst="rect">
+                    <a:avLst/>
+                  </a:prstGeom>
+                  <ask:type>
+                    <ask:lineSketchFreehand/>
+                  </ask:type>
+                </ask:lineSketchStyleProps>
+              </a:ext>
+            </a:extLst>
+          </a:ln>
+        </p:spPr>
+        <p:style>
+          <a:lnRef idx="2">
+            <a:schemeClr val="accent1">
+              <a:shade val="50000"/>
+            </a:schemeClr>
+          </a:lnRef>
+          <a:fillRef idx="1">
+            <a:schemeClr val="accent1"/>
+          </a:fillRef>
+          <a:effectRef idx="0">
+            <a:schemeClr val="accent1"/>
+          </a:effectRef>
+          <a:fontRef idx="minor">
+            <a:schemeClr val="lt1"/>
+          </a:fontRef>
+        </p:style>
+        <p:txBody>
+          <a:bodyPr rtlCol="0" anchor="ctr"/>
+          <a:lstStyle/>
+          <a:p>
+            <a:pPr algn="ctr"/>
+            <a:endParaRPr lang="en-US"/>
+          </a:p>
+        </p:txBody>
+      </p:sp>
+      <p:sp>
+        <p:nvSpPr>
+          <p:cNvPr id="3" name="Content Placeholder 2">
+            <a:extLst>
+              <a:ext uri="{FF2B5EF4-FFF2-40B4-BE49-F238E27FC236}">
+                <a16:creationId xmlns:a16="http://schemas.microsoft.com/office/drawing/2014/main" id="{A1EFD01E-B887-421F-BACC-79108140C0CE}"/>
+              </a:ext>
+            </a:extLst>
+          </p:cNvPr>
+          <p:cNvSpPr>
+            <a:spLocks noGrp="1"/>
+          </p:cNvSpPr>
+          <p:nvPr>
+            <p:ph idx="1"/>
+          </p:nvPr>
+        </p:nvSpPr>
+        <p:spPr>
+          <a:xfrm>
+            <a:off x="630936" y="2807208"/>
+            <a:ext cx="3429000" cy="3410712"/>
+          </a:xfrm>
+        </p:spPr>
+        <p:txBody>
+          <a:bodyPr anchor="t">
+            <a:normAutofit/>
+          </a:bodyPr>
+          <a:lstStyle/>
+          <a:p>
+            <a:r>
+              <a:rPr lang="en-US" sz="2200"/>
+              <a:t>Model 1, Validation  Accuracy 51.4%</a:t>
+            </a:r>
+          </a:p>
+          <a:p>
+            <a:r>
+              <a:rPr lang="en-US" sz="2200"/>
+              <a:t>Model 2 Validation Accuracy 59.2%</a:t>
+            </a:r>
+          </a:p>
+        </p:txBody>
+      </p:sp>
+      <p:pic>
+        <p:nvPicPr>
+          <p:cNvPr id="5" name="Picture 4" descr="Chart, line chart&#10;&#10;Description automatically generated">
+            <a:extLst>
+              <a:ext uri="{FF2B5EF4-FFF2-40B4-BE49-F238E27FC236}">
+                <a16:creationId xmlns:a16="http://schemas.microsoft.com/office/drawing/2014/main" id="{B0903DA2-4937-4E2C-B006-5D696CE520AB}"/>
+              </a:ext>
+            </a:extLst>
+          </p:cNvPr>
+          <p:cNvPicPr>
+            <a:picLocks noChangeAspect="1"/>
+          </p:cNvPicPr>
+          <p:nvPr/>
+        </p:nvPicPr>
+        <p:blipFill>
+          <a:blip r:embed="rId2">
+            <a:extLst>
+              <a:ext uri="{28A0092B-C50C-407E-A947-70E740481C1C}">
+                <a14:useLocalDpi xmlns:a14="http://schemas.microsoft.com/office/drawing/2010/main" val="0"/>
+              </a:ext>
+            </a:extLst>
+          </a:blip>
+          <a:stretch>
+            <a:fillRect/>
+          </a:stretch>
+        </p:blipFill>
+        <p:spPr>
+          <a:xfrm>
+            <a:off x="4654296" y="883253"/>
+            <a:ext cx="6903720" cy="5091493"/>
+          </a:xfrm>
+          <a:prstGeom prst="rect">
+            <a:avLst/>
+          </a:prstGeom>
+        </p:spPr>
+      </p:pic>
+    </p:spTree>
+    <p:extLst>
+      <p:ext uri="{BB962C8B-B14F-4D97-AF65-F5344CB8AC3E}">
+        <p14:creationId xmlns:p14="http://schemas.microsoft.com/office/powerpoint/2010/main" val="633050115"/>
+      </p:ext>
+    </p:extLst>
+  </p:cSld>
+  <p:clrMapOvr>
+    <a:masterClrMapping/>
+  </p:clrMapOvr>
+</p:sld>
+</file>
+
+<file path=ppt/slides/slide9.xml><?xml version="1.0" encoding="utf-8"?>
+<p:sld xmlns:a="http://schemas.openxmlformats.org/drawingml/2006/main" xmlns:r="http://schemas.openxmlformats.org/officeDocument/2006/relationships" xmlns:p="http://schemas.openxmlformats.org/presentationml/2006/main">
+  <p:cSld>
+    <p:bg>
+      <p:bgPr>
+        <a:gradFill>
+          <a:gsLst>
+            <a:gs pos="0">
+              <a:schemeClr val="accent1">
+                <a:lumMod val="5000"/>
+                <a:lumOff val="95000"/>
+              </a:schemeClr>
+            </a:gs>
+            <a:gs pos="74000">
+              <a:schemeClr val="accent1">
+                <a:lumMod val="45000"/>
+                <a:lumOff val="55000"/>
+              </a:schemeClr>
+            </a:gs>
+            <a:gs pos="83000">
+              <a:schemeClr val="accent1">
+                <a:lumMod val="45000"/>
+                <a:lumOff val="55000"/>
+              </a:schemeClr>
+            </a:gs>
+            <a:gs pos="100000">
+              <a:schemeClr val="accent1">
+                <a:lumMod val="30000"/>
+                <a:lumOff val="70000"/>
+              </a:schemeClr>
+            </a:gs>
+          </a:gsLst>
+          <a:lin ang="5400000" scaled="1"/>
+        </a:gradFill>
+        <a:effectLst/>
+      </p:bgPr>
+    </p:bg>
+    <p:spTree>
+      <p:nvGrpSpPr>
+        <p:cNvPr id="1" name=""/>
+        <p:cNvGrpSpPr/>
+        <p:nvPr/>
+      </p:nvGrpSpPr>
+      <p:grpSpPr>
+        <a:xfrm>
+          <a:off x="0" y="0"/>
+          <a:ext cx="0" cy="0"/>
+          <a:chOff x="0" y="0"/>
+          <a:chExt cx="0" cy="0"/>
+        </a:xfrm>
+      </p:grpSpPr>
+      <p:sp useBgFill="1">
+        <p:nvSpPr>
+          <p:cNvPr id="8" name="Rectangle 7">
+            <a:extLst>
+              <a:ext uri="{FF2B5EF4-FFF2-40B4-BE49-F238E27FC236}">
+                <a16:creationId xmlns:a16="http://schemas.microsoft.com/office/drawing/2014/main" id="{777A147A-9ED8-46B4-8660-1B3C2AA880B5}"/>
+              </a:ext>
+              <a:ext uri="{C183D7F6-B498-43B3-948B-1728B52AA6E4}">
+                <adec:decorative xmlns:adec="http://schemas.microsoft.com/office/drawing/2017/decorative" val="1"/>
+              </a:ext>
+            </a:extLst>
+          </p:cNvPr>
+          <p:cNvSpPr>
+            <a:spLocks noGrp="1" noRot="1" noChangeAspect="1" noMove="1" noResize="1" noEditPoints="1" noAdjustHandles="1" noChangeArrowheads="1" noChangeShapeType="1" noTextEdit="1"/>
+          </p:cNvSpPr>
+          <p:nvPr>
+            <p:extLst>
+              <p:ext uri="{386F3935-93C4-4BCD-93E2-E3B085C9AB24}">
+                <p16:designElem xmlns:p16="http://schemas.microsoft.com/office/powerpoint/2015/main" val="1"/>
+              </p:ext>
+            </p:extLst>
+          </p:nvPr>
+        </p:nvSpPr>
+        <p:spPr>
+          <a:xfrm>
+            <a:off x="0" y="0"/>
+            <a:ext cx="12188952" cy="6858000"/>
+          </a:xfrm>
+          <a:prstGeom prst="rect">
+            <a:avLst/>
+          </a:prstGeom>
+          <a:ln>
+            <a:noFill/>
+          </a:ln>
+        </p:spPr>
+        <p:style>
+          <a:lnRef idx="2">
+            <a:schemeClr val="accent1">
+              <a:shade val="50000"/>
+            </a:schemeClr>
+          </a:lnRef>
+          <a:fillRef idx="1">
+            <a:schemeClr val="accent1"/>
+          </a:fillRef>
+          <a:effectRef idx="0">
+            <a:schemeClr val="accent1"/>
+          </a:effectRef>
+          <a:fontRef idx="minor">
+            <a:schemeClr val="lt1"/>
+          </a:fontRef>
+        </p:style>
+        <p:txBody>
+          <a:bodyPr rtlCol="0" anchor="ctr"/>
+          <a:lstStyle/>
+          <a:p>
+            <a:pPr algn="ctr"/>
+            <a:endParaRPr lang="en-US"/>
+          </a:p>
+        </p:txBody>
+      </p:sp>
+      <p:sp>
+        <p:nvSpPr>
+          <p:cNvPr id="2" name="Title 1">
+            <a:extLst>
+              <a:ext uri="{FF2B5EF4-FFF2-40B4-BE49-F238E27FC236}">
+                <a16:creationId xmlns:a16="http://schemas.microsoft.com/office/drawing/2014/main" id="{E9F3ED4F-A14C-42F1-8780-B6CD3A6E7EB6}"/>
+              </a:ext>
+            </a:extLst>
+          </p:cNvPr>
+          <p:cNvSpPr>
+            <a:spLocks noGrp="1"/>
+          </p:cNvSpPr>
+          <p:nvPr>
+            <p:ph type="title"/>
+          </p:nvPr>
+        </p:nvSpPr>
+        <p:spPr>
+          <a:xfrm>
+            <a:off x="841248" y="548640"/>
+            <a:ext cx="3600860" cy="5431536"/>
+          </a:xfrm>
+        </p:spPr>
+        <p:txBody>
+          <a:bodyPr>
+            <a:normAutofit/>
+          </a:bodyPr>
+          <a:lstStyle/>
+          <a:p>
+            <a:r>
+              <a:rPr lang="en-US" sz="3800"/>
+              <a:t>Conclusion/Next steps</a:t>
+            </a:r>
+          </a:p>
+        </p:txBody>
+      </p:sp>
+      <p:sp>
+        <p:nvSpPr>
+          <p:cNvPr id="10" name="sketch line">
+            <a:extLst>
+              <a:ext uri="{FF2B5EF4-FFF2-40B4-BE49-F238E27FC236}">
+                <a16:creationId xmlns:a16="http://schemas.microsoft.com/office/drawing/2014/main" id="{5D6C15A0-C087-4593-8414-2B4EC1CDC3DE}"/>
+              </a:ext>
+              <a:ext uri="{C183D7F6-B498-43B3-948B-1728B52AA6E4}">
+                <adec:decorative xmlns:adec="http://schemas.microsoft.com/office/drawing/2017/decorative" val="1"/>
+              </a:ext>
+            </a:extLst>
+          </p:cNvPr>
+          <p:cNvSpPr>
+            <a:spLocks noGrp="1" noRot="1" noChangeAspect="1" noMove="1" noResize="1" noEditPoints="1" noAdjustHandles="1" noChangeArrowheads="1" noChangeShapeType="1" noTextEdit="1"/>
+          </p:cNvSpPr>
+          <p:nvPr>
+            <p:extLst>
+              <p:ext uri="{386F3935-93C4-4BCD-93E2-E3B085C9AB24}">
+                <p16:designElem xmlns:p16="http://schemas.microsoft.com/office/powerpoint/2015/main" val="1"/>
+              </p:ext>
+            </p:extLst>
+          </p:nvPr>
+        </p:nvSpPr>
+        <p:spPr>
+          <a:xfrm rot="5400000">
+            <a:off x="2543983" y="3258715"/>
+            <a:ext cx="4480560" cy="18288"/>
+          </a:xfrm>
+          <a:custGeom>
+            <a:avLst/>
+            <a:gdLst>
+              <a:gd name="connsiteX0" fmla="*/ 0 w 4480560"/>
+              <a:gd name="connsiteY0" fmla="*/ 0 h 18288"/>
+              <a:gd name="connsiteX1" fmla="*/ 595274 w 4480560"/>
+              <a:gd name="connsiteY1" fmla="*/ 0 h 18288"/>
+              <a:gd name="connsiteX2" fmla="*/ 1100938 w 4480560"/>
+              <a:gd name="connsiteY2" fmla="*/ 0 h 18288"/>
+              <a:gd name="connsiteX3" fmla="*/ 1651406 w 4480560"/>
+              <a:gd name="connsiteY3" fmla="*/ 0 h 18288"/>
+              <a:gd name="connsiteX4" fmla="*/ 2336292 w 4480560"/>
+              <a:gd name="connsiteY4" fmla="*/ 0 h 18288"/>
+              <a:gd name="connsiteX5" fmla="*/ 2931566 w 4480560"/>
+              <a:gd name="connsiteY5" fmla="*/ 0 h 18288"/>
+              <a:gd name="connsiteX6" fmla="*/ 3482035 w 4480560"/>
+              <a:gd name="connsiteY6" fmla="*/ 0 h 18288"/>
+              <a:gd name="connsiteX7" fmla="*/ 4480560 w 4480560"/>
+              <a:gd name="connsiteY7" fmla="*/ 0 h 18288"/>
+              <a:gd name="connsiteX8" fmla="*/ 4480560 w 4480560"/>
+              <a:gd name="connsiteY8" fmla="*/ 18288 h 18288"/>
+              <a:gd name="connsiteX9" fmla="*/ 3840480 w 4480560"/>
+              <a:gd name="connsiteY9" fmla="*/ 18288 h 18288"/>
+              <a:gd name="connsiteX10" fmla="*/ 3290011 w 4480560"/>
+              <a:gd name="connsiteY10" fmla="*/ 18288 h 18288"/>
+              <a:gd name="connsiteX11" fmla="*/ 2560320 w 4480560"/>
+              <a:gd name="connsiteY11" fmla="*/ 18288 h 18288"/>
+              <a:gd name="connsiteX12" fmla="*/ 1965046 w 4480560"/>
+              <a:gd name="connsiteY12" fmla="*/ 18288 h 18288"/>
+              <a:gd name="connsiteX13" fmla="*/ 1459382 w 4480560"/>
+              <a:gd name="connsiteY13" fmla="*/ 18288 h 18288"/>
+              <a:gd name="connsiteX14" fmla="*/ 774497 w 4480560"/>
+              <a:gd name="connsiteY14" fmla="*/ 18288 h 18288"/>
+              <a:gd name="connsiteX15" fmla="*/ 0 w 4480560"/>
+              <a:gd name="connsiteY15" fmla="*/ 18288 h 18288"/>
+              <a:gd name="connsiteX16" fmla="*/ 0 w 4480560"/>
+              <a:gd name="connsiteY16" fmla="*/ 0 h 18288"/>
+            </a:gdLst>
+            <a:ahLst/>
+            <a:cxnLst>
+              <a:cxn ang="0">
+                <a:pos x="connsiteX0" y="connsiteY0"/>
+              </a:cxn>
+              <a:cxn ang="0">
+                <a:pos x="connsiteX1" y="connsiteY1"/>
+              </a:cxn>
+              <a:cxn ang="0">
+                <a:pos x="connsiteX2" y="connsiteY2"/>
+              </a:cxn>
+              <a:cxn ang="0">
+                <a:pos x="connsiteX3" y="connsiteY3"/>
+              </a:cxn>
+              <a:cxn ang="0">
+                <a:pos x="connsiteX4" y="connsiteY4"/>
+              </a:cxn>
+              <a:cxn ang="0">
+                <a:pos x="connsiteX5" y="connsiteY5"/>
+              </a:cxn>
+              <a:cxn ang="0">
+                <a:pos x="connsiteX6" y="connsiteY6"/>
+              </a:cxn>
+              <a:cxn ang="0">
+                <a:pos x="connsiteX7" y="connsiteY7"/>
+              </a:cxn>
+              <a:cxn ang="0">
+                <a:pos x="connsiteX8" y="connsiteY8"/>
+              </a:cxn>
+              <a:cxn ang="0">
+                <a:pos x="connsiteX9" y="connsiteY9"/>
+              </a:cxn>
+              <a:cxn ang="0">
+                <a:pos x="connsiteX10" y="connsiteY10"/>
+              </a:cxn>
+              <a:cxn ang="0">
+                <a:pos x="connsiteX11" y="connsiteY11"/>
+              </a:cxn>
+              <a:cxn ang="0">
+                <a:pos x="connsiteX12" y="connsiteY12"/>
+              </a:cxn>
+              <a:cxn ang="0">
+                <a:pos x="connsiteX13" y="connsiteY13"/>
+              </a:cxn>
+              <a:cxn ang="0">
+                <a:pos x="connsiteX14" y="connsiteY14"/>
+              </a:cxn>
+              <a:cxn ang="0">
+                <a:pos x="connsiteX15" y="connsiteY15"/>
+              </a:cxn>
+              <a:cxn ang="0">
+                <a:pos x="connsiteX16" y="connsiteY16"/>
+              </a:cxn>
+            </a:cxnLst>
+            <a:rect l="l" t="t" r="r" b="b"/>
+            <a:pathLst>
+              <a:path w="4480560" h="18288" fill="none" extrusionOk="0">
+                <a:moveTo>
+                  <a:pt x="0" y="0"/>
+                </a:moveTo>
+                <a:cubicBezTo>
+                  <a:pt x="267821" y="8731"/>
+                  <a:pt x="334105" y="2629"/>
+                  <a:pt x="595274" y="0"/>
+                </a:cubicBezTo>
+                <a:cubicBezTo>
+                  <a:pt x="856443" y="-2629"/>
+                  <a:pt x="863808" y="-13353"/>
+                  <a:pt x="1100938" y="0"/>
+                </a:cubicBezTo>
+                <a:cubicBezTo>
+                  <a:pt x="1338068" y="13353"/>
+                  <a:pt x="1431663" y="-25862"/>
+                  <a:pt x="1651406" y="0"/>
+                </a:cubicBezTo>
+                <a:cubicBezTo>
+                  <a:pt x="1871149" y="25862"/>
+                  <a:pt x="2173163" y="23827"/>
+                  <a:pt x="2336292" y="0"/>
+                </a:cubicBezTo>
+                <a:cubicBezTo>
+                  <a:pt x="2499421" y="-23827"/>
+                  <a:pt x="2720589" y="28148"/>
+                  <a:pt x="2931566" y="0"/>
+                </a:cubicBezTo>
+                <a:cubicBezTo>
+                  <a:pt x="3142543" y="-28148"/>
+                  <a:pt x="3323630" y="27022"/>
+                  <a:pt x="3482035" y="0"/>
+                </a:cubicBezTo>
+                <a:cubicBezTo>
+                  <a:pt x="3640440" y="-27022"/>
+                  <a:pt x="4012110" y="-20118"/>
+                  <a:pt x="4480560" y="0"/>
+                </a:cubicBezTo>
+                <a:cubicBezTo>
+                  <a:pt x="4480958" y="7429"/>
+                  <a:pt x="4480540" y="10822"/>
+                  <a:pt x="4480560" y="18288"/>
+                </a:cubicBezTo>
+                <a:cubicBezTo>
+                  <a:pt x="4314132" y="14924"/>
+                  <a:pt x="4028383" y="36632"/>
+                  <a:pt x="3840480" y="18288"/>
+                </a:cubicBezTo>
+                <a:cubicBezTo>
+                  <a:pt x="3652577" y="-56"/>
+                  <a:pt x="3547615" y="2848"/>
+                  <a:pt x="3290011" y="18288"/>
+                </a:cubicBezTo>
+                <a:cubicBezTo>
+                  <a:pt x="3032407" y="33728"/>
+                  <a:pt x="2830268" y="8719"/>
+                  <a:pt x="2560320" y="18288"/>
+                </a:cubicBezTo>
+                <a:cubicBezTo>
+                  <a:pt x="2290372" y="27857"/>
+                  <a:pt x="2147422" y="6728"/>
+                  <a:pt x="1965046" y="18288"/>
+                </a:cubicBezTo>
+                <a:cubicBezTo>
+                  <a:pt x="1782670" y="29848"/>
+                  <a:pt x="1689791" y="40680"/>
+                  <a:pt x="1459382" y="18288"/>
+                </a:cubicBezTo>
+                <a:cubicBezTo>
+                  <a:pt x="1228973" y="-4104"/>
+                  <a:pt x="915486" y="36501"/>
+                  <a:pt x="774497" y="18288"/>
+                </a:cubicBezTo>
+                <a:cubicBezTo>
+                  <a:pt x="633508" y="75"/>
+                  <a:pt x="361442" y="-11107"/>
+                  <a:pt x="0" y="18288"/>
+                </a:cubicBezTo>
+                <a:cubicBezTo>
+                  <a:pt x="-591" y="13205"/>
+                  <a:pt x="-663" y="6329"/>
+                  <a:pt x="0" y="0"/>
+                </a:cubicBezTo>
+                <a:close/>
+              </a:path>
+              <a:path w="4480560" h="18288" stroke="0" extrusionOk="0">
+                <a:moveTo>
+                  <a:pt x="0" y="0"/>
+                </a:moveTo>
+                <a:cubicBezTo>
+                  <a:pt x="285465" y="225"/>
+                  <a:pt x="322691" y="16223"/>
+                  <a:pt x="595274" y="0"/>
+                </a:cubicBezTo>
+                <a:cubicBezTo>
+                  <a:pt x="867857" y="-16223"/>
+                  <a:pt x="989129" y="-11242"/>
+                  <a:pt x="1100938" y="0"/>
+                </a:cubicBezTo>
+                <a:cubicBezTo>
+                  <a:pt x="1212747" y="11242"/>
+                  <a:pt x="1574350" y="-36410"/>
+                  <a:pt x="1830629" y="0"/>
+                </a:cubicBezTo>
+                <a:cubicBezTo>
+                  <a:pt x="2086908" y="36410"/>
+                  <a:pt x="2180922" y="4645"/>
+                  <a:pt x="2425903" y="0"/>
+                </a:cubicBezTo>
+                <a:cubicBezTo>
+                  <a:pt x="2670884" y="-4645"/>
+                  <a:pt x="2782024" y="22929"/>
+                  <a:pt x="3021178" y="0"/>
+                </a:cubicBezTo>
+                <a:cubicBezTo>
+                  <a:pt x="3260332" y="-22929"/>
+                  <a:pt x="3456982" y="-1586"/>
+                  <a:pt x="3750869" y="0"/>
+                </a:cubicBezTo>
+                <a:cubicBezTo>
+                  <a:pt x="4044756" y="1586"/>
+                  <a:pt x="4302726" y="17043"/>
+                  <a:pt x="4480560" y="0"/>
+                </a:cubicBezTo>
+                <a:cubicBezTo>
+                  <a:pt x="4479674" y="5429"/>
+                  <a:pt x="4481381" y="14046"/>
+                  <a:pt x="4480560" y="18288"/>
+                </a:cubicBezTo>
+                <a:cubicBezTo>
+                  <a:pt x="4279652" y="-6850"/>
+                  <a:pt x="4200762" y="41566"/>
+                  <a:pt x="3930091" y="18288"/>
+                </a:cubicBezTo>
+                <a:cubicBezTo>
+                  <a:pt x="3659420" y="-4990"/>
+                  <a:pt x="3456052" y="22294"/>
+                  <a:pt x="3290011" y="18288"/>
+                </a:cubicBezTo>
+                <a:cubicBezTo>
+                  <a:pt x="3123970" y="14282"/>
+                  <a:pt x="2882392" y="32818"/>
+                  <a:pt x="2649931" y="18288"/>
+                </a:cubicBezTo>
+                <a:cubicBezTo>
+                  <a:pt x="2417470" y="3758"/>
+                  <a:pt x="2238426" y="7337"/>
+                  <a:pt x="2054657" y="18288"/>
+                </a:cubicBezTo>
+                <a:cubicBezTo>
+                  <a:pt x="1870888" y="29239"/>
+                  <a:pt x="1566368" y="45040"/>
+                  <a:pt x="1324966" y="18288"/>
+                </a:cubicBezTo>
+                <a:cubicBezTo>
+                  <a:pt x="1083564" y="-8464"/>
+                  <a:pt x="787410" y="10946"/>
+                  <a:pt x="595274" y="18288"/>
+                </a:cubicBezTo>
+                <a:cubicBezTo>
+                  <a:pt x="403138" y="25630"/>
+                  <a:pt x="169622" y="10499"/>
+                  <a:pt x="0" y="18288"/>
+                </a:cubicBezTo>
+                <a:cubicBezTo>
+                  <a:pt x="668" y="13665"/>
+                  <a:pt x="578" y="5675"/>
+                  <a:pt x="0" y="0"/>
+                </a:cubicBezTo>
+                <a:close/>
+              </a:path>
+            </a:pathLst>
+          </a:custGeom>
+          <a:solidFill>
+            <a:schemeClr val="accent2"/>
+          </a:solidFill>
+          <a:ln w="41275" cap="rnd">
+            <a:solidFill>
+              <a:schemeClr val="accent2"/>
+            </a:solidFill>
+            <a:round/>
+            <a:extLst>
+              <a:ext uri="{C807C97D-BFC1-408E-A445-0C87EB9F89A2}">
+                <ask:lineSketchStyleProps xmlns:ask="http://schemas.microsoft.com/office/drawing/2018/sketchyshapes" sd="1219033472">
+                  <a:prstGeom prst="rect">
+                    <a:avLst/>
+                  </a:prstGeom>
+                  <ask:type>
+                    <ask:lineSketchFreehand/>
+                  </ask:type>
+                </ask:lineSketchStyleProps>
+              </a:ext>
+            </a:extLst>
+          </a:ln>
+        </p:spPr>
+        <p:style>
+          <a:lnRef idx="2">
+            <a:schemeClr val="accent1">
+              <a:shade val="50000"/>
+            </a:schemeClr>
+          </a:lnRef>
+          <a:fillRef idx="1">
+            <a:schemeClr val="accent1"/>
+          </a:fillRef>
+          <a:effectRef idx="0">
+            <a:schemeClr val="accent1"/>
+          </a:effectRef>
+          <a:fontRef idx="minor">
+            <a:schemeClr val="lt1"/>
+          </a:fontRef>
+        </p:style>
+        <p:txBody>
+          <a:bodyPr rtlCol="0" anchor="ctr"/>
+          <a:lstStyle/>
+          <a:p>
+            <a:pPr algn="ctr"/>
+            <a:endParaRPr lang="en-US"/>
+          </a:p>
+        </p:txBody>
+      </p:sp>
+      <p:sp>
+        <p:nvSpPr>
+          <p:cNvPr id="3" name="Content Placeholder 2">
+            <a:extLst>
+              <a:ext uri="{FF2B5EF4-FFF2-40B4-BE49-F238E27FC236}">
+                <a16:creationId xmlns:a16="http://schemas.microsoft.com/office/drawing/2014/main" id="{442BCCED-F9C1-48F5-946A-097295AB9368}"/>
+              </a:ext>
+            </a:extLst>
+          </p:cNvPr>
+          <p:cNvSpPr>
+            <a:spLocks noGrp="1"/>
+          </p:cNvSpPr>
+          <p:nvPr>
+            <p:ph idx="1"/>
+          </p:nvPr>
+        </p:nvSpPr>
+        <p:spPr>
+          <a:xfrm>
+            <a:off x="5126418" y="552091"/>
+            <a:ext cx="6224335" cy="5431536"/>
+          </a:xfrm>
+        </p:spPr>
+        <p:txBody>
+          <a:bodyPr anchor="ctr">
+            <a:normAutofit/>
+          </a:bodyPr>
+          <a:lstStyle/>
+          <a:p>
+            <a:r>
+              <a:rPr lang="en-US" sz="2200"/>
+              <a:t>50% accuracy shows the model is detecting a signal in the card images for classification</a:t>
+            </a:r>
+          </a:p>
+          <a:p>
+            <a:r>
+              <a:rPr lang="en-US" sz="2200"/>
+              <a:t>It is difficult to have high accuracy when there are a lot of classes, good idea to use early stopping and drop out layers.</a:t>
+            </a:r>
+          </a:p>
+          <a:p>
+            <a:r>
+              <a:rPr lang="en-US" sz="2200"/>
+              <a:t>Can generate fake damage and analyze card for value.</a:t>
+            </a:r>
+          </a:p>
+        </p:txBody>
+      </p:sp>
+    </p:spTree>
+    <p:extLst>
+      <p:ext uri="{BB962C8B-B14F-4D97-AF65-F5344CB8AC3E}">
+        <p14:creationId xmlns:p14="http://schemas.microsoft.com/office/powerpoint/2010/main" val="2478134334"/>
       </p:ext>
     </p:extLst>
   </p:cSld>

--- a/Capstone Presentation.pptx
+++ b/Capstone Presentation.pptx
@@ -6115,8 +6115,8 @@
         </p:blipFill>
         <p:spPr>
           <a:xfrm>
-            <a:off x="927519" y="0"/>
-            <a:ext cx="2799257" cy="3907536"/>
+            <a:off x="266283" y="616055"/>
+            <a:ext cx="4243589" cy="5923706"/>
           </a:xfrm>
           <a:prstGeom prst="rect">
             <a:avLst/>
@@ -6466,42 +6466,6 @@
           </a:p>
         </p:txBody>
       </p:sp>
-      <p:pic>
-        <p:nvPicPr>
-          <p:cNvPr id="5" name="Picture 4" descr="Logo&#10;&#10;Description automatically generated with low confidence">
-            <a:extLst>
-              <a:ext uri="{FF2B5EF4-FFF2-40B4-BE49-F238E27FC236}">
-                <a16:creationId xmlns:a16="http://schemas.microsoft.com/office/drawing/2014/main" id="{C7438DC7-65E8-44E8-971D-9F8F55E76BA0}"/>
-              </a:ext>
-            </a:extLst>
-          </p:cNvPr>
-          <p:cNvPicPr>
-            <a:picLocks noChangeAspect="1"/>
-          </p:cNvPicPr>
-          <p:nvPr/>
-        </p:nvPicPr>
-        <p:blipFill>
-          <a:blip r:embed="rId3">
-            <a:extLst>
-              <a:ext uri="{28A0092B-C50C-407E-A947-70E740481C1C}">
-                <a14:useLocalDpi xmlns:a14="http://schemas.microsoft.com/office/drawing/2010/main" val="0"/>
-              </a:ext>
-            </a:extLst>
-          </a:blip>
-          <a:stretch>
-            <a:fillRect/>
-          </a:stretch>
-        </p:blipFill>
-        <p:spPr>
-          <a:xfrm>
-            <a:off x="927519" y="4045426"/>
-            <a:ext cx="2608916" cy="2608916"/>
-          </a:xfrm>
-          <a:prstGeom prst="rect">
-            <a:avLst/>
-          </a:prstGeom>
-        </p:spPr>
-      </p:pic>
       <p:sp>
         <p:nvSpPr>
           <p:cNvPr id="3" name="Content Placeholder 2">
@@ -6531,13 +6495,25 @@
           <a:lstStyle/>
           <a:p>
             <a:r>
-              <a:rPr lang="en-US" sz="2200"/>
-              <a:t>Pokemon TCG API is and PokemonClassifier dataset from Kaggle was used to collect image data.</a:t>
-            </a:r>
-          </a:p>
-          <a:p>
-            <a:r>
-              <a:rPr lang="en-US" sz="2200"/>
+              <a:rPr lang="en-US" sz="2200" dirty="0" err="1"/>
+              <a:t>Pokemon</a:t>
+            </a:r>
+            <a:r>
+              <a:rPr lang="en-US" sz="2200" dirty="0"/>
+              <a:t> TCG API is and </a:t>
+            </a:r>
+            <a:r>
+              <a:rPr lang="en-US" sz="2200" dirty="0" err="1"/>
+              <a:t>PokemonClassifier</a:t>
+            </a:r>
+            <a:r>
+              <a:rPr lang="en-US" sz="2200" dirty="0"/>
+              <a:t> dataset from Kaggle was used to collect image data.</a:t>
+            </a:r>
+          </a:p>
+          <a:p>
+            <a:r>
+              <a:rPr lang="en-US" sz="2200" dirty="0"/>
               <a:t>https://pokemontcg.io/</a:t>
             </a:r>
           </a:p>
